--- a/Бот Семён.pptx
+++ b/Бот Семён.pptx
@@ -108,6 +108,11 @@
       </a:defRPr>
     </a:lvl9pPr>
   </p:defaultTextStyle>
+  <p:extLst>
+    <p:ext uri="{EFAFB233-063F-42B5-8137-9DF3F51BA10A}">
+      <p15:sldGuideLst xmlns:p15="http://schemas.microsoft.com/office/powerpoint/2012/main"/>
+    </p:ext>
+  </p:extLst>
 </p:presentation>
 </file>
 
@@ -281,7 +286,7 @@
             <a:fld id="{87DE6118-2437-4B30-8E3C-4D2BE6020583}" type="datetimeFigureOut">
               <a:rPr lang="en-US" dirty="0"/>
               <a:pPr/>
-              <a:t>4/13/2023</a:t>
+              <a:t>4/18/2023</a:t>
             </a:fld>
             <a:endParaRPr lang="en-US" dirty="0"/>
           </a:p>
@@ -607,7 +612,7 @@
           <a:p>
             <a:fld id="{87DE6118-2437-4B30-8E3C-4D2BE6020583}" type="datetimeFigureOut">
               <a:rPr lang="en-US" dirty="0"/>
-              <a:t>4/13/2023</a:t>
+              <a:t>4/18/2023</a:t>
             </a:fld>
             <a:endParaRPr lang="en-US" dirty="0"/>
           </a:p>
@@ -782,7 +787,7 @@
           <a:p>
             <a:fld id="{87DE6118-2437-4B30-8E3C-4D2BE6020583}" type="datetimeFigureOut">
               <a:rPr lang="en-US" dirty="0"/>
-              <a:t>4/13/2023</a:t>
+              <a:t>4/18/2023</a:t>
             </a:fld>
             <a:endParaRPr lang="en-US" dirty="0"/>
           </a:p>
@@ -947,7 +952,7 @@
           <a:p>
             <a:fld id="{87DE6118-2437-4B30-8E3C-4D2BE6020583}" type="datetimeFigureOut">
               <a:rPr lang="en-US" dirty="0"/>
-              <a:t>4/13/2023</a:t>
+              <a:t>4/18/2023</a:t>
             </a:fld>
             <a:endParaRPr lang="en-US" dirty="0"/>
           </a:p>
@@ -1220,7 +1225,7 @@
             <a:fld id="{87DE6118-2437-4B30-8E3C-4D2BE6020583}" type="datetimeFigureOut">
               <a:rPr lang="en-US" dirty="0"/>
               <a:pPr/>
-              <a:t>4/13/2023</a:t>
+              <a:t>4/18/2023</a:t>
             </a:fld>
             <a:endParaRPr lang="en-US" dirty="0"/>
           </a:p>
@@ -1610,7 +1615,7 @@
           <a:p>
             <a:fld id="{87DE6118-2437-4B30-8E3C-4D2BE6020583}" type="datetimeFigureOut">
               <a:rPr lang="en-US" dirty="0"/>
-              <a:t>4/13/2023</a:t>
+              <a:t>4/18/2023</a:t>
             </a:fld>
             <a:endParaRPr lang="en-US" dirty="0"/>
           </a:p>
@@ -2082,7 +2087,7 @@
           <a:p>
             <a:fld id="{87DE6118-2437-4B30-8E3C-4D2BE6020583}" type="datetimeFigureOut">
               <a:rPr lang="en-US" dirty="0"/>
-              <a:t>4/13/2023</a:t>
+              <a:t>4/18/2023</a:t>
             </a:fld>
             <a:endParaRPr lang="en-US" dirty="0"/>
           </a:p>
@@ -2195,7 +2200,7 @@
           <a:p>
             <a:fld id="{87DE6118-2437-4B30-8E3C-4D2BE6020583}" type="datetimeFigureOut">
               <a:rPr lang="en-US" dirty="0"/>
-              <a:t>4/13/2023</a:t>
+              <a:t>4/18/2023</a:t>
             </a:fld>
             <a:endParaRPr lang="en-US" dirty="0"/>
           </a:p>
@@ -2285,7 +2290,7 @@
           <a:p>
             <a:fld id="{87DE6118-2437-4B30-8E3C-4D2BE6020583}" type="datetimeFigureOut">
               <a:rPr lang="en-US" dirty="0"/>
-              <a:t>4/13/2023</a:t>
+              <a:t>4/18/2023</a:t>
             </a:fld>
             <a:endParaRPr lang="en-US" dirty="0"/>
           </a:p>
@@ -2627,7 +2632,7 @@
             <a:fld id="{87DE6118-2437-4B30-8E3C-4D2BE6020583}" type="datetimeFigureOut">
               <a:rPr lang="en-US" dirty="0"/>
               <a:pPr/>
-              <a:t>4/13/2023</a:t>
+              <a:t>4/18/2023</a:t>
             </a:fld>
             <a:endParaRPr lang="en-US" dirty="0"/>
           </a:p>
@@ -3012,7 +3017,7 @@
             <a:fld id="{87DE6118-2437-4B30-8E3C-4D2BE6020583}" type="datetimeFigureOut">
               <a:rPr lang="en-US" dirty="0"/>
               <a:pPr/>
-              <a:t>4/13/2023</a:t>
+              <a:t>4/18/2023</a:t>
             </a:fld>
             <a:endParaRPr lang="en-US" dirty="0"/>
           </a:p>
@@ -3287,7 +3292,7 @@
             <a:fld id="{87DE6118-2437-4B30-8E3C-4D2BE6020583}" type="datetimeFigureOut">
               <a:rPr lang="en-US" dirty="0"/>
               <a:pPr/>
-              <a:t>4/13/2023</a:t>
+              <a:t>4/18/2023</a:t>
             </a:fld>
             <a:endParaRPr lang="en-US" dirty="0"/>
           </a:p>
@@ -3961,12 +3966,17 @@
           <a:lstStyle/>
           <a:p>
             <a:r>
-              <a:rPr lang="ru-RU" sz="2400" dirty="0"/>
-              <a:t>Наш проект подразумевает собой Telegram бота с викториной про Мурманск и Мурманскую область, написанного на Python. В проекте реализуется общая таблица рейтинга, где пользователь может узнать результат других участников и увидеть своё место в данной таблице.</a:t>
-            </a:r>
-          </a:p>
-          <a:p>
-            <a:endParaRPr lang="ru-RU" dirty="0"/>
+              <a:rPr lang="ru-RU" dirty="0"/>
+              <a:t>Наш проект подразумевает собой Telegram бота с викториной про Мурманскую область и Кольский полуостров, написанного на </a:t>
+            </a:r>
+            <a:r>
+              <a:rPr lang="ru-RU" dirty="0" err="1"/>
+              <a:t>Python</a:t>
+            </a:r>
+            <a:r>
+              <a:rPr lang="ru-RU" dirty="0"/>
+              <a:t>. В проекте реализуется общая таблица рейтинга, где пользователь может узнать результат других участников и увидеть своё место в данной таблице.</a:t>
+            </a:r>
           </a:p>
         </p:txBody>
       </p:sp>
@@ -4077,7 +4087,7 @@
         </p:spPr>
         <p:txBody>
           <a:bodyPr>
-            <a:normAutofit fontScale="92500" lnSpcReduction="20000"/>
+            <a:normAutofit fontScale="85000" lnSpcReduction="20000"/>
           </a:bodyPr>
           <a:lstStyle/>
           <a:p>
@@ -4165,8 +4175,39 @@
             </a:r>
             <a:r>
               <a:rPr lang="ru-RU" sz="1600" b="1" i="0" dirty="0"/>
-              <a:t>ник участника.</a:t>
-            </a:r>
+              <a:t>ник участника</a:t>
+            </a:r>
+            <a:r>
+              <a:rPr lang="ru-RU" sz="1600" b="1" i="0" dirty="0" smtClean="0"/>
+              <a:t>.</a:t>
+            </a:r>
+            <a:endParaRPr lang="en-US" sz="1600" b="1" i="0" dirty="0" smtClean="0"/>
+          </a:p>
+          <a:p>
+            <a:pPr marL="742950" lvl="1" indent="-285750">
+              <a:spcAft>
+                <a:spcPts val="600"/>
+              </a:spcAft>
+              <a:buFont typeface="Arial" panose="020B0604020202020204" pitchFamily="34" charset="0"/>
+              <a:buChar char="•"/>
+            </a:pPr>
+            <a:r>
+              <a:rPr lang="en-US" sz="1600" b="1" i="0" dirty="0" err="1"/>
+              <a:t>user_id</a:t>
+            </a:r>
+            <a:r>
+              <a:rPr lang="en-US" sz="1600" b="1" i="0" dirty="0"/>
+              <a:t> – id </a:t>
+            </a:r>
+            <a:r>
+              <a:rPr lang="ru-RU" sz="1600" b="1" i="0" dirty="0"/>
+              <a:t>участника</a:t>
+            </a:r>
+            <a:r>
+              <a:rPr lang="ru-RU" sz="1600" b="1" i="0" dirty="0" smtClean="0"/>
+              <a:t>.</a:t>
+            </a:r>
+            <a:endParaRPr lang="ru-RU" sz="1600" b="1" i="0" dirty="0"/>
           </a:p>
           <a:p>
             <a:pPr marL="742950" lvl="1" indent="-285750">
@@ -4430,6 +4471,30 @@
           </a:p>
         </p:txBody>
       </p:sp>
+      <p:pic>
+        <p:nvPicPr>
+          <p:cNvPr id="6" name="Рисунок 5"/>
+          <p:cNvPicPr>
+            <a:picLocks noChangeAspect="1"/>
+          </p:cNvPicPr>
+          <p:nvPr/>
+        </p:nvPicPr>
+        <p:blipFill>
+          <a:blip r:embed="rId2"/>
+          <a:stretch>
+            <a:fillRect/>
+          </a:stretch>
+        </p:blipFill>
+        <p:spPr>
+          <a:xfrm>
+            <a:off x="5634973" y="1365453"/>
+            <a:ext cx="6454173" cy="4127091"/>
+          </a:xfrm>
+          <a:prstGeom prst="rect">
+            <a:avLst/>
+          </a:prstGeom>
+        </p:spPr>
+      </p:pic>
     </p:spTree>
     <p:extLst>
       <p:ext uri="{BB962C8B-B14F-4D97-AF65-F5344CB8AC3E}">
@@ -4537,254 +4602,236 @@
         </p:spPr>
         <p:txBody>
           <a:bodyPr>
-            <a:normAutofit/>
+            <a:normAutofit fontScale="92500" lnSpcReduction="10000"/>
           </a:bodyPr>
           <a:lstStyle/>
           <a:p>
-            <a:pPr>
-              <a:lnSpc>
-                <a:spcPct val="100000"/>
-              </a:lnSpc>
-              <a:spcAft>
-                <a:spcPts val="0"/>
-              </a:spcAft>
+            <a:r>
+              <a:rPr lang="ru-RU" b="1" dirty="0"/>
+              <a:t>Обработчики</a:t>
+            </a:r>
+            <a:r>
+              <a:rPr lang="en-US" b="1" dirty="0"/>
+              <a:t>:</a:t>
+            </a:r>
+            <a:endParaRPr lang="ru-RU" b="1" dirty="0"/>
+          </a:p>
+          <a:p>
+            <a:pPr marL="285750" lvl="0" indent="-285750">
+              <a:buFont typeface="Arial" panose="020B0604020202020204" pitchFamily="34" charset="0"/>
+              <a:buChar char="•"/>
             </a:pPr>
             <a:r>
-              <a:rPr lang="ru-RU" sz="1800" b="1" dirty="0"/>
-              <a:t>Обработчики</a:t>
-            </a:r>
-            <a:r>
-              <a:rPr lang="en-US" sz="1800" b="1" dirty="0"/>
-              <a:t>:</a:t>
-            </a:r>
-          </a:p>
-          <a:p>
-            <a:pPr>
-              <a:lnSpc>
-                <a:spcPct val="100000"/>
-              </a:lnSpc>
-              <a:spcAft>
-                <a:spcPts val="0"/>
-              </a:spcAft>
+              <a:rPr lang="en-US" b="1" i="1" dirty="0"/>
+              <a:t>start</a:t>
+            </a:r>
+            <a:r>
+              <a:rPr lang="ru-RU" dirty="0"/>
+              <a:t> – приветствие с пользователем и предоставление ему информации о командах бота</a:t>
+            </a:r>
+          </a:p>
+          <a:p>
+            <a:pPr marL="285750" lvl="0" indent="-285750">
+              <a:buFont typeface="Arial" panose="020B0604020202020204" pitchFamily="34" charset="0"/>
+              <a:buChar char="•"/>
             </a:pPr>
             <a:r>
-              <a:rPr lang="ru-RU" sz="1800" b="1" dirty="0"/>
-              <a:t>•</a:t>
-            </a:r>
-            <a:r>
-              <a:rPr lang="ru-RU" sz="1800" b="1" dirty="0" err="1"/>
-              <a:t>start</a:t>
-            </a:r>
-            <a:r>
-              <a:rPr lang="ru-RU" sz="1800" b="1" dirty="0"/>
-              <a:t> – вступительная фраза и предложение </a:t>
-            </a:r>
-            <a:r>
-              <a:rPr lang="ru-RU" sz="1800" b="1" dirty="0" err="1"/>
-              <a:t>квиза</a:t>
-            </a:r>
-            <a:r>
-              <a:rPr lang="ru-RU" sz="1800" b="1" dirty="0"/>
-              <a:t>.</a:t>
-            </a:r>
-          </a:p>
-          <a:p>
-            <a:pPr>
-              <a:lnSpc>
-                <a:spcPct val="100000"/>
-              </a:lnSpc>
-              <a:spcAft>
-                <a:spcPts val="0"/>
-              </a:spcAft>
+              <a:rPr lang="en-US" b="1" i="1" dirty="0"/>
+              <a:t>game</a:t>
+            </a:r>
+            <a:r>
+              <a:rPr lang="en-US" dirty="0"/>
+              <a:t> </a:t>
+            </a:r>
+            <a:r>
+              <a:rPr lang="ru-RU" dirty="0"/>
+              <a:t>– викторина со случайными вопросами</a:t>
+            </a:r>
+          </a:p>
+          <a:p>
+            <a:pPr marL="285750" lvl="0" indent="-285750">
+              <a:buFont typeface="Arial" panose="020B0604020202020204" pitchFamily="34" charset="0"/>
+              <a:buChar char="•"/>
             </a:pPr>
             <a:r>
-              <a:rPr lang="ru-RU" sz="1800" b="1" dirty="0"/>
-              <a:t>•</a:t>
-            </a:r>
-            <a:r>
-              <a:rPr lang="ru-RU" sz="1800" b="1" dirty="0" err="1"/>
-              <a:t>starting</a:t>
-            </a:r>
-            <a:r>
-              <a:rPr lang="ru-RU" sz="1800" b="1" dirty="0"/>
-              <a:t> – Ожидание ответа пользователя на предложение.</a:t>
-            </a:r>
-          </a:p>
-          <a:p>
-            <a:pPr>
-              <a:lnSpc>
-                <a:spcPct val="100000"/>
-              </a:lnSpc>
-              <a:spcAft>
-                <a:spcPts val="0"/>
-              </a:spcAft>
+              <a:rPr lang="en-US" b="1" i="1" dirty="0"/>
+              <a:t>results</a:t>
+            </a:r>
+            <a:r>
+              <a:rPr lang="en-US" dirty="0"/>
+              <a:t> – </a:t>
+            </a:r>
+            <a:r>
+              <a:rPr lang="ru-RU" dirty="0"/>
+              <a:t>проверка на правильность ответа</a:t>
+            </a:r>
+          </a:p>
+          <a:p>
+            <a:pPr marL="285750" lvl="0" indent="-285750">
+              <a:buFont typeface="Arial" panose="020B0604020202020204" pitchFamily="34" charset="0"/>
+              <a:buChar char="•"/>
             </a:pPr>
             <a:r>
-              <a:rPr lang="ru-RU" sz="1800" b="1" dirty="0"/>
-              <a:t>•</a:t>
-            </a:r>
-            <a:r>
-              <a:rPr lang="ru-RU" sz="1800" b="1" dirty="0" err="1"/>
+              <a:rPr lang="en-US" b="1" i="1" dirty="0"/>
+              <a:t>fork </a:t>
+            </a:r>
+            <a:r>
+              <a:rPr lang="ru-RU" b="1" i="1" dirty="0"/>
+              <a:t>(</a:t>
+            </a:r>
+            <a:r>
+              <a:rPr lang="en-US" b="1" i="1" dirty="0"/>
+              <a:t>cat</a:t>
+            </a:r>
+            <a:r>
+              <a:rPr lang="ru-RU" b="1" i="1" dirty="0"/>
+              <a:t>_</a:t>
+            </a:r>
+            <a:r>
+              <a:rPr lang="en-US" b="1" i="1" dirty="0"/>
+              <a:t>fork</a:t>
+            </a:r>
+            <a:r>
+              <a:rPr lang="ru-RU" b="1" i="1" dirty="0"/>
+              <a:t>)</a:t>
+            </a:r>
+            <a:r>
+              <a:rPr lang="ru-RU" i="1" dirty="0"/>
+              <a:t> </a:t>
+            </a:r>
+            <a:r>
+              <a:rPr lang="ru-RU" dirty="0"/>
+              <a:t>– уточняет у пользователя, хочет ли он продолжить викторину</a:t>
+            </a:r>
+          </a:p>
+          <a:p>
+            <a:pPr marL="285750" lvl="0" indent="-285750">
+              <a:buFont typeface="Arial" panose="020B0604020202020204" pitchFamily="34" charset="0"/>
+              <a:buChar char="•"/>
+            </a:pPr>
+            <a:r>
+              <a:rPr lang="en-US" b="1" i="1" dirty="0"/>
               <a:t>categories</a:t>
             </a:r>
             <a:r>
-              <a:rPr lang="ru-RU" sz="1800" b="1" dirty="0"/>
-              <a:t> – выбор категории </a:t>
-            </a:r>
-            <a:r>
-              <a:rPr lang="ru-RU" sz="1800" b="1" dirty="0" err="1"/>
-              <a:t>квиза</a:t>
-            </a:r>
-            <a:r>
-              <a:rPr lang="ru-RU" sz="1800" b="1" dirty="0"/>
-              <a:t>.</a:t>
-            </a:r>
-          </a:p>
-          <a:p>
-            <a:pPr>
-              <a:lnSpc>
-                <a:spcPct val="100000"/>
-              </a:lnSpc>
-              <a:spcAft>
-                <a:spcPts val="0"/>
-              </a:spcAft>
+              <a:rPr lang="en-US" dirty="0"/>
+              <a:t> – </a:t>
+            </a:r>
+            <a:r>
+              <a:rPr lang="ru-RU" dirty="0"/>
+              <a:t>выбор категории</a:t>
+            </a:r>
+          </a:p>
+          <a:p>
+            <a:pPr marL="285750" lvl="0" indent="-285750">
+              <a:buFont typeface="Arial" panose="020B0604020202020204" pitchFamily="34" charset="0"/>
+              <a:buChar char="•"/>
             </a:pPr>
             <a:r>
-              <a:rPr lang="ru-RU" sz="1800" b="1" dirty="0"/>
-              <a:t>•</a:t>
-            </a:r>
-            <a:r>
-              <a:rPr lang="ru-RU" sz="1800" b="1" dirty="0" err="1"/>
-              <a:t>quiz</a:t>
-            </a:r>
-            <a:r>
-              <a:rPr lang="ru-RU" sz="1800" b="1" dirty="0"/>
-              <a:t> – вывод текстов вопросов и ожидание ответа на них.</a:t>
-            </a:r>
-          </a:p>
-          <a:p>
-            <a:pPr>
-              <a:lnSpc>
-                <a:spcPct val="100000"/>
-              </a:lnSpc>
-              <a:spcAft>
-                <a:spcPts val="0"/>
-              </a:spcAft>
+              <a:rPr lang="en-US" b="1" i="1" dirty="0"/>
+              <a:t>categories</a:t>
+            </a:r>
+            <a:r>
+              <a:rPr lang="ru-RU" b="1" i="1" dirty="0"/>
+              <a:t>_</a:t>
+            </a:r>
+            <a:r>
+              <a:rPr lang="en-US" b="1" i="1" dirty="0"/>
+              <a:t>game </a:t>
+            </a:r>
+            <a:r>
+              <a:rPr lang="ru-RU" dirty="0"/>
+              <a:t>– викторина по выбранной категории</a:t>
+            </a:r>
+          </a:p>
+          <a:p>
+            <a:pPr marL="285750" lvl="0" indent="-285750">
+              <a:buFont typeface="Arial" panose="020B0604020202020204" pitchFamily="34" charset="0"/>
+              <a:buChar char="•"/>
             </a:pPr>
             <a:r>
-              <a:rPr lang="ru-RU" sz="1800" b="1" dirty="0"/>
-              <a:t>•</a:t>
-            </a:r>
-            <a:r>
-              <a:rPr lang="ru-RU" sz="1800" b="1" dirty="0" err="1"/>
-              <a:t>results</a:t>
-            </a:r>
-            <a:r>
-              <a:rPr lang="ru-RU" sz="1800" b="1" dirty="0"/>
-              <a:t> – проверка ответа на вопрос и начисление очков.</a:t>
-            </a:r>
-          </a:p>
-          <a:p>
-            <a:pPr>
-              <a:lnSpc>
-                <a:spcPct val="100000"/>
-              </a:lnSpc>
-              <a:spcAft>
-                <a:spcPts val="0"/>
-              </a:spcAft>
+              <a:rPr lang="en-US" b="1" i="1" dirty="0"/>
+              <a:t>stat</a:t>
+            </a:r>
+            <a:r>
+              <a:rPr lang="en-US" dirty="0"/>
+              <a:t> – </a:t>
+            </a:r>
+            <a:r>
+              <a:rPr lang="ru-RU" dirty="0"/>
+              <a:t>рейтинг </a:t>
+            </a:r>
+          </a:p>
+          <a:p>
+            <a:pPr marL="285750" lvl="0" indent="-285750">
+              <a:buFont typeface="Arial" panose="020B0604020202020204" pitchFamily="34" charset="0"/>
+              <a:buChar char="•"/>
             </a:pPr>
             <a:r>
-              <a:rPr lang="ru-RU" sz="1800" b="1" dirty="0"/>
-              <a:t>•</a:t>
-            </a:r>
-            <a:r>
-              <a:rPr lang="ru-RU" sz="1800" b="1" dirty="0" err="1"/>
-              <a:t>finish</a:t>
-            </a:r>
-            <a:r>
-              <a:rPr lang="ru-RU" sz="1800" b="1" dirty="0"/>
-              <a:t> – вывод результата топ-5 пользователей и текущего пользователя.</a:t>
-            </a:r>
-          </a:p>
-          <a:p>
-            <a:pPr>
-              <a:lnSpc>
-                <a:spcPct val="100000"/>
-              </a:lnSpc>
-              <a:spcAft>
-                <a:spcPts val="0"/>
-              </a:spcAft>
+              <a:rPr lang="en-US" b="1" i="1" dirty="0"/>
+              <a:t>help</a:t>
+            </a:r>
+            <a:r>
+              <a:rPr lang="ru-RU" b="1" i="1" dirty="0"/>
+              <a:t>_</a:t>
+            </a:r>
+            <a:r>
+              <a:rPr lang="en-US" b="1" i="1" dirty="0"/>
+              <a:t>command</a:t>
+            </a:r>
+            <a:r>
+              <a:rPr lang="ru-RU" b="1" i="1" dirty="0"/>
+              <a:t> </a:t>
+            </a:r>
+            <a:r>
+              <a:rPr lang="ru-RU" dirty="0"/>
+              <a:t>– вывод информации об авторах бота</a:t>
+            </a:r>
+          </a:p>
+          <a:p>
+            <a:pPr marL="285750" lvl="0" indent="-285750">
+              <a:buFont typeface="Arial" panose="020B0604020202020204" pitchFamily="34" charset="0"/>
+              <a:buChar char="•"/>
             </a:pPr>
             <a:r>
-              <a:rPr lang="ru-RU" sz="1800" b="1" dirty="0"/>
-              <a:t>•</a:t>
-            </a:r>
-            <a:r>
-              <a:rPr lang="ru-RU" sz="1800" b="1" dirty="0" err="1"/>
-              <a:t>to_beginning</a:t>
-            </a:r>
-            <a:r>
-              <a:rPr lang="ru-RU" sz="1800" b="1" dirty="0"/>
-              <a:t> – возвращение к выбору категорий.</a:t>
-            </a:r>
-          </a:p>
-          <a:p>
-            <a:pPr>
-              <a:lnSpc>
-                <a:spcPct val="100000"/>
-              </a:lnSpc>
-              <a:spcAft>
-                <a:spcPts val="0"/>
-              </a:spcAft>
-            </a:pPr>
-            <a:r>
-              <a:rPr lang="ru-RU" sz="1800" b="1" dirty="0"/>
-              <a:t>•</a:t>
-            </a:r>
-            <a:r>
-              <a:rPr lang="ru-RU" sz="1800" b="1" dirty="0" err="1"/>
-              <a:t>help_command</a:t>
-            </a:r>
-            <a:r>
-              <a:rPr lang="ru-RU" sz="1800" b="1" dirty="0"/>
-              <a:t> – вывод справки о командах.</a:t>
-            </a:r>
-          </a:p>
-          <a:p>
-            <a:pPr>
-              <a:lnSpc>
-                <a:spcPct val="100000"/>
-              </a:lnSpc>
-              <a:spcAft>
-                <a:spcPts val="0"/>
-              </a:spcAft>
-            </a:pPr>
-            <a:r>
-              <a:rPr lang="ru-RU" sz="1800" b="1" dirty="0"/>
-              <a:t>•</a:t>
-            </a:r>
-            <a:r>
-              <a:rPr lang="ru-RU" sz="1800" b="1" dirty="0" err="1"/>
+              <a:rPr lang="en-US" b="1" i="1" dirty="0"/>
               <a:t>stop</a:t>
             </a:r>
             <a:r>
-              <a:rPr lang="ru-RU" sz="1800" b="1" dirty="0"/>
-              <a:t> – завершение сессии.</a:t>
-            </a:r>
-          </a:p>
-          <a:p>
-            <a:pPr>
-              <a:lnSpc>
-                <a:spcPct val="100000"/>
-              </a:lnSpc>
-              <a:spcAft>
-                <a:spcPts val="0"/>
-              </a:spcAft>
-            </a:pPr>
-            <a:endParaRPr lang="ru-RU" dirty="0"/>
-          </a:p>
-        </p:txBody>
-      </p:sp>
+              <a:rPr lang="en-US" dirty="0"/>
+              <a:t> – </a:t>
+            </a:r>
+            <a:r>
+              <a:rPr lang="ru-RU" dirty="0"/>
+              <a:t>завершение сессии.</a:t>
+            </a:r>
+          </a:p>
+        </p:txBody>
+      </p:sp>
+      <p:pic>
+        <p:nvPicPr>
+          <p:cNvPr id="7" name="Рисунок 6"/>
+          <p:cNvPicPr>
+            <a:picLocks noChangeAspect="1"/>
+          </p:cNvPicPr>
+          <p:nvPr/>
+        </p:nvPicPr>
+        <p:blipFill>
+          <a:blip r:embed="rId2"/>
+          <a:stretch>
+            <a:fillRect/>
+          </a:stretch>
+        </p:blipFill>
+        <p:spPr>
+          <a:xfrm>
+            <a:off x="5752147" y="814386"/>
+            <a:ext cx="6219825" cy="5229225"/>
+          </a:xfrm>
+          <a:prstGeom prst="rect">
+            <a:avLst/>
+          </a:prstGeom>
+        </p:spPr>
+      </p:pic>
     </p:spTree>
     <p:extLst>
       <p:ext uri="{BB962C8B-B14F-4D97-AF65-F5344CB8AC3E}">

--- a/Бот Семён.pptx
+++ b/Бот Семён.pptx
@@ -2,14 +2,15 @@
 <file path=ppt/presentation.xml><?xml version="1.0" encoding="utf-8"?>
 <p:presentation xmlns:a="http://schemas.openxmlformats.org/drawingml/2006/main" xmlns:r="http://schemas.openxmlformats.org/officeDocument/2006/relationships" xmlns:p="http://schemas.openxmlformats.org/presentationml/2006/main" autoCompressPictures="0">
   <p:sldMasterIdLst>
-    <p:sldMasterId id="2147483648" r:id="rId1"/>
+    <p:sldMasterId id="2147483696" r:id="rId1"/>
   </p:sldMasterIdLst>
   <p:sldIdLst>
     <p:sldId id="256" r:id="rId2"/>
     <p:sldId id="258" r:id="rId3"/>
-    <p:sldId id="257" r:id="rId4"/>
-    <p:sldId id="260" r:id="rId5"/>
-    <p:sldId id="261" r:id="rId6"/>
+    <p:sldId id="262" r:id="rId4"/>
+    <p:sldId id="264" r:id="rId5"/>
+    <p:sldId id="265" r:id="rId6"/>
+    <p:sldId id="261" r:id="rId7"/>
   </p:sldIdLst>
   <p:sldSz cx="12192000" cy="6858000"/>
   <p:notesSz cx="6858000" cy="9144000"/>
@@ -122,7 +123,7 @@
     <p:bg>
       <p:bgPr>
         <a:solidFill>
-          <a:schemeClr val="bg2"/>
+          <a:schemeClr val="accent1"/>
         </a:solidFill>
         <a:effectLst/>
       </p:bgPr>
@@ -143,6 +144,1052 @@
       </p:grpSpPr>
       <p:sp>
         <p:nvSpPr>
+          <p:cNvPr id="11" name="Freeform 6" title="scalloped circle"/>
+          <p:cNvSpPr/>
+          <p:nvPr/>
+        </p:nvSpPr>
+        <p:spPr bwMode="auto">
+          <a:xfrm>
+            <a:off x="3557016" y="630936"/>
+            <a:ext cx="5235575" cy="5229225"/>
+          </a:xfrm>
+          <a:custGeom>
+            <a:avLst/>
+            <a:gdLst/>
+            <a:ahLst/>
+            <a:cxnLst/>
+            <a:rect l="0" t="0" r="r" b="b"/>
+            <a:pathLst>
+              <a:path w="3298" h="3294">
+                <a:moveTo>
+                  <a:pt x="1649" y="0"/>
+                </a:moveTo>
+                <a:lnTo>
+                  <a:pt x="1681" y="3"/>
+                </a:lnTo>
+                <a:lnTo>
+                  <a:pt x="1712" y="11"/>
+                </a:lnTo>
+                <a:lnTo>
+                  <a:pt x="1742" y="23"/>
+                </a:lnTo>
+                <a:lnTo>
+                  <a:pt x="1773" y="38"/>
+                </a:lnTo>
+                <a:lnTo>
+                  <a:pt x="1802" y="55"/>
+                </a:lnTo>
+                <a:lnTo>
+                  <a:pt x="1832" y="73"/>
+                </a:lnTo>
+                <a:lnTo>
+                  <a:pt x="1862" y="89"/>
+                </a:lnTo>
+                <a:lnTo>
+                  <a:pt x="1892" y="105"/>
+                </a:lnTo>
+                <a:lnTo>
+                  <a:pt x="1921" y="117"/>
+                </a:lnTo>
+                <a:lnTo>
+                  <a:pt x="1953" y="125"/>
+                </a:lnTo>
+                <a:lnTo>
+                  <a:pt x="1984" y="129"/>
+                </a:lnTo>
+                <a:lnTo>
+                  <a:pt x="2017" y="129"/>
+                </a:lnTo>
+                <a:lnTo>
+                  <a:pt x="2051" y="127"/>
+                </a:lnTo>
+                <a:lnTo>
+                  <a:pt x="2085" y="123"/>
+                </a:lnTo>
+                <a:lnTo>
+                  <a:pt x="2119" y="118"/>
+                </a:lnTo>
+                <a:lnTo>
+                  <a:pt x="2153" y="114"/>
+                </a:lnTo>
+                <a:lnTo>
+                  <a:pt x="2187" y="111"/>
+                </a:lnTo>
+                <a:lnTo>
+                  <a:pt x="2219" y="112"/>
+                </a:lnTo>
+                <a:lnTo>
+                  <a:pt x="2250" y="116"/>
+                </a:lnTo>
+                <a:lnTo>
+                  <a:pt x="2280" y="125"/>
+                </a:lnTo>
+                <a:lnTo>
+                  <a:pt x="2305" y="138"/>
+                </a:lnTo>
+                <a:lnTo>
+                  <a:pt x="2329" y="155"/>
+                </a:lnTo>
+                <a:lnTo>
+                  <a:pt x="2350" y="175"/>
+                </a:lnTo>
+                <a:lnTo>
+                  <a:pt x="2371" y="198"/>
+                </a:lnTo>
+                <a:lnTo>
+                  <a:pt x="2390" y="222"/>
+                </a:lnTo>
+                <a:lnTo>
+                  <a:pt x="2409" y="247"/>
+                </a:lnTo>
+                <a:lnTo>
+                  <a:pt x="2428" y="272"/>
+                </a:lnTo>
+                <a:lnTo>
+                  <a:pt x="2447" y="296"/>
+                </a:lnTo>
+                <a:lnTo>
+                  <a:pt x="2467" y="319"/>
+                </a:lnTo>
+                <a:lnTo>
+                  <a:pt x="2490" y="339"/>
+                </a:lnTo>
+                <a:lnTo>
+                  <a:pt x="2512" y="357"/>
+                </a:lnTo>
+                <a:lnTo>
+                  <a:pt x="2537" y="371"/>
+                </a:lnTo>
+                <a:lnTo>
+                  <a:pt x="2564" y="383"/>
+                </a:lnTo>
+                <a:lnTo>
+                  <a:pt x="2593" y="393"/>
+                </a:lnTo>
+                <a:lnTo>
+                  <a:pt x="2623" y="402"/>
+                </a:lnTo>
+                <a:lnTo>
+                  <a:pt x="2653" y="410"/>
+                </a:lnTo>
+                <a:lnTo>
+                  <a:pt x="2684" y="418"/>
+                </a:lnTo>
+                <a:lnTo>
+                  <a:pt x="2713" y="427"/>
+                </a:lnTo>
+                <a:lnTo>
+                  <a:pt x="2742" y="437"/>
+                </a:lnTo>
+                <a:lnTo>
+                  <a:pt x="2769" y="449"/>
+                </a:lnTo>
+                <a:lnTo>
+                  <a:pt x="2793" y="464"/>
+                </a:lnTo>
+                <a:lnTo>
+                  <a:pt x="2815" y="482"/>
+                </a:lnTo>
+                <a:lnTo>
+                  <a:pt x="2833" y="504"/>
+                </a:lnTo>
+                <a:lnTo>
+                  <a:pt x="2848" y="528"/>
+                </a:lnTo>
+                <a:lnTo>
+                  <a:pt x="2860" y="555"/>
+                </a:lnTo>
+                <a:lnTo>
+                  <a:pt x="2870" y="584"/>
+                </a:lnTo>
+                <a:lnTo>
+                  <a:pt x="2879" y="613"/>
+                </a:lnTo>
+                <a:lnTo>
+                  <a:pt x="2887" y="644"/>
+                </a:lnTo>
+                <a:lnTo>
+                  <a:pt x="2895" y="674"/>
+                </a:lnTo>
+                <a:lnTo>
+                  <a:pt x="2904" y="704"/>
+                </a:lnTo>
+                <a:lnTo>
+                  <a:pt x="2914" y="733"/>
+                </a:lnTo>
+                <a:lnTo>
+                  <a:pt x="2926" y="760"/>
+                </a:lnTo>
+                <a:lnTo>
+                  <a:pt x="2940" y="785"/>
+                </a:lnTo>
+                <a:lnTo>
+                  <a:pt x="2958" y="807"/>
+                </a:lnTo>
+                <a:lnTo>
+                  <a:pt x="2978" y="830"/>
+                </a:lnTo>
+                <a:lnTo>
+                  <a:pt x="3001" y="850"/>
+                </a:lnTo>
+                <a:lnTo>
+                  <a:pt x="3025" y="869"/>
+                </a:lnTo>
+                <a:lnTo>
+                  <a:pt x="3051" y="888"/>
+                </a:lnTo>
+                <a:lnTo>
+                  <a:pt x="3076" y="907"/>
+                </a:lnTo>
+                <a:lnTo>
+                  <a:pt x="3100" y="926"/>
+                </a:lnTo>
+                <a:lnTo>
+                  <a:pt x="3123" y="947"/>
+                </a:lnTo>
+                <a:lnTo>
+                  <a:pt x="3143" y="968"/>
+                </a:lnTo>
+                <a:lnTo>
+                  <a:pt x="3160" y="992"/>
+                </a:lnTo>
+                <a:lnTo>
+                  <a:pt x="3173" y="1017"/>
+                </a:lnTo>
+                <a:lnTo>
+                  <a:pt x="3182" y="1047"/>
+                </a:lnTo>
+                <a:lnTo>
+                  <a:pt x="3186" y="1078"/>
+                </a:lnTo>
+                <a:lnTo>
+                  <a:pt x="3187" y="1110"/>
+                </a:lnTo>
+                <a:lnTo>
+                  <a:pt x="3184" y="1144"/>
+                </a:lnTo>
+                <a:lnTo>
+                  <a:pt x="3180" y="1178"/>
+                </a:lnTo>
+                <a:lnTo>
+                  <a:pt x="3175" y="1212"/>
+                </a:lnTo>
+                <a:lnTo>
+                  <a:pt x="3171" y="1246"/>
+                </a:lnTo>
+                <a:lnTo>
+                  <a:pt x="3169" y="1280"/>
+                </a:lnTo>
+                <a:lnTo>
+                  <a:pt x="3169" y="1313"/>
+                </a:lnTo>
+                <a:lnTo>
+                  <a:pt x="3173" y="1344"/>
+                </a:lnTo>
+                <a:lnTo>
+                  <a:pt x="3181" y="1375"/>
+                </a:lnTo>
+                <a:lnTo>
+                  <a:pt x="3193" y="1404"/>
+                </a:lnTo>
+                <a:lnTo>
+                  <a:pt x="3209" y="1434"/>
+                </a:lnTo>
+                <a:lnTo>
+                  <a:pt x="3225" y="1464"/>
+                </a:lnTo>
+                <a:lnTo>
+                  <a:pt x="3243" y="1494"/>
+                </a:lnTo>
+                <a:lnTo>
+                  <a:pt x="3260" y="1523"/>
+                </a:lnTo>
+                <a:lnTo>
+                  <a:pt x="3275" y="1554"/>
+                </a:lnTo>
+                <a:lnTo>
+                  <a:pt x="3287" y="1584"/>
+                </a:lnTo>
+                <a:lnTo>
+                  <a:pt x="3295" y="1615"/>
+                </a:lnTo>
+                <a:lnTo>
+                  <a:pt x="3298" y="1647"/>
+                </a:lnTo>
+                <a:lnTo>
+                  <a:pt x="3295" y="1679"/>
+                </a:lnTo>
+                <a:lnTo>
+                  <a:pt x="3287" y="1710"/>
+                </a:lnTo>
+                <a:lnTo>
+                  <a:pt x="3275" y="1740"/>
+                </a:lnTo>
+                <a:lnTo>
+                  <a:pt x="3260" y="1771"/>
+                </a:lnTo>
+                <a:lnTo>
+                  <a:pt x="3243" y="1800"/>
+                </a:lnTo>
+                <a:lnTo>
+                  <a:pt x="3225" y="1830"/>
+                </a:lnTo>
+                <a:lnTo>
+                  <a:pt x="3209" y="1860"/>
+                </a:lnTo>
+                <a:lnTo>
+                  <a:pt x="3193" y="1890"/>
+                </a:lnTo>
+                <a:lnTo>
+                  <a:pt x="3181" y="1919"/>
+                </a:lnTo>
+                <a:lnTo>
+                  <a:pt x="3173" y="1950"/>
+                </a:lnTo>
+                <a:lnTo>
+                  <a:pt x="3169" y="1981"/>
+                </a:lnTo>
+                <a:lnTo>
+                  <a:pt x="3169" y="2014"/>
+                </a:lnTo>
+                <a:lnTo>
+                  <a:pt x="3171" y="2048"/>
+                </a:lnTo>
+                <a:lnTo>
+                  <a:pt x="3175" y="2082"/>
+                </a:lnTo>
+                <a:lnTo>
+                  <a:pt x="3180" y="2116"/>
+                </a:lnTo>
+                <a:lnTo>
+                  <a:pt x="3184" y="2150"/>
+                </a:lnTo>
+                <a:lnTo>
+                  <a:pt x="3187" y="2184"/>
+                </a:lnTo>
+                <a:lnTo>
+                  <a:pt x="3186" y="2216"/>
+                </a:lnTo>
+                <a:lnTo>
+                  <a:pt x="3182" y="2247"/>
+                </a:lnTo>
+                <a:lnTo>
+                  <a:pt x="3173" y="2277"/>
+                </a:lnTo>
+                <a:lnTo>
+                  <a:pt x="3160" y="2302"/>
+                </a:lnTo>
+                <a:lnTo>
+                  <a:pt x="3143" y="2326"/>
+                </a:lnTo>
+                <a:lnTo>
+                  <a:pt x="3123" y="2347"/>
+                </a:lnTo>
+                <a:lnTo>
+                  <a:pt x="3100" y="2368"/>
+                </a:lnTo>
+                <a:lnTo>
+                  <a:pt x="3076" y="2387"/>
+                </a:lnTo>
+                <a:lnTo>
+                  <a:pt x="3051" y="2406"/>
+                </a:lnTo>
+                <a:lnTo>
+                  <a:pt x="3025" y="2425"/>
+                </a:lnTo>
+                <a:lnTo>
+                  <a:pt x="3001" y="2444"/>
+                </a:lnTo>
+                <a:lnTo>
+                  <a:pt x="2978" y="2464"/>
+                </a:lnTo>
+                <a:lnTo>
+                  <a:pt x="2958" y="2487"/>
+                </a:lnTo>
+                <a:lnTo>
+                  <a:pt x="2940" y="2509"/>
+                </a:lnTo>
+                <a:lnTo>
+                  <a:pt x="2926" y="2534"/>
+                </a:lnTo>
+                <a:lnTo>
+                  <a:pt x="2914" y="2561"/>
+                </a:lnTo>
+                <a:lnTo>
+                  <a:pt x="2904" y="2590"/>
+                </a:lnTo>
+                <a:lnTo>
+                  <a:pt x="2895" y="2620"/>
+                </a:lnTo>
+                <a:lnTo>
+                  <a:pt x="2887" y="2650"/>
+                </a:lnTo>
+                <a:lnTo>
+                  <a:pt x="2879" y="2681"/>
+                </a:lnTo>
+                <a:lnTo>
+                  <a:pt x="2870" y="2710"/>
+                </a:lnTo>
+                <a:lnTo>
+                  <a:pt x="2860" y="2739"/>
+                </a:lnTo>
+                <a:lnTo>
+                  <a:pt x="2848" y="2766"/>
+                </a:lnTo>
+                <a:lnTo>
+                  <a:pt x="2833" y="2790"/>
+                </a:lnTo>
+                <a:lnTo>
+                  <a:pt x="2815" y="2812"/>
+                </a:lnTo>
+                <a:lnTo>
+                  <a:pt x="2793" y="2830"/>
+                </a:lnTo>
+                <a:lnTo>
+                  <a:pt x="2769" y="2845"/>
+                </a:lnTo>
+                <a:lnTo>
+                  <a:pt x="2742" y="2857"/>
+                </a:lnTo>
+                <a:lnTo>
+                  <a:pt x="2713" y="2867"/>
+                </a:lnTo>
+                <a:lnTo>
+                  <a:pt x="2684" y="2876"/>
+                </a:lnTo>
+                <a:lnTo>
+                  <a:pt x="2653" y="2884"/>
+                </a:lnTo>
+                <a:lnTo>
+                  <a:pt x="2623" y="2892"/>
+                </a:lnTo>
+                <a:lnTo>
+                  <a:pt x="2593" y="2901"/>
+                </a:lnTo>
+                <a:lnTo>
+                  <a:pt x="2564" y="2911"/>
+                </a:lnTo>
+                <a:lnTo>
+                  <a:pt x="2537" y="2923"/>
+                </a:lnTo>
+                <a:lnTo>
+                  <a:pt x="2512" y="2937"/>
+                </a:lnTo>
+                <a:lnTo>
+                  <a:pt x="2490" y="2955"/>
+                </a:lnTo>
+                <a:lnTo>
+                  <a:pt x="2467" y="2975"/>
+                </a:lnTo>
+                <a:lnTo>
+                  <a:pt x="2447" y="2998"/>
+                </a:lnTo>
+                <a:lnTo>
+                  <a:pt x="2428" y="3022"/>
+                </a:lnTo>
+                <a:lnTo>
+                  <a:pt x="2409" y="3047"/>
+                </a:lnTo>
+                <a:lnTo>
+                  <a:pt x="2390" y="3072"/>
+                </a:lnTo>
+                <a:lnTo>
+                  <a:pt x="2371" y="3096"/>
+                </a:lnTo>
+                <a:lnTo>
+                  <a:pt x="2350" y="3119"/>
+                </a:lnTo>
+                <a:lnTo>
+                  <a:pt x="2329" y="3139"/>
+                </a:lnTo>
+                <a:lnTo>
+                  <a:pt x="2305" y="3156"/>
+                </a:lnTo>
+                <a:lnTo>
+                  <a:pt x="2280" y="3169"/>
+                </a:lnTo>
+                <a:lnTo>
+                  <a:pt x="2250" y="3178"/>
+                </a:lnTo>
+                <a:lnTo>
+                  <a:pt x="2219" y="3182"/>
+                </a:lnTo>
+                <a:lnTo>
+                  <a:pt x="2187" y="3183"/>
+                </a:lnTo>
+                <a:lnTo>
+                  <a:pt x="2153" y="3180"/>
+                </a:lnTo>
+                <a:lnTo>
+                  <a:pt x="2119" y="3176"/>
+                </a:lnTo>
+                <a:lnTo>
+                  <a:pt x="2085" y="3171"/>
+                </a:lnTo>
+                <a:lnTo>
+                  <a:pt x="2051" y="3167"/>
+                </a:lnTo>
+                <a:lnTo>
+                  <a:pt x="2017" y="3165"/>
+                </a:lnTo>
+                <a:lnTo>
+                  <a:pt x="1984" y="3165"/>
+                </a:lnTo>
+                <a:lnTo>
+                  <a:pt x="1953" y="3169"/>
+                </a:lnTo>
+                <a:lnTo>
+                  <a:pt x="1921" y="3177"/>
+                </a:lnTo>
+                <a:lnTo>
+                  <a:pt x="1892" y="3189"/>
+                </a:lnTo>
+                <a:lnTo>
+                  <a:pt x="1862" y="3205"/>
+                </a:lnTo>
+                <a:lnTo>
+                  <a:pt x="1832" y="3221"/>
+                </a:lnTo>
+                <a:lnTo>
+                  <a:pt x="1802" y="3239"/>
+                </a:lnTo>
+                <a:lnTo>
+                  <a:pt x="1773" y="3256"/>
+                </a:lnTo>
+                <a:lnTo>
+                  <a:pt x="1742" y="3271"/>
+                </a:lnTo>
+                <a:lnTo>
+                  <a:pt x="1712" y="3283"/>
+                </a:lnTo>
+                <a:lnTo>
+                  <a:pt x="1681" y="3291"/>
+                </a:lnTo>
+                <a:lnTo>
+                  <a:pt x="1649" y="3294"/>
+                </a:lnTo>
+                <a:lnTo>
+                  <a:pt x="1617" y="3291"/>
+                </a:lnTo>
+                <a:lnTo>
+                  <a:pt x="1586" y="3283"/>
+                </a:lnTo>
+                <a:lnTo>
+                  <a:pt x="1556" y="3271"/>
+                </a:lnTo>
+                <a:lnTo>
+                  <a:pt x="1525" y="3256"/>
+                </a:lnTo>
+                <a:lnTo>
+                  <a:pt x="1496" y="3239"/>
+                </a:lnTo>
+                <a:lnTo>
+                  <a:pt x="1466" y="3221"/>
+                </a:lnTo>
+                <a:lnTo>
+                  <a:pt x="1436" y="3205"/>
+                </a:lnTo>
+                <a:lnTo>
+                  <a:pt x="1406" y="3189"/>
+                </a:lnTo>
+                <a:lnTo>
+                  <a:pt x="1376" y="3177"/>
+                </a:lnTo>
+                <a:lnTo>
+                  <a:pt x="1345" y="3169"/>
+                </a:lnTo>
+                <a:lnTo>
+                  <a:pt x="1314" y="3165"/>
+                </a:lnTo>
+                <a:lnTo>
+                  <a:pt x="1281" y="3165"/>
+                </a:lnTo>
+                <a:lnTo>
+                  <a:pt x="1247" y="3167"/>
+                </a:lnTo>
+                <a:lnTo>
+                  <a:pt x="1213" y="3171"/>
+                </a:lnTo>
+                <a:lnTo>
+                  <a:pt x="1179" y="3176"/>
+                </a:lnTo>
+                <a:lnTo>
+                  <a:pt x="1145" y="3180"/>
+                </a:lnTo>
+                <a:lnTo>
+                  <a:pt x="1111" y="3183"/>
+                </a:lnTo>
+                <a:lnTo>
+                  <a:pt x="1079" y="3182"/>
+                </a:lnTo>
+                <a:lnTo>
+                  <a:pt x="1048" y="3178"/>
+                </a:lnTo>
+                <a:lnTo>
+                  <a:pt x="1018" y="3169"/>
+                </a:lnTo>
+                <a:lnTo>
+                  <a:pt x="993" y="3156"/>
+                </a:lnTo>
+                <a:lnTo>
+                  <a:pt x="969" y="3139"/>
+                </a:lnTo>
+                <a:lnTo>
+                  <a:pt x="948" y="3119"/>
+                </a:lnTo>
+                <a:lnTo>
+                  <a:pt x="927" y="3096"/>
+                </a:lnTo>
+                <a:lnTo>
+                  <a:pt x="908" y="3072"/>
+                </a:lnTo>
+                <a:lnTo>
+                  <a:pt x="889" y="3047"/>
+                </a:lnTo>
+                <a:lnTo>
+                  <a:pt x="870" y="3022"/>
+                </a:lnTo>
+                <a:lnTo>
+                  <a:pt x="851" y="2998"/>
+                </a:lnTo>
+                <a:lnTo>
+                  <a:pt x="831" y="2975"/>
+                </a:lnTo>
+                <a:lnTo>
+                  <a:pt x="808" y="2955"/>
+                </a:lnTo>
+                <a:lnTo>
+                  <a:pt x="786" y="2937"/>
+                </a:lnTo>
+                <a:lnTo>
+                  <a:pt x="761" y="2923"/>
+                </a:lnTo>
+                <a:lnTo>
+                  <a:pt x="734" y="2911"/>
+                </a:lnTo>
+                <a:lnTo>
+                  <a:pt x="705" y="2901"/>
+                </a:lnTo>
+                <a:lnTo>
+                  <a:pt x="675" y="2892"/>
+                </a:lnTo>
+                <a:lnTo>
+                  <a:pt x="645" y="2884"/>
+                </a:lnTo>
+                <a:lnTo>
+                  <a:pt x="614" y="2876"/>
+                </a:lnTo>
+                <a:lnTo>
+                  <a:pt x="585" y="2867"/>
+                </a:lnTo>
+                <a:lnTo>
+                  <a:pt x="556" y="2857"/>
+                </a:lnTo>
+                <a:lnTo>
+                  <a:pt x="529" y="2845"/>
+                </a:lnTo>
+                <a:lnTo>
+                  <a:pt x="505" y="2830"/>
+                </a:lnTo>
+                <a:lnTo>
+                  <a:pt x="483" y="2812"/>
+                </a:lnTo>
+                <a:lnTo>
+                  <a:pt x="465" y="2790"/>
+                </a:lnTo>
+                <a:lnTo>
+                  <a:pt x="450" y="2766"/>
+                </a:lnTo>
+                <a:lnTo>
+                  <a:pt x="438" y="2739"/>
+                </a:lnTo>
+                <a:lnTo>
+                  <a:pt x="428" y="2710"/>
+                </a:lnTo>
+                <a:lnTo>
+                  <a:pt x="419" y="2681"/>
+                </a:lnTo>
+                <a:lnTo>
+                  <a:pt x="411" y="2650"/>
+                </a:lnTo>
+                <a:lnTo>
+                  <a:pt x="403" y="2620"/>
+                </a:lnTo>
+                <a:lnTo>
+                  <a:pt x="394" y="2590"/>
+                </a:lnTo>
+                <a:lnTo>
+                  <a:pt x="384" y="2561"/>
+                </a:lnTo>
+                <a:lnTo>
+                  <a:pt x="372" y="2534"/>
+                </a:lnTo>
+                <a:lnTo>
+                  <a:pt x="358" y="2509"/>
+                </a:lnTo>
+                <a:lnTo>
+                  <a:pt x="340" y="2487"/>
+                </a:lnTo>
+                <a:lnTo>
+                  <a:pt x="320" y="2464"/>
+                </a:lnTo>
+                <a:lnTo>
+                  <a:pt x="297" y="2444"/>
+                </a:lnTo>
+                <a:lnTo>
+                  <a:pt x="272" y="2425"/>
+                </a:lnTo>
+                <a:lnTo>
+                  <a:pt x="247" y="2406"/>
+                </a:lnTo>
+                <a:lnTo>
+                  <a:pt x="222" y="2387"/>
+                </a:lnTo>
+                <a:lnTo>
+                  <a:pt x="198" y="2368"/>
+                </a:lnTo>
+                <a:lnTo>
+                  <a:pt x="175" y="2347"/>
+                </a:lnTo>
+                <a:lnTo>
+                  <a:pt x="155" y="2326"/>
+                </a:lnTo>
+                <a:lnTo>
+                  <a:pt x="138" y="2302"/>
+                </a:lnTo>
+                <a:lnTo>
+                  <a:pt x="125" y="2277"/>
+                </a:lnTo>
+                <a:lnTo>
+                  <a:pt x="116" y="2247"/>
+                </a:lnTo>
+                <a:lnTo>
+                  <a:pt x="112" y="2216"/>
+                </a:lnTo>
+                <a:lnTo>
+                  <a:pt x="111" y="2184"/>
+                </a:lnTo>
+                <a:lnTo>
+                  <a:pt x="114" y="2150"/>
+                </a:lnTo>
+                <a:lnTo>
+                  <a:pt x="118" y="2116"/>
+                </a:lnTo>
+                <a:lnTo>
+                  <a:pt x="123" y="2082"/>
+                </a:lnTo>
+                <a:lnTo>
+                  <a:pt x="127" y="2048"/>
+                </a:lnTo>
+                <a:lnTo>
+                  <a:pt x="129" y="2014"/>
+                </a:lnTo>
+                <a:lnTo>
+                  <a:pt x="129" y="1981"/>
+                </a:lnTo>
+                <a:lnTo>
+                  <a:pt x="125" y="1950"/>
+                </a:lnTo>
+                <a:lnTo>
+                  <a:pt x="117" y="1919"/>
+                </a:lnTo>
+                <a:lnTo>
+                  <a:pt x="105" y="1890"/>
+                </a:lnTo>
+                <a:lnTo>
+                  <a:pt x="90" y="1860"/>
+                </a:lnTo>
+                <a:lnTo>
+                  <a:pt x="73" y="1830"/>
+                </a:lnTo>
+                <a:lnTo>
+                  <a:pt x="55" y="1800"/>
+                </a:lnTo>
+                <a:lnTo>
+                  <a:pt x="38" y="1771"/>
+                </a:lnTo>
+                <a:lnTo>
+                  <a:pt x="23" y="1740"/>
+                </a:lnTo>
+                <a:lnTo>
+                  <a:pt x="11" y="1710"/>
+                </a:lnTo>
+                <a:lnTo>
+                  <a:pt x="3" y="1679"/>
+                </a:lnTo>
+                <a:lnTo>
+                  <a:pt x="0" y="1647"/>
+                </a:lnTo>
+                <a:lnTo>
+                  <a:pt x="3" y="1615"/>
+                </a:lnTo>
+                <a:lnTo>
+                  <a:pt x="11" y="1584"/>
+                </a:lnTo>
+                <a:lnTo>
+                  <a:pt x="23" y="1554"/>
+                </a:lnTo>
+                <a:lnTo>
+                  <a:pt x="38" y="1523"/>
+                </a:lnTo>
+                <a:lnTo>
+                  <a:pt x="55" y="1494"/>
+                </a:lnTo>
+                <a:lnTo>
+                  <a:pt x="73" y="1464"/>
+                </a:lnTo>
+                <a:lnTo>
+                  <a:pt x="90" y="1434"/>
+                </a:lnTo>
+                <a:lnTo>
+                  <a:pt x="105" y="1404"/>
+                </a:lnTo>
+                <a:lnTo>
+                  <a:pt x="117" y="1375"/>
+                </a:lnTo>
+                <a:lnTo>
+                  <a:pt x="125" y="1344"/>
+                </a:lnTo>
+                <a:lnTo>
+                  <a:pt x="129" y="1313"/>
+                </a:lnTo>
+                <a:lnTo>
+                  <a:pt x="129" y="1280"/>
+                </a:lnTo>
+                <a:lnTo>
+                  <a:pt x="127" y="1246"/>
+                </a:lnTo>
+                <a:lnTo>
+                  <a:pt x="123" y="1212"/>
+                </a:lnTo>
+                <a:lnTo>
+                  <a:pt x="118" y="1178"/>
+                </a:lnTo>
+                <a:lnTo>
+                  <a:pt x="114" y="1144"/>
+                </a:lnTo>
+                <a:lnTo>
+                  <a:pt x="111" y="1110"/>
+                </a:lnTo>
+                <a:lnTo>
+                  <a:pt x="112" y="1078"/>
+                </a:lnTo>
+                <a:lnTo>
+                  <a:pt x="116" y="1047"/>
+                </a:lnTo>
+                <a:lnTo>
+                  <a:pt x="125" y="1017"/>
+                </a:lnTo>
+                <a:lnTo>
+                  <a:pt x="138" y="992"/>
+                </a:lnTo>
+                <a:lnTo>
+                  <a:pt x="155" y="968"/>
+                </a:lnTo>
+                <a:lnTo>
+                  <a:pt x="175" y="947"/>
+                </a:lnTo>
+                <a:lnTo>
+                  <a:pt x="198" y="926"/>
+                </a:lnTo>
+                <a:lnTo>
+                  <a:pt x="222" y="907"/>
+                </a:lnTo>
+                <a:lnTo>
+                  <a:pt x="247" y="888"/>
+                </a:lnTo>
+                <a:lnTo>
+                  <a:pt x="272" y="869"/>
+                </a:lnTo>
+                <a:lnTo>
+                  <a:pt x="297" y="850"/>
+                </a:lnTo>
+                <a:lnTo>
+                  <a:pt x="320" y="830"/>
+                </a:lnTo>
+                <a:lnTo>
+                  <a:pt x="340" y="807"/>
+                </a:lnTo>
+                <a:lnTo>
+                  <a:pt x="358" y="785"/>
+                </a:lnTo>
+                <a:lnTo>
+                  <a:pt x="372" y="760"/>
+                </a:lnTo>
+                <a:lnTo>
+                  <a:pt x="384" y="733"/>
+                </a:lnTo>
+                <a:lnTo>
+                  <a:pt x="394" y="704"/>
+                </a:lnTo>
+                <a:lnTo>
+                  <a:pt x="403" y="674"/>
+                </a:lnTo>
+                <a:lnTo>
+                  <a:pt x="411" y="644"/>
+                </a:lnTo>
+                <a:lnTo>
+                  <a:pt x="419" y="613"/>
+                </a:lnTo>
+                <a:lnTo>
+                  <a:pt x="428" y="584"/>
+                </a:lnTo>
+                <a:lnTo>
+                  <a:pt x="438" y="555"/>
+                </a:lnTo>
+                <a:lnTo>
+                  <a:pt x="450" y="528"/>
+                </a:lnTo>
+                <a:lnTo>
+                  <a:pt x="465" y="504"/>
+                </a:lnTo>
+                <a:lnTo>
+                  <a:pt x="483" y="482"/>
+                </a:lnTo>
+                <a:lnTo>
+                  <a:pt x="505" y="464"/>
+                </a:lnTo>
+                <a:lnTo>
+                  <a:pt x="529" y="449"/>
+                </a:lnTo>
+                <a:lnTo>
+                  <a:pt x="556" y="437"/>
+                </a:lnTo>
+                <a:lnTo>
+                  <a:pt x="585" y="427"/>
+                </a:lnTo>
+                <a:lnTo>
+                  <a:pt x="614" y="418"/>
+                </a:lnTo>
+                <a:lnTo>
+                  <a:pt x="645" y="410"/>
+                </a:lnTo>
+                <a:lnTo>
+                  <a:pt x="675" y="402"/>
+                </a:lnTo>
+                <a:lnTo>
+                  <a:pt x="705" y="393"/>
+                </a:lnTo>
+                <a:lnTo>
+                  <a:pt x="734" y="383"/>
+                </a:lnTo>
+                <a:lnTo>
+                  <a:pt x="761" y="371"/>
+                </a:lnTo>
+                <a:lnTo>
+                  <a:pt x="786" y="357"/>
+                </a:lnTo>
+                <a:lnTo>
+                  <a:pt x="808" y="339"/>
+                </a:lnTo>
+                <a:lnTo>
+                  <a:pt x="831" y="319"/>
+                </a:lnTo>
+                <a:lnTo>
+                  <a:pt x="851" y="296"/>
+                </a:lnTo>
+                <a:lnTo>
+                  <a:pt x="870" y="272"/>
+                </a:lnTo>
+                <a:lnTo>
+                  <a:pt x="889" y="247"/>
+                </a:lnTo>
+                <a:lnTo>
+                  <a:pt x="908" y="222"/>
+                </a:lnTo>
+                <a:lnTo>
+                  <a:pt x="927" y="198"/>
+                </a:lnTo>
+                <a:lnTo>
+                  <a:pt x="948" y="175"/>
+                </a:lnTo>
+                <a:lnTo>
+                  <a:pt x="969" y="155"/>
+                </a:lnTo>
+                <a:lnTo>
+                  <a:pt x="993" y="138"/>
+                </a:lnTo>
+                <a:lnTo>
+                  <a:pt x="1018" y="125"/>
+                </a:lnTo>
+                <a:lnTo>
+                  <a:pt x="1048" y="116"/>
+                </a:lnTo>
+                <a:lnTo>
+                  <a:pt x="1079" y="112"/>
+                </a:lnTo>
+                <a:lnTo>
+                  <a:pt x="1111" y="111"/>
+                </a:lnTo>
+                <a:lnTo>
+                  <a:pt x="1145" y="114"/>
+                </a:lnTo>
+                <a:lnTo>
+                  <a:pt x="1179" y="118"/>
+                </a:lnTo>
+                <a:lnTo>
+                  <a:pt x="1213" y="123"/>
+                </a:lnTo>
+                <a:lnTo>
+                  <a:pt x="1247" y="127"/>
+                </a:lnTo>
+                <a:lnTo>
+                  <a:pt x="1281" y="129"/>
+                </a:lnTo>
+                <a:lnTo>
+                  <a:pt x="1314" y="129"/>
+                </a:lnTo>
+                <a:lnTo>
+                  <a:pt x="1345" y="125"/>
+                </a:lnTo>
+                <a:lnTo>
+                  <a:pt x="1376" y="117"/>
+                </a:lnTo>
+                <a:lnTo>
+                  <a:pt x="1406" y="105"/>
+                </a:lnTo>
+                <a:lnTo>
+                  <a:pt x="1436" y="89"/>
+                </a:lnTo>
+                <a:lnTo>
+                  <a:pt x="1466" y="73"/>
+                </a:lnTo>
+                <a:lnTo>
+                  <a:pt x="1496" y="55"/>
+                </a:lnTo>
+                <a:lnTo>
+                  <a:pt x="1525" y="38"/>
+                </a:lnTo>
+                <a:lnTo>
+                  <a:pt x="1556" y="23"/>
+                </a:lnTo>
+                <a:lnTo>
+                  <a:pt x="1586" y="11"/>
+                </a:lnTo>
+                <a:lnTo>
+                  <a:pt x="1617" y="3"/>
+                </a:lnTo>
+                <a:lnTo>
+                  <a:pt x="1649" y="0"/>
+                </a:lnTo>
+                <a:close/>
+              </a:path>
+            </a:pathLst>
+          </a:custGeom>
+          <a:solidFill>
+            <a:schemeClr val="bg2"/>
+          </a:solidFill>
+          <a:ln w="0">
+            <a:noFill/>
+            <a:prstDash val="solid"/>
+            <a:round/>
+            <a:headEnd/>
+            <a:tailEnd/>
+          </a:ln>
+        </p:spPr>
+      </p:sp>
+      <p:sp>
+        <p:nvSpPr>
           <p:cNvPr id="2" name="Title 1"/>
           <p:cNvSpPr>
             <a:spLocks noGrp="1"/>
@@ -153,26 +1200,22 @@
         </p:nvSpPr>
         <p:spPr>
           <a:xfrm>
-            <a:off x="1915128" y="1788454"/>
-            <a:ext cx="8361229" cy="2098226"/>
+            <a:off x="1078523" y="1098388"/>
+            <a:ext cx="10318418" cy="4394988"/>
           </a:xfrm>
         </p:spPr>
         <p:txBody>
-          <a:bodyPr anchor="b">
+          <a:bodyPr anchor="ctr">
             <a:noAutofit/>
           </a:bodyPr>
           <a:lstStyle>
             <a:lvl1pPr algn="ctr">
-              <a:defRPr sz="7200" cap="all" baseline="0">
-                <a:solidFill>
-                  <a:schemeClr val="tx2"/>
-                </a:solidFill>
-              </a:defRPr>
+              <a:defRPr sz="10000" spc="800" baseline="0"/>
             </a:lvl1pPr>
           </a:lstStyle>
           <a:p>
             <a:r>
-              <a:rPr lang="ru-RU"/>
+              <a:rPr lang="ru-RU" smtClean="0"/>
               <a:t>Образец заголовка</a:t>
             </a:r>
             <a:endParaRPr lang="en-US" dirty="0"/>
@@ -191,27 +1234,25 @@
         </p:nvSpPr>
         <p:spPr>
           <a:xfrm>
-            <a:off x="2679906" y="3956279"/>
-            <a:ext cx="6831673" cy="1086237"/>
+            <a:off x="2215045" y="5979196"/>
+            <a:ext cx="8045373" cy="742279"/>
           </a:xfrm>
         </p:spPr>
         <p:txBody>
-          <a:bodyPr>
+          <a:bodyPr anchor="t">
             <a:normAutofit/>
           </a:bodyPr>
           <a:lstStyle>
             <a:lvl1pPr marL="0" indent="0" algn="ctr">
               <a:lnSpc>
-                <a:spcPct val="112000"/>
+                <a:spcPct val="100000"/>
               </a:lnSpc>
-              <a:spcBef>
-                <a:spcPts val="0"/>
-              </a:spcBef>
-              <a:spcAft>
-                <a:spcPts val="0"/>
-              </a:spcAft>
               <a:buNone/>
-              <a:defRPr sz="2300"/>
+              <a:defRPr sz="2000" b="1" i="0" cap="all" spc="400" baseline="0">
+                <a:solidFill>
+                  <a:schemeClr val="tx2"/>
+                </a:solidFill>
+              </a:defRPr>
             </a:lvl1pPr>
             <a:lvl2pPr marL="457200" indent="0" algn="ctr">
               <a:buNone/>
@@ -248,7 +1289,7 @@
           </a:lstStyle>
           <a:p>
             <a:r>
-              <a:rPr lang="ru-RU"/>
+              <a:rPr lang="ru-RU" smtClean="0"/>
               <a:t>Образец подзаголовка</a:t>
             </a:r>
             <a:endParaRPr lang="en-US" dirty="0"/>
@@ -267,8 +1308,8 @@
         </p:nvSpPr>
         <p:spPr>
           <a:xfrm>
-            <a:off x="752858" y="6453386"/>
-            <a:ext cx="1607944" cy="404614"/>
+            <a:off x="1078523" y="6375679"/>
+            <a:ext cx="2329722" cy="348462"/>
           </a:xfrm>
         </p:spPr>
         <p:txBody>
@@ -277,16 +1318,18 @@
             <a:lvl1pPr>
               <a:defRPr baseline="0">
                 <a:solidFill>
-                  <a:schemeClr val="tx2"/>
+                  <a:schemeClr val="accent1">
+                    <a:lumMod val="50000"/>
+                  </a:schemeClr>
                 </a:solidFill>
               </a:defRPr>
             </a:lvl1pPr>
           </a:lstStyle>
           <a:p>
             <a:fld id="{87DE6118-2437-4B30-8E3C-4D2BE6020583}" type="datetimeFigureOut">
-              <a:rPr lang="en-US" dirty="0"/>
+              <a:rPr lang="en-US" smtClean="0"/>
               <a:pPr/>
-              <a:t>4/18/2023</a:t>
+              <a:t>4/20/2023</a:t>
             </a:fld>
             <a:endParaRPr lang="en-US" dirty="0"/>
           </a:p>
@@ -304,17 +1347,19 @@
         </p:nvSpPr>
         <p:spPr>
           <a:xfrm>
-            <a:off x="2584054" y="6453386"/>
-            <a:ext cx="7023377" cy="404614"/>
+            <a:off x="4180332" y="6375679"/>
+            <a:ext cx="4114800" cy="345796"/>
           </a:xfrm>
         </p:spPr>
         <p:txBody>
           <a:bodyPr/>
           <a:lstStyle>
-            <a:lvl1pPr algn="ctr">
+            <a:lvl1pPr>
               <a:defRPr baseline="0">
                 <a:solidFill>
-                  <a:schemeClr val="tx2"/>
+                  <a:schemeClr val="accent1">
+                    <a:lumMod val="50000"/>
+                  </a:schemeClr>
                 </a:solidFill>
               </a:defRPr>
             </a:lvl1pPr>
@@ -336,8 +1381,8 @@
         </p:nvSpPr>
         <p:spPr>
           <a:xfrm>
-            <a:off x="9830683" y="6453386"/>
-            <a:ext cx="1596292" cy="404614"/>
+            <a:off x="9067218" y="6375679"/>
+            <a:ext cx="2329723" cy="345796"/>
           </a:xfrm>
         </p:spPr>
         <p:txBody>
@@ -346,14 +1391,16 @@
             <a:lvl1pPr>
               <a:defRPr baseline="0">
                 <a:solidFill>
-                  <a:schemeClr val="tx2"/>
+                  <a:schemeClr val="accent1">
+                    <a:lumMod val="50000"/>
+                  </a:schemeClr>
                 </a:solidFill>
               </a:defRPr>
             </a:lvl1pPr>
           </a:lstStyle>
           <a:p>
             <a:fld id="{69E57DC2-970A-4B3E-BB1C-7A09969E49DF}" type="slidenum">
-              <a:rPr lang="en-US" dirty="0"/>
+              <a:rPr lang="en-US" smtClean="0"/>
               <a:pPr/>
               <a:t>‹#›</a:t>
             </a:fld>
@@ -361,139 +1408,53 @@
           </a:p>
         </p:txBody>
       </p:sp>
-      <p:grpSp>
-        <p:nvGrpSpPr>
-          <p:cNvPr id="7" name="Group 6"/>
-          <p:cNvGrpSpPr/>
+      <p:sp>
+        <p:nvSpPr>
+          <p:cNvPr id="13" name="Rectangle 12" title="left edge border"/>
+          <p:cNvSpPr/>
           <p:nvPr/>
-        </p:nvGrpSpPr>
-        <p:grpSpPr>
+        </p:nvSpPr>
+        <p:spPr>
           <a:xfrm>
-            <a:off x="752858" y="744469"/>
-            <a:ext cx="10674117" cy="5349671"/>
-            <a:chOff x="752858" y="744469"/>
-            <a:chExt cx="10674117" cy="5349671"/>
+            <a:off x="0" y="0"/>
+            <a:ext cx="283464" cy="6858000"/>
           </a:xfrm>
-        </p:grpSpPr>
-        <p:sp>
-          <p:nvSpPr>
-            <p:cNvPr id="11" name="Freeform 6"/>
-            <p:cNvSpPr/>
-            <p:nvPr/>
-          </p:nvSpPr>
-          <p:spPr bwMode="auto">
-            <a:xfrm>
-              <a:off x="8151962" y="1685652"/>
-              <a:ext cx="3275013" cy="4408488"/>
-            </a:xfrm>
-            <a:custGeom>
-              <a:avLst/>
-              <a:gdLst/>
-              <a:ahLst/>
-              <a:cxnLst/>
-              <a:rect l="l" t="t" r="r" b="b"/>
-              <a:pathLst>
-                <a:path w="10000" h="10000">
-                  <a:moveTo>
-                    <a:pt x="8761" y="0"/>
-                  </a:moveTo>
-                  <a:lnTo>
-                    <a:pt x="10000" y="0"/>
-                  </a:lnTo>
-                  <a:lnTo>
-                    <a:pt x="10000" y="10000"/>
-                  </a:lnTo>
-                  <a:lnTo>
-                    <a:pt x="0" y="10000"/>
-                  </a:lnTo>
-                  <a:lnTo>
-                    <a:pt x="0" y="9126"/>
-                  </a:lnTo>
-                  <a:lnTo>
-                    <a:pt x="8761" y="9127"/>
-                  </a:lnTo>
-                  <a:lnTo>
-                    <a:pt x="8761" y="0"/>
-                  </a:lnTo>
-                  <a:close/>
-                </a:path>
-              </a:pathLst>
-            </a:custGeom>
-            <a:solidFill>
-              <a:schemeClr val="tx2"/>
-            </a:solidFill>
-            <a:ln w="0">
-              <a:noFill/>
-              <a:prstDash val="solid"/>
-              <a:round/>
-              <a:headEnd/>
-              <a:tailEnd/>
-            </a:ln>
-          </p:spPr>
-        </p:sp>
-        <p:sp>
-          <p:nvSpPr>
-            <p:cNvPr id="14" name="Freeform 6"/>
-            <p:cNvSpPr/>
-            <p:nvPr/>
-          </p:nvSpPr>
-          <p:spPr bwMode="auto">
-            <a:xfrm flipH="1" flipV="1">
-              <a:off x="752858" y="744469"/>
-              <a:ext cx="3275668" cy="4408488"/>
-            </a:xfrm>
-            <a:custGeom>
-              <a:avLst/>
-              <a:gdLst/>
-              <a:ahLst/>
-              <a:cxnLst/>
-              <a:rect l="l" t="t" r="r" b="b"/>
-              <a:pathLst>
-                <a:path w="10002" h="10000">
-                  <a:moveTo>
-                    <a:pt x="8763" y="0"/>
-                  </a:moveTo>
-                  <a:lnTo>
-                    <a:pt x="10002" y="0"/>
-                  </a:lnTo>
-                  <a:lnTo>
-                    <a:pt x="10002" y="10000"/>
-                  </a:lnTo>
-                  <a:lnTo>
-                    <a:pt x="2" y="10000"/>
-                  </a:lnTo>
-                  <a:cubicBezTo>
-                    <a:pt x="-2" y="9698"/>
-                    <a:pt x="4" y="9427"/>
-                    <a:pt x="0" y="9125"/>
-                  </a:cubicBezTo>
-                  <a:lnTo>
-                    <a:pt x="8763" y="9128"/>
-                  </a:lnTo>
-                  <a:lnTo>
-                    <a:pt x="8763" y="0"/>
-                  </a:lnTo>
-                  <a:close/>
-                </a:path>
-              </a:pathLst>
-            </a:custGeom>
-            <a:solidFill>
-              <a:schemeClr val="tx2"/>
-            </a:solidFill>
-            <a:ln w="0">
-              <a:noFill/>
-              <a:prstDash val="solid"/>
-              <a:round/>
-              <a:headEnd/>
-              <a:tailEnd/>
-            </a:ln>
-          </p:spPr>
-        </p:sp>
-      </p:grpSp>
+          <a:prstGeom prst="rect">
+            <a:avLst/>
+          </a:prstGeom>
+          <a:solidFill>
+            <a:schemeClr val="tx2"/>
+          </a:solidFill>
+          <a:ln>
+            <a:noFill/>
+          </a:ln>
+        </p:spPr>
+        <p:style>
+          <a:lnRef idx="2">
+            <a:schemeClr val="accent1">
+              <a:shade val="50000"/>
+            </a:schemeClr>
+          </a:lnRef>
+          <a:fillRef idx="1">
+            <a:schemeClr val="accent1"/>
+          </a:fillRef>
+          <a:effectRef idx="0">
+            <a:schemeClr val="accent1"/>
+          </a:effectRef>
+          <a:fontRef idx="minor">
+            <a:schemeClr val="lt1"/>
+          </a:fontRef>
+        </p:style>
+      </p:sp>
     </p:spTree>
+    <p:extLst>
+      <p:ext uri="{BB962C8B-B14F-4D97-AF65-F5344CB8AC3E}">
+        <p14:creationId xmlns:p14="http://schemas.microsoft.com/office/powerpoint/2010/main" val="1671382534"/>
+      </p:ext>
+    </p:extLst>
   </p:cSld>
   <p:clrMapOvr>
-    <a:overrideClrMapping bg1="lt1" tx1="dk1" bg2="lt2" tx2="dk2" accent1="accent1" accent2="accent2" accent3="accent3" accent4="accent4" accent5="accent5" accent6="accent6" hlink="hlink" folHlink="folHlink"/>
+    <a:masterClrMapping/>
   </p:clrMapOvr>
 </p:sldLayout>
 </file>
@@ -531,7 +1492,7 @@
           <a:lstStyle/>
           <a:p>
             <a:r>
-              <a:rPr lang="ru-RU"/>
+              <a:rPr lang="ru-RU" smtClean="0"/>
               <a:t>Образец заголовка</a:t>
             </a:r>
             <a:endParaRPr lang="en-US" dirty="0"/>
@@ -548,47 +1509,42 @@
             <p:ph type="body" orient="vert" idx="1"/>
           </p:nvPr>
         </p:nvSpPr>
-        <p:spPr>
-          <a:xfrm>
-            <a:off x="1371600" y="2295525"/>
-            <a:ext cx="9601200" cy="3571875"/>
-          </a:xfrm>
-        </p:spPr>
+        <p:spPr/>
         <p:txBody>
           <a:bodyPr vert="eaVert"/>
           <a:lstStyle/>
           <a:p>
             <a:pPr lvl="0"/>
             <a:r>
-              <a:rPr lang="ru-RU"/>
+              <a:rPr lang="ru-RU" smtClean="0"/>
               <a:t>Образец текста</a:t>
             </a:r>
           </a:p>
           <a:p>
             <a:pPr lvl="1"/>
             <a:r>
-              <a:rPr lang="ru-RU"/>
+              <a:rPr lang="ru-RU" smtClean="0"/>
               <a:t>Второй уровень</a:t>
             </a:r>
           </a:p>
           <a:p>
             <a:pPr lvl="2"/>
             <a:r>
-              <a:rPr lang="ru-RU"/>
+              <a:rPr lang="ru-RU" smtClean="0"/>
               <a:t>Третий уровень</a:t>
             </a:r>
           </a:p>
           <a:p>
             <a:pPr lvl="3"/>
             <a:r>
-              <a:rPr lang="ru-RU"/>
+              <a:rPr lang="ru-RU" smtClean="0"/>
               <a:t>Четвертый уровень</a:t>
             </a:r>
           </a:p>
           <a:p>
             <a:pPr lvl="4"/>
             <a:r>
-              <a:rPr lang="ru-RU"/>
+              <a:rPr lang="ru-RU" smtClean="0"/>
               <a:t>Пятый уровень</a:t>
             </a:r>
             <a:endParaRPr lang="en-US" dirty="0"/>
@@ -611,8 +1567,8 @@
           <a:lstStyle/>
           <a:p>
             <a:fld id="{87DE6118-2437-4B30-8E3C-4D2BE6020583}" type="datetimeFigureOut">
-              <a:rPr lang="en-US" dirty="0"/>
-              <a:t>4/18/2023</a:t>
+              <a:rPr lang="en-US" smtClean="0"/>
+              <a:t>4/20/2023</a:t>
             </a:fld>
             <a:endParaRPr lang="en-US" dirty="0"/>
           </a:p>
@@ -653,7 +1609,7 @@
           <a:lstStyle/>
           <a:p>
             <a:fld id="{69E57DC2-970A-4B3E-BB1C-7A09969E49DF}" type="slidenum">
-              <a:rPr lang="en-US" dirty="0"/>
+              <a:rPr lang="en-US" smtClean="0"/>
               <a:t>‹#›</a:t>
             </a:fld>
             <a:endParaRPr lang="en-US" dirty="0"/>
@@ -661,6 +1617,11 @@
         </p:txBody>
       </p:sp>
     </p:spTree>
+    <p:extLst>
+      <p:ext uri="{BB962C8B-B14F-4D97-AF65-F5344CB8AC3E}">
+        <p14:creationId xmlns:p14="http://schemas.microsoft.com/office/powerpoint/2010/main" val="884948495"/>
+      </p:ext>
+    </p:extLst>
   </p:cSld>
   <p:clrMapOvr>
     <a:masterClrMapping/>
@@ -697,8 +1658,8 @@
         </p:nvSpPr>
         <p:spPr>
           <a:xfrm>
-            <a:off x="9596561" y="624156"/>
-            <a:ext cx="1565766" cy="5243244"/>
+            <a:off x="10066321" y="382386"/>
+            <a:ext cx="1492132" cy="5600404"/>
           </a:xfrm>
         </p:spPr>
         <p:txBody>
@@ -706,7 +1667,7 @@
           <a:lstStyle/>
           <a:p>
             <a:r>
-              <a:rPr lang="ru-RU"/>
+              <a:rPr lang="ru-RU" smtClean="0"/>
               <a:t>Образец заголовка</a:t>
             </a:r>
             <a:endParaRPr lang="en-US" dirty="0"/>
@@ -725,8 +1686,8 @@
         </p:nvSpPr>
         <p:spPr>
           <a:xfrm>
-            <a:off x="1371600" y="624156"/>
-            <a:ext cx="8179641" cy="5243244"/>
+            <a:off x="1257300" y="382385"/>
+            <a:ext cx="8392585" cy="5600405"/>
           </a:xfrm>
         </p:spPr>
         <p:txBody>
@@ -735,35 +1696,35 @@
           <a:p>
             <a:pPr lvl="0"/>
             <a:r>
-              <a:rPr lang="ru-RU"/>
+              <a:rPr lang="ru-RU" smtClean="0"/>
               <a:t>Образец текста</a:t>
             </a:r>
           </a:p>
           <a:p>
             <a:pPr lvl="1"/>
             <a:r>
-              <a:rPr lang="ru-RU"/>
+              <a:rPr lang="ru-RU" smtClean="0"/>
               <a:t>Второй уровень</a:t>
             </a:r>
           </a:p>
           <a:p>
             <a:pPr lvl="2"/>
             <a:r>
-              <a:rPr lang="ru-RU"/>
+              <a:rPr lang="ru-RU" smtClean="0"/>
               <a:t>Третий уровень</a:t>
             </a:r>
           </a:p>
           <a:p>
             <a:pPr lvl="3"/>
             <a:r>
-              <a:rPr lang="ru-RU"/>
+              <a:rPr lang="ru-RU" smtClean="0"/>
               <a:t>Четвертый уровень</a:t>
             </a:r>
           </a:p>
           <a:p>
             <a:pPr lvl="4"/>
             <a:r>
-              <a:rPr lang="ru-RU"/>
+              <a:rPr lang="ru-RU" smtClean="0"/>
               <a:t>Пятый уровень</a:t>
             </a:r>
             <a:endParaRPr lang="en-US" dirty="0"/>
@@ -786,8 +1747,8 @@
           <a:lstStyle/>
           <a:p>
             <a:fld id="{87DE6118-2437-4B30-8E3C-4D2BE6020583}" type="datetimeFigureOut">
-              <a:rPr lang="en-US" dirty="0"/>
-              <a:t>4/18/2023</a:t>
+              <a:rPr lang="en-US" smtClean="0"/>
+              <a:t>4/20/2023</a:t>
             </a:fld>
             <a:endParaRPr lang="en-US" dirty="0"/>
           </a:p>
@@ -828,7 +1789,7 @@
           <a:lstStyle/>
           <a:p>
             <a:fld id="{69E57DC2-970A-4B3E-BB1C-7A09969E49DF}" type="slidenum">
-              <a:rPr lang="en-US" dirty="0"/>
+              <a:rPr lang="en-US" smtClean="0"/>
               <a:t>‹#›</a:t>
             </a:fld>
             <a:endParaRPr lang="en-US" dirty="0"/>
@@ -836,6 +1797,11 @@
         </p:txBody>
       </p:sp>
     </p:spTree>
+    <p:extLst>
+      <p:ext uri="{BB962C8B-B14F-4D97-AF65-F5344CB8AC3E}">
+        <p14:creationId xmlns:p14="http://schemas.microsoft.com/office/powerpoint/2010/main" val="2841737185"/>
+      </p:ext>
+    </p:extLst>
   </p:cSld>
   <p:clrMapOvr>
     <a:masterClrMapping/>
@@ -876,7 +1842,7 @@
           <a:lstStyle/>
           <a:p>
             <a:r>
-              <a:rPr lang="ru-RU"/>
+              <a:rPr lang="ru-RU" smtClean="0"/>
               <a:t>Образец заголовка</a:t>
             </a:r>
             <a:endParaRPr lang="en-US" dirty="0"/>
@@ -900,35 +1866,35 @@
           <a:p>
             <a:pPr lvl="0"/>
             <a:r>
-              <a:rPr lang="ru-RU"/>
+              <a:rPr lang="ru-RU" smtClean="0"/>
               <a:t>Образец текста</a:t>
             </a:r>
           </a:p>
           <a:p>
             <a:pPr lvl="1"/>
             <a:r>
-              <a:rPr lang="ru-RU"/>
+              <a:rPr lang="ru-RU" smtClean="0"/>
               <a:t>Второй уровень</a:t>
             </a:r>
           </a:p>
           <a:p>
             <a:pPr lvl="2"/>
             <a:r>
-              <a:rPr lang="ru-RU"/>
+              <a:rPr lang="ru-RU" smtClean="0"/>
               <a:t>Третий уровень</a:t>
             </a:r>
           </a:p>
           <a:p>
             <a:pPr lvl="3"/>
             <a:r>
-              <a:rPr lang="ru-RU"/>
+              <a:rPr lang="ru-RU" smtClean="0"/>
               <a:t>Четвертый уровень</a:t>
             </a:r>
           </a:p>
           <a:p>
             <a:pPr lvl="4"/>
             <a:r>
-              <a:rPr lang="ru-RU"/>
+              <a:rPr lang="ru-RU" smtClean="0"/>
               <a:t>Пятый уровень</a:t>
             </a:r>
             <a:endParaRPr lang="en-US" dirty="0"/>
@@ -951,8 +1917,8 @@
           <a:lstStyle/>
           <a:p>
             <a:fld id="{87DE6118-2437-4B30-8E3C-4D2BE6020583}" type="datetimeFigureOut">
-              <a:rPr lang="en-US" dirty="0"/>
-              <a:t>4/18/2023</a:t>
+              <a:rPr lang="en-US" smtClean="0"/>
+              <a:t>4/20/2023</a:t>
             </a:fld>
             <a:endParaRPr lang="en-US" dirty="0"/>
           </a:p>
@@ -993,7 +1959,7 @@
           <a:lstStyle/>
           <a:p>
             <a:fld id="{69E57DC2-970A-4B3E-BB1C-7A09969E49DF}" type="slidenum">
-              <a:rPr lang="en-US" dirty="0"/>
+              <a:rPr lang="en-US" smtClean="0"/>
               <a:t>‹#›</a:t>
             </a:fld>
             <a:endParaRPr lang="en-US" dirty="0"/>
@@ -1001,6 +1967,11 @@
         </p:txBody>
       </p:sp>
     </p:spTree>
+    <p:extLst>
+      <p:ext uri="{BB962C8B-B14F-4D97-AF65-F5344CB8AC3E}">
+        <p14:creationId xmlns:p14="http://schemas.microsoft.com/office/powerpoint/2010/main" val="441000378"/>
+      </p:ext>
+    </p:extLst>
   </p:cSld>
   <p:clrMapOvr>
     <a:masterClrMapping/>
@@ -1042,8 +2013,8 @@
         </p:nvSpPr>
         <p:spPr>
           <a:xfrm>
-            <a:off x="765025" y="1301360"/>
-            <a:ext cx="9612971" cy="2852737"/>
+            <a:off x="3242929" y="1073888"/>
+            <a:ext cx="8187071" cy="4064627"/>
           </a:xfrm>
         </p:spPr>
         <p:txBody>
@@ -1051,8 +2022,8 @@
             <a:normAutofit/>
           </a:bodyPr>
           <a:lstStyle>
-            <a:lvl1pPr algn="r">
-              <a:defRPr sz="7200" cap="all" baseline="0">
+            <a:lvl1pPr>
+              <a:defRPr sz="8400" spc="800" baseline="0">
                 <a:solidFill>
                   <a:schemeClr val="tx2"/>
                 </a:solidFill>
@@ -1061,7 +2032,7 @@
           </a:lstStyle>
           <a:p>
             <a:r>
-              <a:rPr lang="ru-RU"/>
+              <a:rPr lang="ru-RU" smtClean="0"/>
               <a:t>Образец заголовка</a:t>
             </a:r>
             <a:endParaRPr lang="en-US" dirty="0"/>
@@ -1080,27 +2051,23 @@
         </p:nvSpPr>
         <p:spPr>
           <a:xfrm>
-            <a:off x="765025" y="4216328"/>
-            <a:ext cx="9612971" cy="1143324"/>
+            <a:off x="3242930" y="5159781"/>
+            <a:ext cx="7017488" cy="951135"/>
           </a:xfrm>
         </p:spPr>
         <p:txBody>
-          <a:bodyPr/>
+          <a:bodyPr>
+            <a:normAutofit/>
+          </a:bodyPr>
           <a:lstStyle>
-            <a:lvl1pPr marL="0" indent="0" algn="r">
+            <a:lvl1pPr marL="0" indent="0">
               <a:lnSpc>
-                <a:spcPct val="112000"/>
+                <a:spcPct val="100000"/>
               </a:lnSpc>
-              <a:spcBef>
-                <a:spcPts val="0"/>
-              </a:spcBef>
-              <a:spcAft>
-                <a:spcPts val="0"/>
-              </a:spcAft>
               <a:buNone/>
-              <a:defRPr sz="2400">
-                <a:solidFill>
-                  <a:schemeClr val="tx2"/>
+              <a:defRPr sz="2000" b="1" i="0" cap="all" spc="400" baseline="0">
+                <a:solidFill>
+                  <a:schemeClr val="accent1"/>
                 </a:solidFill>
               </a:defRPr>
             </a:lvl1pPr>
@@ -1188,7 +2155,7 @@
           <a:p>
             <a:pPr lvl="0"/>
             <a:r>
-              <a:rPr lang="ru-RU"/>
+              <a:rPr lang="ru-RU" smtClean="0"/>
               <a:t>Образец текста</a:t>
             </a:r>
           </a:p>
@@ -1206,15 +2173,15 @@
         </p:nvSpPr>
         <p:spPr>
           <a:xfrm>
-            <a:off x="738908" y="6453386"/>
-            <a:ext cx="1622409" cy="404614"/>
+            <a:off x="3236546" y="6375679"/>
+            <a:ext cx="1493947" cy="348462"/>
           </a:xfrm>
         </p:spPr>
         <p:txBody>
           <a:bodyPr/>
           <a:lstStyle>
             <a:lvl1pPr>
-              <a:defRPr>
+              <a:defRPr baseline="0">
                 <a:solidFill>
                   <a:schemeClr val="tx2"/>
                 </a:solidFill>
@@ -1223,9 +2190,9 @@
           </a:lstStyle>
           <a:p>
             <a:fld id="{87DE6118-2437-4B30-8E3C-4D2BE6020583}" type="datetimeFigureOut">
-              <a:rPr lang="en-US" dirty="0"/>
+              <a:rPr lang="en-US" smtClean="0"/>
               <a:pPr/>
-              <a:t>4/18/2023</a:t>
+              <a:t>4/20/2023</a:t>
             </a:fld>
             <a:endParaRPr lang="en-US" dirty="0"/>
           </a:p>
@@ -1243,15 +2210,15 @@
         </p:nvSpPr>
         <p:spPr>
           <a:xfrm>
-            <a:off x="2584312" y="6453386"/>
-            <a:ext cx="7023377" cy="404614"/>
+            <a:off x="5279064" y="6375679"/>
+            <a:ext cx="4114800" cy="345796"/>
           </a:xfrm>
         </p:spPr>
         <p:txBody>
           <a:bodyPr/>
           <a:lstStyle>
-            <a:lvl1pPr algn="ctr">
-              <a:defRPr>
+            <a:lvl1pPr>
+              <a:defRPr baseline="0">
                 <a:solidFill>
                   <a:schemeClr val="tx2"/>
                 </a:solidFill>
@@ -1275,15 +2242,15 @@
         </p:nvSpPr>
         <p:spPr>
           <a:xfrm>
-            <a:off x="9830683" y="6453386"/>
-            <a:ext cx="1596292" cy="404614"/>
+            <a:off x="9942434" y="6375679"/>
+            <a:ext cx="1487566" cy="345796"/>
           </a:xfrm>
         </p:spPr>
         <p:txBody>
           <a:bodyPr/>
           <a:lstStyle>
             <a:lvl1pPr>
-              <a:defRPr>
+              <a:defRPr baseline="0">
                 <a:solidFill>
                   <a:schemeClr val="tx2"/>
                 </a:solidFill>
@@ -1292,7 +2259,7 @@
           </a:lstStyle>
           <a:p>
             <a:fld id="{69E57DC2-970A-4B3E-BB1C-7A09969E49DF}" type="slidenum">
-              <a:rPr lang="en-US" dirty="0"/>
+              <a:rPr lang="en-US" smtClean="0"/>
               <a:pPr/>
               <a:t>‹#›</a:t>
             </a:fld>
@@ -1300,63 +2267,955 @@
           </a:p>
         </p:txBody>
       </p:sp>
-      <p:sp>
-        <p:nvSpPr>
-          <p:cNvPr id="7" name="Freeform 6" title="Crop Mark"/>
-          <p:cNvSpPr/>
+      <p:grpSp>
+        <p:nvGrpSpPr>
+          <p:cNvPr id="7" name="Group 6" title="left scallop shape"/>
+          <p:cNvGrpSpPr/>
           <p:nvPr/>
-        </p:nvSpPr>
-        <p:spPr bwMode="auto">
+        </p:nvGrpSpPr>
+        <p:grpSpPr>
           <a:xfrm>
-            <a:off x="8151962" y="1685652"/>
-            <a:ext cx="3275013" cy="4408488"/>
+            <a:off x="0" y="0"/>
+            <a:ext cx="2814638" cy="6858000"/>
+            <a:chOff x="0" y="0"/>
+            <a:chExt cx="2814638" cy="6858000"/>
           </a:xfrm>
-          <a:custGeom>
-            <a:avLst/>
-            <a:gdLst/>
-            <a:ahLst/>
-            <a:cxnLst/>
-            <a:rect l="0" t="0" r="r" b="b"/>
-            <a:pathLst>
-              <a:path w="4125" h="5554">
-                <a:moveTo>
-                  <a:pt x="3614" y="0"/>
-                </a:moveTo>
-                <a:lnTo>
-                  <a:pt x="4125" y="0"/>
-                </a:lnTo>
-                <a:lnTo>
-                  <a:pt x="4125" y="5554"/>
-                </a:lnTo>
-                <a:lnTo>
-                  <a:pt x="0" y="5554"/>
-                </a:lnTo>
-                <a:lnTo>
-                  <a:pt x="0" y="5074"/>
-                </a:lnTo>
-                <a:lnTo>
-                  <a:pt x="3614" y="5074"/>
-                </a:lnTo>
-                <a:lnTo>
-                  <a:pt x="3614" y="0"/>
-                </a:lnTo>
-                <a:close/>
-              </a:path>
-            </a:pathLst>
-          </a:custGeom>
-          <a:solidFill>
-            <a:schemeClr val="tx2"/>
-          </a:solidFill>
-          <a:ln w="0">
-            <a:noFill/>
-            <a:prstDash val="solid"/>
-            <a:round/>
-            <a:headEnd/>
-            <a:tailEnd/>
-          </a:ln>
-        </p:spPr>
-      </p:sp>
+        </p:grpSpPr>
+        <p:sp>
+          <p:nvSpPr>
+            <p:cNvPr id="11" name="Freeform 6" title="left scallop shape"/>
+            <p:cNvSpPr/>
+            <p:nvPr/>
+          </p:nvSpPr>
+          <p:spPr bwMode="auto">
+            <a:xfrm>
+              <a:off x="0" y="0"/>
+              <a:ext cx="2814638" cy="6858000"/>
+            </a:xfrm>
+            <a:custGeom>
+              <a:avLst/>
+              <a:gdLst/>
+              <a:ahLst/>
+              <a:cxnLst/>
+              <a:rect l="0" t="0" r="r" b="b"/>
+              <a:pathLst>
+                <a:path w="1773" h="4320">
+                  <a:moveTo>
+                    <a:pt x="0" y="0"/>
+                  </a:moveTo>
+                  <a:lnTo>
+                    <a:pt x="891" y="0"/>
+                  </a:lnTo>
+                  <a:lnTo>
+                    <a:pt x="906" y="56"/>
+                  </a:lnTo>
+                  <a:lnTo>
+                    <a:pt x="921" y="111"/>
+                  </a:lnTo>
+                  <a:lnTo>
+                    <a:pt x="938" y="165"/>
+                  </a:lnTo>
+                  <a:lnTo>
+                    <a:pt x="957" y="217"/>
+                  </a:lnTo>
+                  <a:lnTo>
+                    <a:pt x="980" y="266"/>
+                  </a:lnTo>
+                  <a:lnTo>
+                    <a:pt x="1007" y="312"/>
+                  </a:lnTo>
+                  <a:lnTo>
+                    <a:pt x="1036" y="351"/>
+                  </a:lnTo>
+                  <a:lnTo>
+                    <a:pt x="1069" y="387"/>
+                  </a:lnTo>
+                  <a:lnTo>
+                    <a:pt x="1105" y="422"/>
+                  </a:lnTo>
+                  <a:lnTo>
+                    <a:pt x="1145" y="456"/>
+                  </a:lnTo>
+                  <a:lnTo>
+                    <a:pt x="1185" y="487"/>
+                  </a:lnTo>
+                  <a:lnTo>
+                    <a:pt x="1227" y="520"/>
+                  </a:lnTo>
+                  <a:lnTo>
+                    <a:pt x="1270" y="551"/>
+                  </a:lnTo>
+                  <a:lnTo>
+                    <a:pt x="1311" y="584"/>
+                  </a:lnTo>
+                  <a:lnTo>
+                    <a:pt x="1352" y="617"/>
+                  </a:lnTo>
+                  <a:lnTo>
+                    <a:pt x="1390" y="651"/>
+                  </a:lnTo>
+                  <a:lnTo>
+                    <a:pt x="1425" y="687"/>
+                  </a:lnTo>
+                  <a:lnTo>
+                    <a:pt x="1456" y="725"/>
+                  </a:lnTo>
+                  <a:lnTo>
+                    <a:pt x="1484" y="765"/>
+                  </a:lnTo>
+                  <a:lnTo>
+                    <a:pt x="1505" y="808"/>
+                  </a:lnTo>
+                  <a:lnTo>
+                    <a:pt x="1521" y="856"/>
+                  </a:lnTo>
+                  <a:lnTo>
+                    <a:pt x="1530" y="907"/>
+                  </a:lnTo>
+                  <a:lnTo>
+                    <a:pt x="1534" y="960"/>
+                  </a:lnTo>
+                  <a:lnTo>
+                    <a:pt x="1534" y="1013"/>
+                  </a:lnTo>
+                  <a:lnTo>
+                    <a:pt x="1530" y="1068"/>
+                  </a:lnTo>
+                  <a:lnTo>
+                    <a:pt x="1523" y="1125"/>
+                  </a:lnTo>
+                  <a:lnTo>
+                    <a:pt x="1515" y="1181"/>
+                  </a:lnTo>
+                  <a:lnTo>
+                    <a:pt x="1508" y="1237"/>
+                  </a:lnTo>
+                  <a:lnTo>
+                    <a:pt x="1501" y="1293"/>
+                  </a:lnTo>
+                  <a:lnTo>
+                    <a:pt x="1496" y="1350"/>
+                  </a:lnTo>
+                  <a:lnTo>
+                    <a:pt x="1494" y="1405"/>
+                  </a:lnTo>
+                  <a:lnTo>
+                    <a:pt x="1497" y="1458"/>
+                  </a:lnTo>
+                  <a:lnTo>
+                    <a:pt x="1504" y="1511"/>
+                  </a:lnTo>
+                  <a:lnTo>
+                    <a:pt x="1517" y="1560"/>
+                  </a:lnTo>
+                  <a:lnTo>
+                    <a:pt x="1535" y="1610"/>
+                  </a:lnTo>
+                  <a:lnTo>
+                    <a:pt x="1557" y="1659"/>
+                  </a:lnTo>
+                  <a:lnTo>
+                    <a:pt x="1583" y="1708"/>
+                  </a:lnTo>
+                  <a:lnTo>
+                    <a:pt x="1611" y="1757"/>
+                  </a:lnTo>
+                  <a:lnTo>
+                    <a:pt x="1640" y="1807"/>
+                  </a:lnTo>
+                  <a:lnTo>
+                    <a:pt x="1669" y="1855"/>
+                  </a:lnTo>
+                  <a:lnTo>
+                    <a:pt x="1696" y="1905"/>
+                  </a:lnTo>
+                  <a:lnTo>
+                    <a:pt x="1721" y="1954"/>
+                  </a:lnTo>
+                  <a:lnTo>
+                    <a:pt x="1742" y="2006"/>
+                  </a:lnTo>
+                  <a:lnTo>
+                    <a:pt x="1759" y="2057"/>
+                  </a:lnTo>
+                  <a:lnTo>
+                    <a:pt x="1769" y="2108"/>
+                  </a:lnTo>
+                  <a:lnTo>
+                    <a:pt x="1773" y="2160"/>
+                  </a:lnTo>
+                  <a:lnTo>
+                    <a:pt x="1769" y="2212"/>
+                  </a:lnTo>
+                  <a:lnTo>
+                    <a:pt x="1759" y="2263"/>
+                  </a:lnTo>
+                  <a:lnTo>
+                    <a:pt x="1742" y="2314"/>
+                  </a:lnTo>
+                  <a:lnTo>
+                    <a:pt x="1721" y="2366"/>
+                  </a:lnTo>
+                  <a:lnTo>
+                    <a:pt x="1696" y="2415"/>
+                  </a:lnTo>
+                  <a:lnTo>
+                    <a:pt x="1669" y="2465"/>
+                  </a:lnTo>
+                  <a:lnTo>
+                    <a:pt x="1640" y="2513"/>
+                  </a:lnTo>
+                  <a:lnTo>
+                    <a:pt x="1611" y="2563"/>
+                  </a:lnTo>
+                  <a:lnTo>
+                    <a:pt x="1583" y="2612"/>
+                  </a:lnTo>
+                  <a:lnTo>
+                    <a:pt x="1557" y="2661"/>
+                  </a:lnTo>
+                  <a:lnTo>
+                    <a:pt x="1535" y="2710"/>
+                  </a:lnTo>
+                  <a:lnTo>
+                    <a:pt x="1517" y="2760"/>
+                  </a:lnTo>
+                  <a:lnTo>
+                    <a:pt x="1504" y="2809"/>
+                  </a:lnTo>
+                  <a:lnTo>
+                    <a:pt x="1497" y="2862"/>
+                  </a:lnTo>
+                  <a:lnTo>
+                    <a:pt x="1494" y="2915"/>
+                  </a:lnTo>
+                  <a:lnTo>
+                    <a:pt x="1496" y="2970"/>
+                  </a:lnTo>
+                  <a:lnTo>
+                    <a:pt x="1501" y="3027"/>
+                  </a:lnTo>
+                  <a:lnTo>
+                    <a:pt x="1508" y="3083"/>
+                  </a:lnTo>
+                  <a:lnTo>
+                    <a:pt x="1515" y="3139"/>
+                  </a:lnTo>
+                  <a:lnTo>
+                    <a:pt x="1523" y="3195"/>
+                  </a:lnTo>
+                  <a:lnTo>
+                    <a:pt x="1530" y="3252"/>
+                  </a:lnTo>
+                  <a:lnTo>
+                    <a:pt x="1534" y="3307"/>
+                  </a:lnTo>
+                  <a:lnTo>
+                    <a:pt x="1534" y="3360"/>
+                  </a:lnTo>
+                  <a:lnTo>
+                    <a:pt x="1530" y="3413"/>
+                  </a:lnTo>
+                  <a:lnTo>
+                    <a:pt x="1521" y="3464"/>
+                  </a:lnTo>
+                  <a:lnTo>
+                    <a:pt x="1505" y="3512"/>
+                  </a:lnTo>
+                  <a:lnTo>
+                    <a:pt x="1484" y="3555"/>
+                  </a:lnTo>
+                  <a:lnTo>
+                    <a:pt x="1456" y="3595"/>
+                  </a:lnTo>
+                  <a:lnTo>
+                    <a:pt x="1425" y="3633"/>
+                  </a:lnTo>
+                  <a:lnTo>
+                    <a:pt x="1390" y="3669"/>
+                  </a:lnTo>
+                  <a:lnTo>
+                    <a:pt x="1352" y="3703"/>
+                  </a:lnTo>
+                  <a:lnTo>
+                    <a:pt x="1311" y="3736"/>
+                  </a:lnTo>
+                  <a:lnTo>
+                    <a:pt x="1270" y="3769"/>
+                  </a:lnTo>
+                  <a:lnTo>
+                    <a:pt x="1227" y="3800"/>
+                  </a:lnTo>
+                  <a:lnTo>
+                    <a:pt x="1185" y="3833"/>
+                  </a:lnTo>
+                  <a:lnTo>
+                    <a:pt x="1145" y="3864"/>
+                  </a:lnTo>
+                  <a:lnTo>
+                    <a:pt x="1105" y="3898"/>
+                  </a:lnTo>
+                  <a:lnTo>
+                    <a:pt x="1069" y="3933"/>
+                  </a:lnTo>
+                  <a:lnTo>
+                    <a:pt x="1036" y="3969"/>
+                  </a:lnTo>
+                  <a:lnTo>
+                    <a:pt x="1007" y="4008"/>
+                  </a:lnTo>
+                  <a:lnTo>
+                    <a:pt x="980" y="4054"/>
+                  </a:lnTo>
+                  <a:lnTo>
+                    <a:pt x="957" y="4103"/>
+                  </a:lnTo>
+                  <a:lnTo>
+                    <a:pt x="938" y="4155"/>
+                  </a:lnTo>
+                  <a:lnTo>
+                    <a:pt x="921" y="4209"/>
+                  </a:lnTo>
+                  <a:lnTo>
+                    <a:pt x="906" y="4264"/>
+                  </a:lnTo>
+                  <a:lnTo>
+                    <a:pt x="891" y="4320"/>
+                  </a:lnTo>
+                  <a:lnTo>
+                    <a:pt x="0" y="4320"/>
+                  </a:lnTo>
+                  <a:lnTo>
+                    <a:pt x="0" y="0"/>
+                  </a:lnTo>
+                  <a:close/>
+                </a:path>
+              </a:pathLst>
+            </a:custGeom>
+            <a:solidFill>
+              <a:schemeClr val="tx2"/>
+            </a:solidFill>
+            <a:ln w="0">
+              <a:noFill/>
+              <a:prstDash val="solid"/>
+              <a:round/>
+              <a:headEnd/>
+              <a:tailEnd/>
+            </a:ln>
+          </p:spPr>
+        </p:sp>
+        <p:sp>
+          <p:nvSpPr>
+            <p:cNvPr id="16" name="Freeform 11" title="left scallop inline"/>
+            <p:cNvSpPr/>
+            <p:nvPr/>
+          </p:nvSpPr>
+          <p:spPr bwMode="auto">
+            <a:xfrm>
+              <a:off x="874382" y="0"/>
+              <a:ext cx="1646238" cy="6858000"/>
+            </a:xfrm>
+            <a:custGeom>
+              <a:avLst/>
+              <a:gdLst/>
+              <a:ahLst/>
+              <a:cxnLst/>
+              <a:rect l="0" t="0" r="r" b="b"/>
+              <a:pathLst>
+                <a:path w="1037" h="4320">
+                  <a:moveTo>
+                    <a:pt x="0" y="0"/>
+                  </a:moveTo>
+                  <a:lnTo>
+                    <a:pt x="171" y="0"/>
+                  </a:lnTo>
+                  <a:lnTo>
+                    <a:pt x="188" y="55"/>
+                  </a:lnTo>
+                  <a:lnTo>
+                    <a:pt x="204" y="110"/>
+                  </a:lnTo>
+                  <a:lnTo>
+                    <a:pt x="220" y="166"/>
+                  </a:lnTo>
+                  <a:lnTo>
+                    <a:pt x="234" y="223"/>
+                  </a:lnTo>
+                  <a:lnTo>
+                    <a:pt x="251" y="278"/>
+                  </a:lnTo>
+                  <a:lnTo>
+                    <a:pt x="269" y="331"/>
+                  </a:lnTo>
+                  <a:lnTo>
+                    <a:pt x="292" y="381"/>
+                  </a:lnTo>
+                  <a:lnTo>
+                    <a:pt x="319" y="427"/>
+                  </a:lnTo>
+                  <a:lnTo>
+                    <a:pt x="349" y="466"/>
+                  </a:lnTo>
+                  <a:lnTo>
+                    <a:pt x="382" y="503"/>
+                  </a:lnTo>
+                  <a:lnTo>
+                    <a:pt x="420" y="537"/>
+                  </a:lnTo>
+                  <a:lnTo>
+                    <a:pt x="460" y="571"/>
+                  </a:lnTo>
+                  <a:lnTo>
+                    <a:pt x="502" y="603"/>
+                  </a:lnTo>
+                  <a:lnTo>
+                    <a:pt x="544" y="635"/>
+                  </a:lnTo>
+                  <a:lnTo>
+                    <a:pt x="587" y="668"/>
+                  </a:lnTo>
+                  <a:lnTo>
+                    <a:pt x="628" y="700"/>
+                  </a:lnTo>
+                  <a:lnTo>
+                    <a:pt x="667" y="734"/>
+                  </a:lnTo>
+                  <a:lnTo>
+                    <a:pt x="703" y="771"/>
+                  </a:lnTo>
+                  <a:lnTo>
+                    <a:pt x="736" y="808"/>
+                  </a:lnTo>
+                  <a:lnTo>
+                    <a:pt x="763" y="848"/>
+                  </a:lnTo>
+                  <a:lnTo>
+                    <a:pt x="786" y="893"/>
+                  </a:lnTo>
+                  <a:lnTo>
+                    <a:pt x="800" y="937"/>
+                  </a:lnTo>
+                  <a:lnTo>
+                    <a:pt x="809" y="986"/>
+                  </a:lnTo>
+                  <a:lnTo>
+                    <a:pt x="813" y="1034"/>
+                  </a:lnTo>
+                  <a:lnTo>
+                    <a:pt x="812" y="1085"/>
+                  </a:lnTo>
+                  <a:lnTo>
+                    <a:pt x="808" y="1136"/>
+                  </a:lnTo>
+                  <a:lnTo>
+                    <a:pt x="803" y="1189"/>
+                  </a:lnTo>
+                  <a:lnTo>
+                    <a:pt x="796" y="1242"/>
+                  </a:lnTo>
+                  <a:lnTo>
+                    <a:pt x="788" y="1295"/>
+                  </a:lnTo>
+                  <a:lnTo>
+                    <a:pt x="782" y="1348"/>
+                  </a:lnTo>
+                  <a:lnTo>
+                    <a:pt x="778" y="1401"/>
+                  </a:lnTo>
+                  <a:lnTo>
+                    <a:pt x="775" y="1452"/>
+                  </a:lnTo>
+                  <a:lnTo>
+                    <a:pt x="778" y="1502"/>
+                  </a:lnTo>
+                  <a:lnTo>
+                    <a:pt x="784" y="1551"/>
+                  </a:lnTo>
+                  <a:lnTo>
+                    <a:pt x="797" y="1602"/>
+                  </a:lnTo>
+                  <a:lnTo>
+                    <a:pt x="817" y="1652"/>
+                  </a:lnTo>
+                  <a:lnTo>
+                    <a:pt x="841" y="1702"/>
+                  </a:lnTo>
+                  <a:lnTo>
+                    <a:pt x="868" y="1752"/>
+                  </a:lnTo>
+                  <a:lnTo>
+                    <a:pt x="896" y="1801"/>
+                  </a:lnTo>
+                  <a:lnTo>
+                    <a:pt x="926" y="1851"/>
+                  </a:lnTo>
+                  <a:lnTo>
+                    <a:pt x="953" y="1901"/>
+                  </a:lnTo>
+                  <a:lnTo>
+                    <a:pt x="980" y="1952"/>
+                  </a:lnTo>
+                  <a:lnTo>
+                    <a:pt x="1003" y="2003"/>
+                  </a:lnTo>
+                  <a:lnTo>
+                    <a:pt x="1021" y="2054"/>
+                  </a:lnTo>
+                  <a:lnTo>
+                    <a:pt x="1031" y="2106"/>
+                  </a:lnTo>
+                  <a:lnTo>
+                    <a:pt x="1037" y="2160"/>
+                  </a:lnTo>
+                  <a:lnTo>
+                    <a:pt x="1031" y="2214"/>
+                  </a:lnTo>
+                  <a:lnTo>
+                    <a:pt x="1021" y="2266"/>
+                  </a:lnTo>
+                  <a:lnTo>
+                    <a:pt x="1003" y="2317"/>
+                  </a:lnTo>
+                  <a:lnTo>
+                    <a:pt x="980" y="2368"/>
+                  </a:lnTo>
+                  <a:lnTo>
+                    <a:pt x="953" y="2419"/>
+                  </a:lnTo>
+                  <a:lnTo>
+                    <a:pt x="926" y="2469"/>
+                  </a:lnTo>
+                  <a:lnTo>
+                    <a:pt x="896" y="2519"/>
+                  </a:lnTo>
+                  <a:lnTo>
+                    <a:pt x="868" y="2568"/>
+                  </a:lnTo>
+                  <a:lnTo>
+                    <a:pt x="841" y="2618"/>
+                  </a:lnTo>
+                  <a:lnTo>
+                    <a:pt x="817" y="2668"/>
+                  </a:lnTo>
+                  <a:lnTo>
+                    <a:pt x="797" y="2718"/>
+                  </a:lnTo>
+                  <a:lnTo>
+                    <a:pt x="784" y="2769"/>
+                  </a:lnTo>
+                  <a:lnTo>
+                    <a:pt x="778" y="2818"/>
+                  </a:lnTo>
+                  <a:lnTo>
+                    <a:pt x="775" y="2868"/>
+                  </a:lnTo>
+                  <a:lnTo>
+                    <a:pt x="778" y="2919"/>
+                  </a:lnTo>
+                  <a:lnTo>
+                    <a:pt x="782" y="2972"/>
+                  </a:lnTo>
+                  <a:lnTo>
+                    <a:pt x="788" y="3025"/>
+                  </a:lnTo>
+                  <a:lnTo>
+                    <a:pt x="796" y="3078"/>
+                  </a:lnTo>
+                  <a:lnTo>
+                    <a:pt x="803" y="3131"/>
+                  </a:lnTo>
+                  <a:lnTo>
+                    <a:pt x="808" y="3184"/>
+                  </a:lnTo>
+                  <a:lnTo>
+                    <a:pt x="812" y="3235"/>
+                  </a:lnTo>
+                  <a:lnTo>
+                    <a:pt x="813" y="3286"/>
+                  </a:lnTo>
+                  <a:lnTo>
+                    <a:pt x="809" y="3334"/>
+                  </a:lnTo>
+                  <a:lnTo>
+                    <a:pt x="800" y="3383"/>
+                  </a:lnTo>
+                  <a:lnTo>
+                    <a:pt x="786" y="3427"/>
+                  </a:lnTo>
+                  <a:lnTo>
+                    <a:pt x="763" y="3472"/>
+                  </a:lnTo>
+                  <a:lnTo>
+                    <a:pt x="736" y="3512"/>
+                  </a:lnTo>
+                  <a:lnTo>
+                    <a:pt x="703" y="3549"/>
+                  </a:lnTo>
+                  <a:lnTo>
+                    <a:pt x="667" y="3586"/>
+                  </a:lnTo>
+                  <a:lnTo>
+                    <a:pt x="628" y="3620"/>
+                  </a:lnTo>
+                  <a:lnTo>
+                    <a:pt x="587" y="3652"/>
+                  </a:lnTo>
+                  <a:lnTo>
+                    <a:pt x="544" y="3685"/>
+                  </a:lnTo>
+                  <a:lnTo>
+                    <a:pt x="502" y="3717"/>
+                  </a:lnTo>
+                  <a:lnTo>
+                    <a:pt x="460" y="3749"/>
+                  </a:lnTo>
+                  <a:lnTo>
+                    <a:pt x="420" y="3783"/>
+                  </a:lnTo>
+                  <a:lnTo>
+                    <a:pt x="382" y="3817"/>
+                  </a:lnTo>
+                  <a:lnTo>
+                    <a:pt x="349" y="3854"/>
+                  </a:lnTo>
+                  <a:lnTo>
+                    <a:pt x="319" y="3893"/>
+                  </a:lnTo>
+                  <a:lnTo>
+                    <a:pt x="292" y="3939"/>
+                  </a:lnTo>
+                  <a:lnTo>
+                    <a:pt x="269" y="3989"/>
+                  </a:lnTo>
+                  <a:lnTo>
+                    <a:pt x="251" y="4042"/>
+                  </a:lnTo>
+                  <a:lnTo>
+                    <a:pt x="234" y="4097"/>
+                  </a:lnTo>
+                  <a:lnTo>
+                    <a:pt x="220" y="4154"/>
+                  </a:lnTo>
+                  <a:lnTo>
+                    <a:pt x="204" y="4210"/>
+                  </a:lnTo>
+                  <a:lnTo>
+                    <a:pt x="188" y="4265"/>
+                  </a:lnTo>
+                  <a:lnTo>
+                    <a:pt x="171" y="4320"/>
+                  </a:lnTo>
+                  <a:lnTo>
+                    <a:pt x="0" y="4320"/>
+                  </a:lnTo>
+                  <a:lnTo>
+                    <a:pt x="17" y="4278"/>
+                  </a:lnTo>
+                  <a:lnTo>
+                    <a:pt x="33" y="4232"/>
+                  </a:lnTo>
+                  <a:lnTo>
+                    <a:pt x="46" y="4183"/>
+                  </a:lnTo>
+                  <a:lnTo>
+                    <a:pt x="60" y="4131"/>
+                  </a:lnTo>
+                  <a:lnTo>
+                    <a:pt x="75" y="4075"/>
+                  </a:lnTo>
+                  <a:lnTo>
+                    <a:pt x="90" y="4019"/>
+                  </a:lnTo>
+                  <a:lnTo>
+                    <a:pt x="109" y="3964"/>
+                  </a:lnTo>
+                  <a:lnTo>
+                    <a:pt x="129" y="3909"/>
+                  </a:lnTo>
+                  <a:lnTo>
+                    <a:pt x="156" y="3855"/>
+                  </a:lnTo>
+                  <a:lnTo>
+                    <a:pt x="186" y="3804"/>
+                  </a:lnTo>
+                  <a:lnTo>
+                    <a:pt x="222" y="3756"/>
+                  </a:lnTo>
+                  <a:lnTo>
+                    <a:pt x="261" y="3713"/>
+                  </a:lnTo>
+                  <a:lnTo>
+                    <a:pt x="303" y="3672"/>
+                  </a:lnTo>
+                  <a:lnTo>
+                    <a:pt x="348" y="3634"/>
+                  </a:lnTo>
+                  <a:lnTo>
+                    <a:pt x="392" y="3599"/>
+                  </a:lnTo>
+                  <a:lnTo>
+                    <a:pt x="438" y="3565"/>
+                  </a:lnTo>
+                  <a:lnTo>
+                    <a:pt x="482" y="3531"/>
+                  </a:lnTo>
+                  <a:lnTo>
+                    <a:pt x="523" y="3499"/>
+                  </a:lnTo>
+                  <a:lnTo>
+                    <a:pt x="561" y="3466"/>
+                  </a:lnTo>
+                  <a:lnTo>
+                    <a:pt x="594" y="3434"/>
+                  </a:lnTo>
+                  <a:lnTo>
+                    <a:pt x="620" y="3400"/>
+                  </a:lnTo>
+                  <a:lnTo>
+                    <a:pt x="638" y="3367"/>
+                  </a:lnTo>
+                  <a:lnTo>
+                    <a:pt x="647" y="3336"/>
+                  </a:lnTo>
+                  <a:lnTo>
+                    <a:pt x="652" y="3302"/>
+                  </a:lnTo>
+                  <a:lnTo>
+                    <a:pt x="654" y="3265"/>
+                  </a:lnTo>
+                  <a:lnTo>
+                    <a:pt x="651" y="3224"/>
+                  </a:lnTo>
+                  <a:lnTo>
+                    <a:pt x="647" y="3181"/>
+                  </a:lnTo>
+                  <a:lnTo>
+                    <a:pt x="642" y="3137"/>
+                  </a:lnTo>
+                  <a:lnTo>
+                    <a:pt x="637" y="3091"/>
+                  </a:lnTo>
+                  <a:lnTo>
+                    <a:pt x="626" y="3021"/>
+                  </a:lnTo>
+                  <a:lnTo>
+                    <a:pt x="620" y="2952"/>
+                  </a:lnTo>
+                  <a:lnTo>
+                    <a:pt x="616" y="2881"/>
+                  </a:lnTo>
+                  <a:lnTo>
+                    <a:pt x="618" y="2809"/>
+                  </a:lnTo>
+                  <a:lnTo>
+                    <a:pt x="628" y="2737"/>
+                  </a:lnTo>
+                  <a:lnTo>
+                    <a:pt x="642" y="2681"/>
+                  </a:lnTo>
+                  <a:lnTo>
+                    <a:pt x="661" y="2626"/>
+                  </a:lnTo>
+                  <a:lnTo>
+                    <a:pt x="685" y="2574"/>
+                  </a:lnTo>
+                  <a:lnTo>
+                    <a:pt x="711" y="2521"/>
+                  </a:lnTo>
+                  <a:lnTo>
+                    <a:pt x="739" y="2472"/>
+                  </a:lnTo>
+                  <a:lnTo>
+                    <a:pt x="767" y="2423"/>
+                  </a:lnTo>
+                  <a:lnTo>
+                    <a:pt x="791" y="2381"/>
+                  </a:lnTo>
+                  <a:lnTo>
+                    <a:pt x="813" y="2342"/>
+                  </a:lnTo>
+                  <a:lnTo>
+                    <a:pt x="834" y="2303"/>
+                  </a:lnTo>
+                  <a:lnTo>
+                    <a:pt x="851" y="2265"/>
+                  </a:lnTo>
+                  <a:lnTo>
+                    <a:pt x="864" y="2228"/>
+                  </a:lnTo>
+                  <a:lnTo>
+                    <a:pt x="873" y="2194"/>
+                  </a:lnTo>
+                  <a:lnTo>
+                    <a:pt x="876" y="2160"/>
+                  </a:lnTo>
+                  <a:lnTo>
+                    <a:pt x="873" y="2126"/>
+                  </a:lnTo>
+                  <a:lnTo>
+                    <a:pt x="864" y="2092"/>
+                  </a:lnTo>
+                  <a:lnTo>
+                    <a:pt x="851" y="2055"/>
+                  </a:lnTo>
+                  <a:lnTo>
+                    <a:pt x="834" y="2017"/>
+                  </a:lnTo>
+                  <a:lnTo>
+                    <a:pt x="813" y="1978"/>
+                  </a:lnTo>
+                  <a:lnTo>
+                    <a:pt x="791" y="1939"/>
+                  </a:lnTo>
+                  <a:lnTo>
+                    <a:pt x="767" y="1897"/>
+                  </a:lnTo>
+                  <a:lnTo>
+                    <a:pt x="739" y="1848"/>
+                  </a:lnTo>
+                  <a:lnTo>
+                    <a:pt x="711" y="1799"/>
+                  </a:lnTo>
+                  <a:lnTo>
+                    <a:pt x="685" y="1746"/>
+                  </a:lnTo>
+                  <a:lnTo>
+                    <a:pt x="661" y="1694"/>
+                  </a:lnTo>
+                  <a:lnTo>
+                    <a:pt x="642" y="1639"/>
+                  </a:lnTo>
+                  <a:lnTo>
+                    <a:pt x="628" y="1583"/>
+                  </a:lnTo>
+                  <a:lnTo>
+                    <a:pt x="618" y="1511"/>
+                  </a:lnTo>
+                  <a:lnTo>
+                    <a:pt x="616" y="1439"/>
+                  </a:lnTo>
+                  <a:lnTo>
+                    <a:pt x="620" y="1368"/>
+                  </a:lnTo>
+                  <a:lnTo>
+                    <a:pt x="626" y="1299"/>
+                  </a:lnTo>
+                  <a:lnTo>
+                    <a:pt x="637" y="1229"/>
+                  </a:lnTo>
+                  <a:lnTo>
+                    <a:pt x="642" y="1183"/>
+                  </a:lnTo>
+                  <a:lnTo>
+                    <a:pt x="647" y="1139"/>
+                  </a:lnTo>
+                  <a:lnTo>
+                    <a:pt x="651" y="1096"/>
+                  </a:lnTo>
+                  <a:lnTo>
+                    <a:pt x="654" y="1055"/>
+                  </a:lnTo>
+                  <a:lnTo>
+                    <a:pt x="652" y="1018"/>
+                  </a:lnTo>
+                  <a:lnTo>
+                    <a:pt x="647" y="984"/>
+                  </a:lnTo>
+                  <a:lnTo>
+                    <a:pt x="638" y="953"/>
+                  </a:lnTo>
+                  <a:lnTo>
+                    <a:pt x="620" y="920"/>
+                  </a:lnTo>
+                  <a:lnTo>
+                    <a:pt x="594" y="886"/>
+                  </a:lnTo>
+                  <a:lnTo>
+                    <a:pt x="561" y="854"/>
+                  </a:lnTo>
+                  <a:lnTo>
+                    <a:pt x="523" y="822"/>
+                  </a:lnTo>
+                  <a:lnTo>
+                    <a:pt x="482" y="789"/>
+                  </a:lnTo>
+                  <a:lnTo>
+                    <a:pt x="438" y="755"/>
+                  </a:lnTo>
+                  <a:lnTo>
+                    <a:pt x="392" y="721"/>
+                  </a:lnTo>
+                  <a:lnTo>
+                    <a:pt x="348" y="686"/>
+                  </a:lnTo>
+                  <a:lnTo>
+                    <a:pt x="303" y="648"/>
+                  </a:lnTo>
+                  <a:lnTo>
+                    <a:pt x="261" y="607"/>
+                  </a:lnTo>
+                  <a:lnTo>
+                    <a:pt x="222" y="564"/>
+                  </a:lnTo>
+                  <a:lnTo>
+                    <a:pt x="186" y="516"/>
+                  </a:lnTo>
+                  <a:lnTo>
+                    <a:pt x="156" y="465"/>
+                  </a:lnTo>
+                  <a:lnTo>
+                    <a:pt x="129" y="411"/>
+                  </a:lnTo>
+                  <a:lnTo>
+                    <a:pt x="109" y="356"/>
+                  </a:lnTo>
+                  <a:lnTo>
+                    <a:pt x="90" y="301"/>
+                  </a:lnTo>
+                  <a:lnTo>
+                    <a:pt x="75" y="245"/>
+                  </a:lnTo>
+                  <a:lnTo>
+                    <a:pt x="60" y="189"/>
+                  </a:lnTo>
+                  <a:lnTo>
+                    <a:pt x="46" y="137"/>
+                  </a:lnTo>
+                  <a:lnTo>
+                    <a:pt x="33" y="88"/>
+                  </a:lnTo>
+                  <a:lnTo>
+                    <a:pt x="17" y="42"/>
+                  </a:lnTo>
+                  <a:lnTo>
+                    <a:pt x="0" y="0"/>
+                  </a:lnTo>
+                  <a:lnTo>
+                    <a:pt x="0" y="0"/>
+                  </a:lnTo>
+                  <a:close/>
+                </a:path>
+              </a:pathLst>
+            </a:custGeom>
+            <a:solidFill>
+              <a:schemeClr val="accent1"/>
+            </a:solidFill>
+            <a:ln w="0">
+              <a:noFill/>
+              <a:prstDash val="solid"/>
+              <a:round/>
+              <a:headEnd/>
+              <a:tailEnd/>
+            </a:ln>
+          </p:spPr>
+        </p:sp>
+      </p:grpSp>
     </p:spTree>
+    <p:extLst>
+      <p:ext uri="{BB962C8B-B14F-4D97-AF65-F5344CB8AC3E}">
+        <p14:creationId xmlns:p14="http://schemas.microsoft.com/office/powerpoint/2010/main" val="2186556"/>
+      </p:ext>
+    </p:extLst>
   </p:cSld>
   <p:clrMapOvr>
     <a:overrideClrMapping bg1="dk1" tx1="lt1" bg2="dk2" tx2="lt2" accent1="accent1" accent2="accent2" accent3="accent3" accent4="accent4" accent5="accent5" accent6="accent6" hlink="hlink" folHlink="folHlink"/>
@@ -1394,18 +3253,10 @@
         <p:spPr/>
         <p:txBody>
           <a:bodyPr/>
-          <a:lstStyle>
-            <a:lvl1pPr>
-              <a:defRPr>
-                <a:solidFill>
-                  <a:schemeClr val="tx2"/>
-                </a:solidFill>
-              </a:defRPr>
-            </a:lvl1pPr>
-          </a:lstStyle>
-          <a:p>
-            <a:r>
-              <a:rPr lang="ru-RU"/>
+          <a:lstStyle/>
+          <a:p>
+            <a:r>
+              <a:rPr lang="ru-RU" smtClean="0"/>
               <a:t>Образец заголовка</a:t>
             </a:r>
             <a:endParaRPr lang="en-US" dirty="0"/>
@@ -1424,81 +3275,45 @@
         </p:nvSpPr>
         <p:spPr>
           <a:xfrm>
-            <a:off x="1371600" y="2285999"/>
-            <a:ext cx="4447786" cy="3581401"/>
+            <a:off x="1257300" y="2286000"/>
+            <a:ext cx="4800600" cy="3619500"/>
           </a:xfrm>
         </p:spPr>
         <p:txBody>
           <a:bodyPr/>
-          <a:lstStyle>
-            <a:lvl1pPr>
-              <a:defRPr baseline="0">
-                <a:solidFill>
-                  <a:schemeClr val="tx2"/>
-                </a:solidFill>
-              </a:defRPr>
-            </a:lvl1pPr>
-            <a:lvl2pPr>
-              <a:defRPr baseline="0">
-                <a:solidFill>
-                  <a:schemeClr val="tx2"/>
-                </a:solidFill>
-              </a:defRPr>
-            </a:lvl2pPr>
-            <a:lvl3pPr>
-              <a:defRPr baseline="0">
-                <a:solidFill>
-                  <a:schemeClr val="tx2"/>
-                </a:solidFill>
-              </a:defRPr>
-            </a:lvl3pPr>
-            <a:lvl4pPr>
-              <a:defRPr baseline="0">
-                <a:solidFill>
-                  <a:schemeClr val="tx2"/>
-                </a:solidFill>
-              </a:defRPr>
-            </a:lvl4pPr>
-            <a:lvl5pPr>
-              <a:defRPr baseline="0">
-                <a:solidFill>
-                  <a:schemeClr val="tx2"/>
-                </a:solidFill>
-              </a:defRPr>
-            </a:lvl5pPr>
-          </a:lstStyle>
+          <a:lstStyle/>
           <a:p>
             <a:pPr lvl="0"/>
             <a:r>
-              <a:rPr lang="ru-RU"/>
+              <a:rPr lang="ru-RU" smtClean="0"/>
               <a:t>Образец текста</a:t>
             </a:r>
           </a:p>
           <a:p>
             <a:pPr lvl="1"/>
             <a:r>
-              <a:rPr lang="ru-RU"/>
+              <a:rPr lang="ru-RU" smtClean="0"/>
               <a:t>Второй уровень</a:t>
             </a:r>
           </a:p>
           <a:p>
             <a:pPr lvl="2"/>
             <a:r>
-              <a:rPr lang="ru-RU"/>
+              <a:rPr lang="ru-RU" smtClean="0"/>
               <a:t>Третий уровень</a:t>
             </a:r>
           </a:p>
           <a:p>
             <a:pPr lvl="3"/>
             <a:r>
-              <a:rPr lang="ru-RU"/>
+              <a:rPr lang="ru-RU" smtClean="0"/>
               <a:t>Четвертый уровень</a:t>
             </a:r>
           </a:p>
           <a:p>
             <a:pPr lvl="4"/>
             <a:r>
-              <a:rPr lang="ru-RU"/>
+              <a:rPr lang="ru-RU" smtClean="0"/>
               <a:t>Пятый уровень</a:t>
             </a:r>
             <a:endParaRPr lang="en-US" dirty="0"/>
@@ -1517,81 +3332,45 @@
         </p:nvSpPr>
         <p:spPr>
           <a:xfrm>
-            <a:off x="6525403" y="2285999"/>
-            <a:ext cx="4447786" cy="3581401"/>
+            <a:off x="6647796" y="2286000"/>
+            <a:ext cx="4800600" cy="3619500"/>
           </a:xfrm>
         </p:spPr>
         <p:txBody>
           <a:bodyPr/>
-          <a:lstStyle>
-            <a:lvl1pPr>
-              <a:defRPr>
-                <a:solidFill>
-                  <a:schemeClr val="tx2"/>
-                </a:solidFill>
-              </a:defRPr>
-            </a:lvl1pPr>
-            <a:lvl2pPr>
-              <a:defRPr>
-                <a:solidFill>
-                  <a:schemeClr val="tx2"/>
-                </a:solidFill>
-              </a:defRPr>
-            </a:lvl2pPr>
-            <a:lvl3pPr>
-              <a:defRPr>
-                <a:solidFill>
-                  <a:schemeClr val="tx2"/>
-                </a:solidFill>
-              </a:defRPr>
-            </a:lvl3pPr>
-            <a:lvl4pPr>
-              <a:defRPr>
-                <a:solidFill>
-                  <a:schemeClr val="tx2"/>
-                </a:solidFill>
-              </a:defRPr>
-            </a:lvl4pPr>
-            <a:lvl5pPr>
-              <a:defRPr>
-                <a:solidFill>
-                  <a:schemeClr val="tx2"/>
-                </a:solidFill>
-              </a:defRPr>
-            </a:lvl5pPr>
-          </a:lstStyle>
+          <a:lstStyle/>
           <a:p>
             <a:pPr lvl="0"/>
             <a:r>
-              <a:rPr lang="ru-RU"/>
+              <a:rPr lang="ru-RU" smtClean="0"/>
               <a:t>Образец текста</a:t>
             </a:r>
           </a:p>
           <a:p>
             <a:pPr lvl="1"/>
             <a:r>
-              <a:rPr lang="ru-RU"/>
+              <a:rPr lang="ru-RU" smtClean="0"/>
               <a:t>Второй уровень</a:t>
             </a:r>
           </a:p>
           <a:p>
             <a:pPr lvl="2"/>
             <a:r>
-              <a:rPr lang="ru-RU"/>
+              <a:rPr lang="ru-RU" smtClean="0"/>
               <a:t>Третий уровень</a:t>
             </a:r>
           </a:p>
           <a:p>
             <a:pPr lvl="3"/>
             <a:r>
-              <a:rPr lang="ru-RU"/>
+              <a:rPr lang="ru-RU" smtClean="0"/>
               <a:t>Четвертый уровень</a:t>
             </a:r>
           </a:p>
           <a:p>
             <a:pPr lvl="4"/>
             <a:r>
-              <a:rPr lang="ru-RU"/>
+              <a:rPr lang="ru-RU" smtClean="0"/>
               <a:t>Пятый уровень</a:t>
             </a:r>
             <a:endParaRPr lang="en-US" dirty="0"/>
@@ -1614,8 +3393,8 @@
           <a:lstStyle/>
           <a:p>
             <a:fld id="{87DE6118-2437-4B30-8E3C-4D2BE6020583}" type="datetimeFigureOut">
-              <a:rPr lang="en-US" dirty="0"/>
-              <a:t>4/18/2023</a:t>
+              <a:rPr lang="en-US" smtClean="0"/>
+              <a:t>4/20/2023</a:t>
             </a:fld>
             <a:endParaRPr lang="en-US" dirty="0"/>
           </a:p>
@@ -1656,7 +3435,7 @@
           <a:lstStyle/>
           <a:p>
             <a:fld id="{69E57DC2-970A-4B3E-BB1C-7A09969E49DF}" type="slidenum">
-              <a:rPr lang="en-US" dirty="0"/>
+              <a:rPr lang="en-US" smtClean="0"/>
               <a:t>‹#›</a:t>
             </a:fld>
             <a:endParaRPr lang="en-US" dirty="0"/>
@@ -1664,10 +3443,20 @@
         </p:txBody>
       </p:sp>
     </p:spTree>
+    <p:extLst>
+      <p:ext uri="{BB962C8B-B14F-4D97-AF65-F5344CB8AC3E}">
+        <p14:creationId xmlns:p14="http://schemas.microsoft.com/office/powerpoint/2010/main" val="3009663819"/>
+      </p:ext>
+    </p:extLst>
   </p:cSld>
   <p:clrMapOvr>
     <a:masterClrMapping/>
   </p:clrMapOvr>
+  <p:extLst mod="1">
+    <p:ext uri="{DCECCB84-F9BA-43D5-87BE-67443E8EF086}">
+      <p15:sldGuideLst xmlns:p15="http://schemas.microsoft.com/office/powerpoint/2012/main"/>
+    </p:ext>
+  </p:extLst>
 </p:sldLayout>
 </file>
 
@@ -1700,24 +3489,16 @@
         </p:nvSpPr>
         <p:spPr>
           <a:xfrm>
-            <a:off x="1371600" y="685800"/>
-            <a:ext cx="9601200" cy="1485900"/>
+            <a:off x="1252728" y="381000"/>
+            <a:ext cx="10172700" cy="1493517"/>
           </a:xfrm>
         </p:spPr>
         <p:txBody>
           <a:bodyPr/>
-          <a:lstStyle>
-            <a:lvl1pPr>
-              <a:defRPr>
-                <a:solidFill>
-                  <a:schemeClr val="tx2"/>
-                </a:solidFill>
-              </a:defRPr>
-            </a:lvl1pPr>
-          </a:lstStyle>
-          <a:p>
-            <a:r>
-              <a:rPr lang="ru-RU"/>
+          <a:lstStyle/>
+          <a:p>
+            <a:r>
+              <a:rPr lang="ru-RU" smtClean="0"/>
               <a:t>Образец заголовка</a:t>
             </a:r>
             <a:endParaRPr lang="en-US" dirty="0"/>
@@ -1736,8 +3517,8 @@
         </p:nvSpPr>
         <p:spPr>
           <a:xfrm>
-            <a:off x="1371600" y="2340864"/>
-            <a:ext cx="4443984" cy="823912"/>
+            <a:off x="1251678" y="2199633"/>
+            <a:ext cx="4800600" cy="632529"/>
           </a:xfrm>
         </p:spPr>
         <p:txBody>
@@ -1747,16 +3528,10 @@
           <a:lstStyle>
             <a:lvl1pPr marL="0" indent="0">
               <a:lnSpc>
-                <a:spcPct val="84000"/>
+                <a:spcPct val="100000"/>
               </a:lnSpc>
-              <a:spcBef>
-                <a:spcPts val="0"/>
-              </a:spcBef>
-              <a:spcAft>
-                <a:spcPts val="0"/>
-              </a:spcAft>
               <a:buNone/>
-              <a:defRPr sz="3000" b="0" baseline="0">
+              <a:defRPr sz="1900" b="1" cap="all" spc="200" baseline="0">
                 <a:solidFill>
                   <a:schemeClr val="tx2"/>
                 </a:solidFill>
@@ -1764,7 +3539,7 @@
             </a:lvl1pPr>
             <a:lvl2pPr marL="457200" indent="0">
               <a:buNone/>
-              <a:defRPr sz="2000" b="1"/>
+              <a:defRPr sz="1900" b="1"/>
             </a:lvl2pPr>
             <a:lvl3pPr marL="914400" indent="0">
               <a:buNone/>
@@ -1798,7 +3573,7 @@
           <a:p>
             <a:pPr lvl="0"/>
             <a:r>
-              <a:rPr lang="ru-RU"/>
+              <a:rPr lang="ru-RU" smtClean="0"/>
               <a:t>Образец текста</a:t>
             </a:r>
           </a:p>
@@ -1816,81 +3591,45 @@
         </p:nvSpPr>
         <p:spPr>
           <a:xfrm>
-            <a:off x="1371600" y="3305207"/>
-            <a:ext cx="4443984" cy="2562193"/>
+            <a:off x="1257300" y="2909102"/>
+            <a:ext cx="4800600" cy="2996398"/>
           </a:xfrm>
         </p:spPr>
         <p:txBody>
           <a:bodyPr/>
-          <a:lstStyle>
-            <a:lvl1pPr>
-              <a:defRPr baseline="0">
-                <a:solidFill>
-                  <a:schemeClr val="tx2"/>
-                </a:solidFill>
-              </a:defRPr>
-            </a:lvl1pPr>
-            <a:lvl2pPr>
-              <a:defRPr baseline="0">
-                <a:solidFill>
-                  <a:schemeClr val="tx2"/>
-                </a:solidFill>
-              </a:defRPr>
-            </a:lvl2pPr>
-            <a:lvl3pPr>
-              <a:defRPr baseline="0">
-                <a:solidFill>
-                  <a:schemeClr val="tx2"/>
-                </a:solidFill>
-              </a:defRPr>
-            </a:lvl3pPr>
-            <a:lvl4pPr>
-              <a:defRPr baseline="0">
-                <a:solidFill>
-                  <a:schemeClr val="tx2"/>
-                </a:solidFill>
-              </a:defRPr>
-            </a:lvl4pPr>
-            <a:lvl5pPr>
-              <a:defRPr baseline="0">
-                <a:solidFill>
-                  <a:schemeClr val="tx2"/>
-                </a:solidFill>
-              </a:defRPr>
-            </a:lvl5pPr>
-          </a:lstStyle>
+          <a:lstStyle/>
           <a:p>
             <a:pPr lvl="0"/>
             <a:r>
-              <a:rPr lang="ru-RU"/>
+              <a:rPr lang="ru-RU" smtClean="0"/>
               <a:t>Образец текста</a:t>
             </a:r>
           </a:p>
           <a:p>
             <a:pPr lvl="1"/>
             <a:r>
-              <a:rPr lang="ru-RU"/>
+              <a:rPr lang="ru-RU" smtClean="0"/>
               <a:t>Второй уровень</a:t>
             </a:r>
           </a:p>
           <a:p>
             <a:pPr lvl="2"/>
             <a:r>
-              <a:rPr lang="ru-RU"/>
+              <a:rPr lang="ru-RU" smtClean="0"/>
               <a:t>Третий уровень</a:t>
             </a:r>
           </a:p>
           <a:p>
             <a:pPr lvl="3"/>
             <a:r>
-              <a:rPr lang="ru-RU"/>
+              <a:rPr lang="ru-RU" smtClean="0"/>
               <a:t>Четвертый уровень</a:t>
             </a:r>
           </a:p>
           <a:p>
             <a:pPr lvl="4"/>
             <a:r>
-              <a:rPr lang="ru-RU"/>
+              <a:rPr lang="ru-RU" smtClean="0"/>
               <a:t>Пятый уровень</a:t>
             </a:r>
             <a:endParaRPr lang="en-US" dirty="0"/>
@@ -1909,8 +3648,8 @@
         </p:nvSpPr>
         <p:spPr>
           <a:xfrm>
-            <a:off x="6525014" y="2340864"/>
-            <a:ext cx="4443984" cy="823912"/>
+            <a:off x="6633864" y="2199633"/>
+            <a:ext cx="4800600" cy="632529"/>
           </a:xfrm>
         </p:spPr>
         <p:txBody>
@@ -1920,16 +3659,10 @@
           <a:lstStyle>
             <a:lvl1pPr marL="0" indent="0">
               <a:lnSpc>
-                <a:spcPct val="84000"/>
+                <a:spcPct val="100000"/>
               </a:lnSpc>
-              <a:spcBef>
-                <a:spcPts val="0"/>
-              </a:spcBef>
-              <a:spcAft>
-                <a:spcPts val="0"/>
-              </a:spcAft>
               <a:buNone/>
-              <a:defRPr sz="3000" b="0" baseline="0">
+              <a:defRPr sz="1900" b="1" cap="all" spc="200" baseline="0">
                 <a:solidFill>
                   <a:schemeClr val="tx2"/>
                 </a:solidFill>
@@ -1937,7 +3670,7 @@
             </a:lvl1pPr>
             <a:lvl2pPr marL="457200" indent="0">
               <a:buNone/>
-              <a:defRPr sz="2000" b="1"/>
+              <a:defRPr sz="1900" b="1"/>
             </a:lvl2pPr>
             <a:lvl3pPr marL="914400" indent="0">
               <a:buNone/>
@@ -1971,7 +3704,7 @@
           <a:p>
             <a:pPr lvl="0"/>
             <a:r>
-              <a:rPr lang="ru-RU"/>
+              <a:rPr lang="ru-RU" smtClean="0"/>
               <a:t>Образец текста</a:t>
             </a:r>
           </a:p>
@@ -1989,81 +3722,45 @@
         </p:nvSpPr>
         <p:spPr>
           <a:xfrm>
-            <a:off x="6525014" y="3305207"/>
-            <a:ext cx="4443984" cy="2562193"/>
+            <a:off x="6633864" y="2909102"/>
+            <a:ext cx="4800600" cy="2996398"/>
           </a:xfrm>
         </p:spPr>
         <p:txBody>
           <a:bodyPr/>
-          <a:lstStyle>
-            <a:lvl1pPr>
-              <a:defRPr baseline="0">
-                <a:solidFill>
-                  <a:schemeClr val="tx2"/>
-                </a:solidFill>
-              </a:defRPr>
-            </a:lvl1pPr>
-            <a:lvl2pPr>
-              <a:defRPr baseline="0">
-                <a:solidFill>
-                  <a:schemeClr val="tx2"/>
-                </a:solidFill>
-              </a:defRPr>
-            </a:lvl2pPr>
-            <a:lvl3pPr>
-              <a:defRPr baseline="0">
-                <a:solidFill>
-                  <a:schemeClr val="tx2"/>
-                </a:solidFill>
-              </a:defRPr>
-            </a:lvl3pPr>
-            <a:lvl4pPr>
-              <a:defRPr baseline="0">
-                <a:solidFill>
-                  <a:schemeClr val="tx2"/>
-                </a:solidFill>
-              </a:defRPr>
-            </a:lvl4pPr>
-            <a:lvl5pPr>
-              <a:defRPr baseline="0">
-                <a:solidFill>
-                  <a:schemeClr val="tx2"/>
-                </a:solidFill>
-              </a:defRPr>
-            </a:lvl5pPr>
-          </a:lstStyle>
+          <a:lstStyle/>
           <a:p>
             <a:pPr lvl="0"/>
             <a:r>
-              <a:rPr lang="ru-RU"/>
+              <a:rPr lang="ru-RU" smtClean="0"/>
               <a:t>Образец текста</a:t>
             </a:r>
           </a:p>
           <a:p>
             <a:pPr lvl="1"/>
             <a:r>
-              <a:rPr lang="ru-RU"/>
+              <a:rPr lang="ru-RU" smtClean="0"/>
               <a:t>Второй уровень</a:t>
             </a:r>
           </a:p>
           <a:p>
             <a:pPr lvl="2"/>
             <a:r>
-              <a:rPr lang="ru-RU"/>
+              <a:rPr lang="ru-RU" smtClean="0"/>
               <a:t>Третий уровень</a:t>
             </a:r>
           </a:p>
           <a:p>
             <a:pPr lvl="3"/>
             <a:r>
-              <a:rPr lang="ru-RU"/>
+              <a:rPr lang="ru-RU" smtClean="0"/>
               <a:t>Четвертый уровень</a:t>
             </a:r>
           </a:p>
           <a:p>
             <a:pPr lvl="4"/>
             <a:r>
-              <a:rPr lang="ru-RU"/>
+              <a:rPr lang="ru-RU" smtClean="0"/>
               <a:t>Пятый уровень</a:t>
             </a:r>
             <a:endParaRPr lang="en-US" dirty="0"/>
@@ -2086,8 +3783,8 @@
           <a:lstStyle/>
           <a:p>
             <a:fld id="{87DE6118-2437-4B30-8E3C-4D2BE6020583}" type="datetimeFigureOut">
-              <a:rPr lang="en-US" dirty="0"/>
-              <a:t>4/18/2023</a:t>
+              <a:rPr lang="en-US" smtClean="0"/>
+              <a:t>4/20/2023</a:t>
             </a:fld>
             <a:endParaRPr lang="en-US" dirty="0"/>
           </a:p>
@@ -2128,7 +3825,7 @@
           <a:lstStyle/>
           <a:p>
             <a:fld id="{69E57DC2-970A-4B3E-BB1C-7A09969E49DF}" type="slidenum">
-              <a:rPr lang="en-US" dirty="0"/>
+              <a:rPr lang="en-US" smtClean="0"/>
               <a:t>‹#›</a:t>
             </a:fld>
             <a:endParaRPr lang="en-US" dirty="0"/>
@@ -2136,10 +3833,20 @@
         </p:txBody>
       </p:sp>
     </p:spTree>
+    <p:extLst>
+      <p:ext uri="{BB962C8B-B14F-4D97-AF65-F5344CB8AC3E}">
+        <p14:creationId xmlns:p14="http://schemas.microsoft.com/office/powerpoint/2010/main" val="680168458"/>
+      </p:ext>
+    </p:extLst>
   </p:cSld>
   <p:clrMapOvr>
     <a:masterClrMapping/>
   </p:clrMapOvr>
+  <p:extLst mod="1">
+    <p:ext uri="{DCECCB84-F9BA-43D5-87BE-67443E8EF086}">
+      <p15:sldGuideLst xmlns:p15="http://schemas.microsoft.com/office/powerpoint/2012/main"/>
+    </p:ext>
+  </p:extLst>
 </p:sldLayout>
 </file>
 
@@ -2176,7 +3883,7 @@
           <a:lstStyle/>
           <a:p>
             <a:r>
-              <a:rPr lang="ru-RU"/>
+              <a:rPr lang="ru-RU" smtClean="0"/>
               <a:t>Образец заголовка</a:t>
             </a:r>
             <a:endParaRPr lang="en-US" dirty="0"/>
@@ -2199,8 +3906,8 @@
           <a:lstStyle/>
           <a:p>
             <a:fld id="{87DE6118-2437-4B30-8E3C-4D2BE6020583}" type="datetimeFigureOut">
-              <a:rPr lang="en-US" dirty="0"/>
-              <a:t>4/18/2023</a:t>
+              <a:rPr lang="en-US" smtClean="0"/>
+              <a:t>4/20/2023</a:t>
             </a:fld>
             <a:endParaRPr lang="en-US" dirty="0"/>
           </a:p>
@@ -2241,7 +3948,7 @@
           <a:lstStyle/>
           <a:p>
             <a:fld id="{69E57DC2-970A-4B3E-BB1C-7A09969E49DF}" type="slidenum">
-              <a:rPr lang="en-US" dirty="0"/>
+              <a:rPr lang="en-US" smtClean="0"/>
               <a:t>‹#›</a:t>
             </a:fld>
             <a:endParaRPr lang="en-US" dirty="0"/>
@@ -2249,6 +3956,11 @@
         </p:txBody>
       </p:sp>
     </p:spTree>
+    <p:extLst>
+      <p:ext uri="{BB962C8B-B14F-4D97-AF65-F5344CB8AC3E}">
+        <p14:creationId xmlns:p14="http://schemas.microsoft.com/office/powerpoint/2010/main" val="3816151363"/>
+      </p:ext>
+    </p:extLst>
   </p:cSld>
   <p:clrMapOvr>
     <a:masterClrMapping/>
@@ -2289,8 +4001,8 @@
           <a:lstStyle/>
           <a:p>
             <a:fld id="{87DE6118-2437-4B30-8E3C-4D2BE6020583}" type="datetimeFigureOut">
-              <a:rPr lang="en-US" dirty="0"/>
-              <a:t>4/18/2023</a:t>
+              <a:rPr lang="en-US" smtClean="0"/>
+              <a:t>4/20/2023</a:t>
             </a:fld>
             <a:endParaRPr lang="en-US" dirty="0"/>
           </a:p>
@@ -2331,7 +4043,7 @@
           <a:lstStyle/>
           <a:p>
             <a:fld id="{69E57DC2-970A-4B3E-BB1C-7A09969E49DF}" type="slidenum">
-              <a:rPr lang="en-US" dirty="0"/>
+              <a:rPr lang="en-US" smtClean="0"/>
               <a:t>‹#›</a:t>
             </a:fld>
             <a:endParaRPr lang="en-US" dirty="0"/>
@@ -2339,6 +4051,11 @@
         </p:txBody>
       </p:sp>
     </p:spTree>
+    <p:extLst>
+      <p:ext uri="{BB962C8B-B14F-4D97-AF65-F5344CB8AC3E}">
+        <p14:creationId xmlns:p14="http://schemas.microsoft.com/office/powerpoint/2010/main" val="3529871264"/>
+      </p:ext>
+    </p:extLst>
   </p:cSld>
   <p:clrMapOvr>
     <a:masterClrMapping/>
@@ -2365,14 +4082,1364 @@
       </p:grpSpPr>
       <p:sp>
         <p:nvSpPr>
-          <p:cNvPr id="8" name="Rectangle 7" title="Background Shape"/>
+          <p:cNvPr id="17" name="Freeform 11" title="right scallop background shape"/>
+          <p:cNvSpPr/>
+          <p:nvPr/>
+        </p:nvSpPr>
+        <p:spPr bwMode="auto">
+          <a:xfrm>
+            <a:off x="7389812" y="0"/>
+            <a:ext cx="4802188" cy="6858000"/>
+          </a:xfrm>
+          <a:custGeom>
+            <a:avLst/>
+            <a:gdLst/>
+            <a:ahLst/>
+            <a:cxnLst/>
+            <a:rect l="0" t="0" r="r" b="b"/>
+            <a:pathLst>
+              <a:path w="3025" h="4320">
+                <a:moveTo>
+                  <a:pt x="0" y="0"/>
+                </a:moveTo>
+                <a:lnTo>
+                  <a:pt x="3025" y="0"/>
+                </a:lnTo>
+                <a:lnTo>
+                  <a:pt x="3025" y="4320"/>
+                </a:lnTo>
+                <a:lnTo>
+                  <a:pt x="0" y="4320"/>
+                </a:lnTo>
+                <a:lnTo>
+                  <a:pt x="3" y="4278"/>
+                </a:lnTo>
+                <a:lnTo>
+                  <a:pt x="8" y="4243"/>
+                </a:lnTo>
+                <a:lnTo>
+                  <a:pt x="14" y="4210"/>
+                </a:lnTo>
+                <a:lnTo>
+                  <a:pt x="24" y="4183"/>
+                </a:lnTo>
+                <a:lnTo>
+                  <a:pt x="34" y="4156"/>
+                </a:lnTo>
+                <a:lnTo>
+                  <a:pt x="46" y="4133"/>
+                </a:lnTo>
+                <a:lnTo>
+                  <a:pt x="58" y="4109"/>
+                </a:lnTo>
+                <a:lnTo>
+                  <a:pt x="69" y="4087"/>
+                </a:lnTo>
+                <a:lnTo>
+                  <a:pt x="80" y="4062"/>
+                </a:lnTo>
+                <a:lnTo>
+                  <a:pt x="90" y="4036"/>
+                </a:lnTo>
+                <a:lnTo>
+                  <a:pt x="99" y="4007"/>
+                </a:lnTo>
+                <a:lnTo>
+                  <a:pt x="106" y="3976"/>
+                </a:lnTo>
+                <a:lnTo>
+                  <a:pt x="111" y="3938"/>
+                </a:lnTo>
+                <a:lnTo>
+                  <a:pt x="113" y="3895"/>
+                </a:lnTo>
+                <a:lnTo>
+                  <a:pt x="111" y="3851"/>
+                </a:lnTo>
+                <a:lnTo>
+                  <a:pt x="106" y="3815"/>
+                </a:lnTo>
+                <a:lnTo>
+                  <a:pt x="99" y="3782"/>
+                </a:lnTo>
+                <a:lnTo>
+                  <a:pt x="90" y="3752"/>
+                </a:lnTo>
+                <a:lnTo>
+                  <a:pt x="80" y="3726"/>
+                </a:lnTo>
+                <a:lnTo>
+                  <a:pt x="68" y="3702"/>
+                </a:lnTo>
+                <a:lnTo>
+                  <a:pt x="56" y="3679"/>
+                </a:lnTo>
+                <a:lnTo>
+                  <a:pt x="44" y="3655"/>
+                </a:lnTo>
+                <a:lnTo>
+                  <a:pt x="33" y="3630"/>
+                </a:lnTo>
+                <a:lnTo>
+                  <a:pt x="22" y="3604"/>
+                </a:lnTo>
+                <a:lnTo>
+                  <a:pt x="13" y="3575"/>
+                </a:lnTo>
+                <a:lnTo>
+                  <a:pt x="7" y="3542"/>
+                </a:lnTo>
+                <a:lnTo>
+                  <a:pt x="1" y="3504"/>
+                </a:lnTo>
+                <a:lnTo>
+                  <a:pt x="0" y="3461"/>
+                </a:lnTo>
+                <a:lnTo>
+                  <a:pt x="1" y="3418"/>
+                </a:lnTo>
+                <a:lnTo>
+                  <a:pt x="7" y="3380"/>
+                </a:lnTo>
+                <a:lnTo>
+                  <a:pt x="13" y="3347"/>
+                </a:lnTo>
+                <a:lnTo>
+                  <a:pt x="22" y="3319"/>
+                </a:lnTo>
+                <a:lnTo>
+                  <a:pt x="33" y="3292"/>
+                </a:lnTo>
+                <a:lnTo>
+                  <a:pt x="44" y="3267"/>
+                </a:lnTo>
+                <a:lnTo>
+                  <a:pt x="56" y="3244"/>
+                </a:lnTo>
+                <a:lnTo>
+                  <a:pt x="68" y="3222"/>
+                </a:lnTo>
+                <a:lnTo>
+                  <a:pt x="80" y="3197"/>
+                </a:lnTo>
+                <a:lnTo>
+                  <a:pt x="90" y="3171"/>
+                </a:lnTo>
+                <a:lnTo>
+                  <a:pt x="99" y="3142"/>
+                </a:lnTo>
+                <a:lnTo>
+                  <a:pt x="106" y="3109"/>
+                </a:lnTo>
+                <a:lnTo>
+                  <a:pt x="111" y="3071"/>
+                </a:lnTo>
+                <a:lnTo>
+                  <a:pt x="113" y="3028"/>
+                </a:lnTo>
+                <a:lnTo>
+                  <a:pt x="111" y="2985"/>
+                </a:lnTo>
+                <a:lnTo>
+                  <a:pt x="106" y="2947"/>
+                </a:lnTo>
+                <a:lnTo>
+                  <a:pt x="99" y="2914"/>
+                </a:lnTo>
+                <a:lnTo>
+                  <a:pt x="90" y="2885"/>
+                </a:lnTo>
+                <a:lnTo>
+                  <a:pt x="80" y="2858"/>
+                </a:lnTo>
+                <a:lnTo>
+                  <a:pt x="68" y="2834"/>
+                </a:lnTo>
+                <a:lnTo>
+                  <a:pt x="44" y="2787"/>
+                </a:lnTo>
+                <a:lnTo>
+                  <a:pt x="33" y="2763"/>
+                </a:lnTo>
+                <a:lnTo>
+                  <a:pt x="22" y="2736"/>
+                </a:lnTo>
+                <a:lnTo>
+                  <a:pt x="13" y="2707"/>
+                </a:lnTo>
+                <a:lnTo>
+                  <a:pt x="7" y="2674"/>
+                </a:lnTo>
+                <a:lnTo>
+                  <a:pt x="1" y="2637"/>
+                </a:lnTo>
+                <a:lnTo>
+                  <a:pt x="0" y="2593"/>
+                </a:lnTo>
+                <a:lnTo>
+                  <a:pt x="1" y="2550"/>
+                </a:lnTo>
+                <a:lnTo>
+                  <a:pt x="7" y="2512"/>
+                </a:lnTo>
+                <a:lnTo>
+                  <a:pt x="13" y="2479"/>
+                </a:lnTo>
+                <a:lnTo>
+                  <a:pt x="22" y="2451"/>
+                </a:lnTo>
+                <a:lnTo>
+                  <a:pt x="33" y="2424"/>
+                </a:lnTo>
+                <a:lnTo>
+                  <a:pt x="44" y="2401"/>
+                </a:lnTo>
+                <a:lnTo>
+                  <a:pt x="68" y="2354"/>
+                </a:lnTo>
+                <a:lnTo>
+                  <a:pt x="80" y="2329"/>
+                </a:lnTo>
+                <a:lnTo>
+                  <a:pt x="90" y="2303"/>
+                </a:lnTo>
+                <a:lnTo>
+                  <a:pt x="99" y="2274"/>
+                </a:lnTo>
+                <a:lnTo>
+                  <a:pt x="106" y="2241"/>
+                </a:lnTo>
+                <a:lnTo>
+                  <a:pt x="111" y="2203"/>
+                </a:lnTo>
+                <a:lnTo>
+                  <a:pt x="113" y="2159"/>
+                </a:lnTo>
+                <a:lnTo>
+                  <a:pt x="111" y="2117"/>
+                </a:lnTo>
+                <a:lnTo>
+                  <a:pt x="106" y="2079"/>
+                </a:lnTo>
+                <a:lnTo>
+                  <a:pt x="99" y="2046"/>
+                </a:lnTo>
+                <a:lnTo>
+                  <a:pt x="90" y="2017"/>
+                </a:lnTo>
+                <a:lnTo>
+                  <a:pt x="80" y="1991"/>
+                </a:lnTo>
+                <a:lnTo>
+                  <a:pt x="68" y="1966"/>
+                </a:lnTo>
+                <a:lnTo>
+                  <a:pt x="56" y="1943"/>
+                </a:lnTo>
+                <a:lnTo>
+                  <a:pt x="44" y="1919"/>
+                </a:lnTo>
+                <a:lnTo>
+                  <a:pt x="33" y="1896"/>
+                </a:lnTo>
+                <a:lnTo>
+                  <a:pt x="22" y="1869"/>
+                </a:lnTo>
+                <a:lnTo>
+                  <a:pt x="13" y="1841"/>
+                </a:lnTo>
+                <a:lnTo>
+                  <a:pt x="7" y="1807"/>
+                </a:lnTo>
+                <a:lnTo>
+                  <a:pt x="1" y="1770"/>
+                </a:lnTo>
+                <a:lnTo>
+                  <a:pt x="0" y="1727"/>
+                </a:lnTo>
+                <a:lnTo>
+                  <a:pt x="1" y="1683"/>
+                </a:lnTo>
+                <a:lnTo>
+                  <a:pt x="7" y="1646"/>
+                </a:lnTo>
+                <a:lnTo>
+                  <a:pt x="13" y="1613"/>
+                </a:lnTo>
+                <a:lnTo>
+                  <a:pt x="22" y="1583"/>
+                </a:lnTo>
+                <a:lnTo>
+                  <a:pt x="33" y="1557"/>
+                </a:lnTo>
+                <a:lnTo>
+                  <a:pt x="44" y="1533"/>
+                </a:lnTo>
+                <a:lnTo>
+                  <a:pt x="56" y="1509"/>
+                </a:lnTo>
+                <a:lnTo>
+                  <a:pt x="68" y="1486"/>
+                </a:lnTo>
+                <a:lnTo>
+                  <a:pt x="80" y="1461"/>
+                </a:lnTo>
+                <a:lnTo>
+                  <a:pt x="90" y="1435"/>
+                </a:lnTo>
+                <a:lnTo>
+                  <a:pt x="99" y="1406"/>
+                </a:lnTo>
+                <a:lnTo>
+                  <a:pt x="106" y="1373"/>
+                </a:lnTo>
+                <a:lnTo>
+                  <a:pt x="111" y="1335"/>
+                </a:lnTo>
+                <a:lnTo>
+                  <a:pt x="113" y="1292"/>
+                </a:lnTo>
+                <a:lnTo>
+                  <a:pt x="111" y="1249"/>
+                </a:lnTo>
+                <a:lnTo>
+                  <a:pt x="106" y="1211"/>
+                </a:lnTo>
+                <a:lnTo>
+                  <a:pt x="99" y="1178"/>
+                </a:lnTo>
+                <a:lnTo>
+                  <a:pt x="90" y="1149"/>
+                </a:lnTo>
+                <a:lnTo>
+                  <a:pt x="80" y="1123"/>
+                </a:lnTo>
+                <a:lnTo>
+                  <a:pt x="68" y="1098"/>
+                </a:lnTo>
+                <a:lnTo>
+                  <a:pt x="56" y="1076"/>
+                </a:lnTo>
+                <a:lnTo>
+                  <a:pt x="44" y="1053"/>
+                </a:lnTo>
+                <a:lnTo>
+                  <a:pt x="33" y="1028"/>
+                </a:lnTo>
+                <a:lnTo>
+                  <a:pt x="22" y="1001"/>
+                </a:lnTo>
+                <a:lnTo>
+                  <a:pt x="13" y="973"/>
+                </a:lnTo>
+                <a:lnTo>
+                  <a:pt x="7" y="940"/>
+                </a:lnTo>
+                <a:lnTo>
+                  <a:pt x="1" y="902"/>
+                </a:lnTo>
+                <a:lnTo>
+                  <a:pt x="0" y="859"/>
+                </a:lnTo>
+                <a:lnTo>
+                  <a:pt x="1" y="816"/>
+                </a:lnTo>
+                <a:lnTo>
+                  <a:pt x="7" y="778"/>
+                </a:lnTo>
+                <a:lnTo>
+                  <a:pt x="13" y="745"/>
+                </a:lnTo>
+                <a:lnTo>
+                  <a:pt x="22" y="716"/>
+                </a:lnTo>
+                <a:lnTo>
+                  <a:pt x="33" y="690"/>
+                </a:lnTo>
+                <a:lnTo>
+                  <a:pt x="44" y="665"/>
+                </a:lnTo>
+                <a:lnTo>
+                  <a:pt x="56" y="641"/>
+                </a:lnTo>
+                <a:lnTo>
+                  <a:pt x="68" y="618"/>
+                </a:lnTo>
+                <a:lnTo>
+                  <a:pt x="80" y="594"/>
+                </a:lnTo>
+                <a:lnTo>
+                  <a:pt x="90" y="568"/>
+                </a:lnTo>
+                <a:lnTo>
+                  <a:pt x="99" y="538"/>
+                </a:lnTo>
+                <a:lnTo>
+                  <a:pt x="106" y="505"/>
+                </a:lnTo>
+                <a:lnTo>
+                  <a:pt x="111" y="469"/>
+                </a:lnTo>
+                <a:lnTo>
+                  <a:pt x="113" y="424"/>
+                </a:lnTo>
+                <a:lnTo>
+                  <a:pt x="111" y="382"/>
+                </a:lnTo>
+                <a:lnTo>
+                  <a:pt x="106" y="344"/>
+                </a:lnTo>
+                <a:lnTo>
+                  <a:pt x="99" y="313"/>
+                </a:lnTo>
+                <a:lnTo>
+                  <a:pt x="90" y="284"/>
+                </a:lnTo>
+                <a:lnTo>
+                  <a:pt x="80" y="258"/>
+                </a:lnTo>
+                <a:lnTo>
+                  <a:pt x="69" y="233"/>
+                </a:lnTo>
+                <a:lnTo>
+                  <a:pt x="58" y="211"/>
+                </a:lnTo>
+                <a:lnTo>
+                  <a:pt x="46" y="187"/>
+                </a:lnTo>
+                <a:lnTo>
+                  <a:pt x="34" y="164"/>
+                </a:lnTo>
+                <a:lnTo>
+                  <a:pt x="24" y="137"/>
+                </a:lnTo>
+                <a:lnTo>
+                  <a:pt x="14" y="110"/>
+                </a:lnTo>
+                <a:lnTo>
+                  <a:pt x="8" y="77"/>
+                </a:lnTo>
+                <a:lnTo>
+                  <a:pt x="3" y="42"/>
+                </a:lnTo>
+                <a:lnTo>
+                  <a:pt x="0" y="0"/>
+                </a:lnTo>
+                <a:close/>
+              </a:path>
+            </a:pathLst>
+          </a:custGeom>
+          <a:solidFill>
+            <a:schemeClr val="tx2"/>
+          </a:solidFill>
+          <a:ln w="0">
+            <a:noFill/>
+            <a:prstDash val="solid"/>
+            <a:round/>
+            <a:headEnd/>
+            <a:tailEnd/>
+          </a:ln>
+        </p:spPr>
+      </p:sp>
+      <p:sp>
+        <p:nvSpPr>
+          <p:cNvPr id="2" name="Title 1"/>
+          <p:cNvSpPr>
+            <a:spLocks noGrp="1"/>
+          </p:cNvSpPr>
+          <p:nvPr>
+            <p:ph type="title"/>
+          </p:nvPr>
+        </p:nvSpPr>
+        <p:spPr>
+          <a:xfrm>
+            <a:off x="8337884" y="457199"/>
+            <a:ext cx="3092115" cy="1196671"/>
+          </a:xfrm>
+        </p:spPr>
+        <p:txBody>
+          <a:bodyPr anchor="b">
+            <a:normAutofit/>
+          </a:bodyPr>
+          <a:lstStyle>
+            <a:lvl1pPr>
+              <a:lnSpc>
+                <a:spcPct val="100000"/>
+              </a:lnSpc>
+              <a:defRPr sz="1900" b="1" i="0" cap="all" spc="300" baseline="0">
+                <a:solidFill>
+                  <a:schemeClr val="accent1"/>
+                </a:solidFill>
+                <a:latin typeface="+mn-lt"/>
+              </a:defRPr>
+            </a:lvl1pPr>
+          </a:lstStyle>
+          <a:p>
+            <a:r>
+              <a:rPr lang="ru-RU" smtClean="0"/>
+              <a:t>Образец заголовка</a:t>
+            </a:r>
+            <a:endParaRPr lang="en-US" dirty="0"/>
+          </a:p>
+        </p:txBody>
+      </p:sp>
+      <p:sp>
+        <p:nvSpPr>
+          <p:cNvPr id="3" name="Content Placeholder 2"/>
+          <p:cNvSpPr>
+            <a:spLocks noGrp="1"/>
+          </p:cNvSpPr>
+          <p:nvPr>
+            <p:ph idx="1"/>
+          </p:nvPr>
+        </p:nvSpPr>
+        <p:spPr>
+          <a:xfrm>
+            <a:off x="765051" y="920377"/>
+            <a:ext cx="6158418" cy="4985124"/>
+          </a:xfrm>
+        </p:spPr>
+        <p:txBody>
+          <a:bodyPr/>
+          <a:lstStyle>
+            <a:lvl1pPr>
+              <a:defRPr sz="3200"/>
+            </a:lvl1pPr>
+            <a:lvl2pPr>
+              <a:defRPr sz="2800"/>
+            </a:lvl2pPr>
+            <a:lvl3pPr>
+              <a:defRPr sz="2400"/>
+            </a:lvl3pPr>
+            <a:lvl4pPr>
+              <a:defRPr sz="2000"/>
+            </a:lvl4pPr>
+            <a:lvl5pPr>
+              <a:defRPr sz="2000"/>
+            </a:lvl5pPr>
+            <a:lvl6pPr>
+              <a:defRPr sz="2000"/>
+            </a:lvl6pPr>
+            <a:lvl7pPr>
+              <a:defRPr sz="2000"/>
+            </a:lvl7pPr>
+            <a:lvl8pPr>
+              <a:defRPr sz="2000"/>
+            </a:lvl8pPr>
+            <a:lvl9pPr>
+              <a:defRPr sz="2000"/>
+            </a:lvl9pPr>
+          </a:lstStyle>
+          <a:p>
+            <a:pPr lvl="0"/>
+            <a:r>
+              <a:rPr lang="ru-RU" smtClean="0"/>
+              <a:t>Образец текста</a:t>
+            </a:r>
+          </a:p>
+          <a:p>
+            <a:pPr lvl="1"/>
+            <a:r>
+              <a:rPr lang="ru-RU" smtClean="0"/>
+              <a:t>Второй уровень</a:t>
+            </a:r>
+          </a:p>
+          <a:p>
+            <a:pPr lvl="2"/>
+            <a:r>
+              <a:rPr lang="ru-RU" smtClean="0"/>
+              <a:t>Третий уровень</a:t>
+            </a:r>
+          </a:p>
+          <a:p>
+            <a:pPr lvl="3"/>
+            <a:r>
+              <a:rPr lang="ru-RU" smtClean="0"/>
+              <a:t>Четвертый уровень</a:t>
+            </a:r>
+          </a:p>
+          <a:p>
+            <a:pPr lvl="4"/>
+            <a:r>
+              <a:rPr lang="ru-RU" smtClean="0"/>
+              <a:t>Пятый уровень</a:t>
+            </a:r>
+            <a:endParaRPr lang="en-US" dirty="0"/>
+          </a:p>
+        </p:txBody>
+      </p:sp>
+      <p:sp>
+        <p:nvSpPr>
+          <p:cNvPr id="4" name="Text Placeholder 3"/>
+          <p:cNvSpPr>
+            <a:spLocks noGrp="1"/>
+          </p:cNvSpPr>
+          <p:nvPr>
+            <p:ph type="body" sz="half" idx="2"/>
+          </p:nvPr>
+        </p:nvSpPr>
+        <p:spPr>
+          <a:xfrm>
+            <a:off x="8337885" y="1741336"/>
+            <a:ext cx="3092115" cy="4164164"/>
+          </a:xfrm>
+        </p:spPr>
+        <p:txBody>
+          <a:bodyPr/>
+          <a:lstStyle>
+            <a:lvl1pPr marL="0" indent="0">
+              <a:lnSpc>
+                <a:spcPct val="120000"/>
+              </a:lnSpc>
+              <a:spcBef>
+                <a:spcPts val="1200"/>
+              </a:spcBef>
+              <a:buNone/>
+              <a:defRPr sz="1600" baseline="0">
+                <a:solidFill>
+                  <a:schemeClr val="bg2"/>
+                </a:solidFill>
+              </a:defRPr>
+            </a:lvl1pPr>
+            <a:lvl2pPr marL="457200" indent="0">
+              <a:buNone/>
+              <a:defRPr sz="1400"/>
+            </a:lvl2pPr>
+            <a:lvl3pPr marL="914400" indent="0">
+              <a:buNone/>
+              <a:defRPr sz="1200"/>
+            </a:lvl3pPr>
+            <a:lvl4pPr marL="1371600" indent="0">
+              <a:buNone/>
+              <a:defRPr sz="1000"/>
+            </a:lvl4pPr>
+            <a:lvl5pPr marL="1828800" indent="0">
+              <a:buNone/>
+              <a:defRPr sz="1000"/>
+            </a:lvl5pPr>
+            <a:lvl6pPr marL="2286000" indent="0">
+              <a:buNone/>
+              <a:defRPr sz="1000"/>
+            </a:lvl6pPr>
+            <a:lvl7pPr marL="2743200" indent="0">
+              <a:buNone/>
+              <a:defRPr sz="1000"/>
+            </a:lvl7pPr>
+            <a:lvl8pPr marL="3200400" indent="0">
+              <a:buNone/>
+              <a:defRPr sz="1000"/>
+            </a:lvl8pPr>
+            <a:lvl9pPr marL="3657600" indent="0">
+              <a:buNone/>
+              <a:defRPr sz="1000"/>
+            </a:lvl9pPr>
+          </a:lstStyle>
+          <a:p>
+            <a:pPr lvl="0"/>
+            <a:r>
+              <a:rPr lang="ru-RU" smtClean="0"/>
+              <a:t>Образец текста</a:t>
+            </a:r>
+          </a:p>
+        </p:txBody>
+      </p:sp>
+      <p:sp>
+        <p:nvSpPr>
+          <p:cNvPr id="5" name="Date Placeholder 4"/>
+          <p:cNvSpPr>
+            <a:spLocks noGrp="1"/>
+          </p:cNvSpPr>
+          <p:nvPr>
+            <p:ph type="dt" sz="half" idx="10"/>
+          </p:nvPr>
+        </p:nvSpPr>
+        <p:spPr>
+          <a:xfrm>
+            <a:off x="765051" y="6375679"/>
+            <a:ext cx="1233355" cy="348462"/>
+          </a:xfrm>
+        </p:spPr>
+        <p:txBody>
+          <a:bodyPr/>
+          <a:lstStyle/>
+          <a:p>
+            <a:fld id="{87DE6118-2437-4B30-8E3C-4D2BE6020583}" type="datetimeFigureOut">
+              <a:rPr lang="en-US" smtClean="0"/>
+              <a:pPr/>
+              <a:t>4/20/2023</a:t>
+            </a:fld>
+            <a:endParaRPr lang="en-US" dirty="0"/>
+          </a:p>
+        </p:txBody>
+      </p:sp>
+      <p:sp>
+        <p:nvSpPr>
+          <p:cNvPr id="6" name="Footer Placeholder 5"/>
+          <p:cNvSpPr>
+            <a:spLocks noGrp="1"/>
+          </p:cNvSpPr>
+          <p:nvPr>
+            <p:ph type="ftr" sz="quarter" idx="11"/>
+          </p:nvPr>
+        </p:nvSpPr>
+        <p:spPr>
+          <a:xfrm>
+            <a:off x="2103620" y="6375679"/>
+            <a:ext cx="3482179" cy="345796"/>
+          </a:xfrm>
+        </p:spPr>
+        <p:txBody>
+          <a:bodyPr/>
+          <a:lstStyle/>
+          <a:p>
+            <a:endParaRPr lang="en-US" dirty="0"/>
+          </a:p>
+        </p:txBody>
+      </p:sp>
+      <p:sp>
+        <p:nvSpPr>
+          <p:cNvPr id="7" name="Slide Number Placeholder 6"/>
+          <p:cNvSpPr>
+            <a:spLocks noGrp="1"/>
+          </p:cNvSpPr>
+          <p:nvPr>
+            <p:ph type="sldNum" sz="quarter" idx="12"/>
+          </p:nvPr>
+        </p:nvSpPr>
+        <p:spPr>
+          <a:xfrm>
+            <a:off x="5691014" y="6375679"/>
+            <a:ext cx="1232456" cy="345796"/>
+          </a:xfrm>
+        </p:spPr>
+        <p:txBody>
+          <a:bodyPr/>
+          <a:lstStyle/>
+          <a:p>
+            <a:fld id="{69E57DC2-970A-4B3E-BB1C-7A09969E49DF}" type="slidenum">
+              <a:rPr lang="en-US" smtClean="0"/>
+              <a:pPr/>
+              <a:t>‹#›</a:t>
+            </a:fld>
+            <a:endParaRPr lang="en-US" dirty="0"/>
+          </a:p>
+        </p:txBody>
+      </p:sp>
+      <p:sp>
+        <p:nvSpPr>
+          <p:cNvPr id="8" name="Rectangle 7" title="left edge border"/>
           <p:cNvSpPr/>
           <p:nvPr/>
         </p:nvSpPr>
         <p:spPr>
           <a:xfrm>
-            <a:off x="0" y="376"/>
-            <a:ext cx="5303520" cy="6857624"/>
+            <a:off x="0" y="0"/>
+            <a:ext cx="283464" cy="6858000"/>
+          </a:xfrm>
+          <a:prstGeom prst="rect">
+            <a:avLst/>
+          </a:prstGeom>
+          <a:solidFill>
+            <a:schemeClr val="accent1"/>
+          </a:solidFill>
+          <a:ln>
+            <a:noFill/>
+          </a:ln>
+        </p:spPr>
+        <p:style>
+          <a:lnRef idx="2">
+            <a:schemeClr val="accent1">
+              <a:shade val="50000"/>
+            </a:schemeClr>
+          </a:lnRef>
+          <a:fillRef idx="1">
+            <a:schemeClr val="accent1"/>
+          </a:fillRef>
+          <a:effectRef idx="0">
+            <a:schemeClr val="accent1"/>
+          </a:effectRef>
+          <a:fontRef idx="minor">
+            <a:schemeClr val="lt1"/>
+          </a:fontRef>
+        </p:style>
+      </p:sp>
+    </p:spTree>
+    <p:extLst>
+      <p:ext uri="{BB962C8B-B14F-4D97-AF65-F5344CB8AC3E}">
+        <p14:creationId xmlns:p14="http://schemas.microsoft.com/office/powerpoint/2010/main" val="511415706"/>
+      </p:ext>
+    </p:extLst>
+  </p:cSld>
+  <p:clrMapOvr>
+    <a:masterClrMapping/>
+  </p:clrMapOvr>
+  <p:extLst mod="1">
+    <p:ext uri="{DCECCB84-F9BA-43D5-87BE-67443E8EF086}">
+      <p15:sldGuideLst xmlns:p15="http://schemas.microsoft.com/office/powerpoint/2012/main">
+        <p15:guide id="1" orient="horz" pos="696">
+          <p15:clr>
+            <a:srgbClr val="FBAE40"/>
+          </p15:clr>
+        </p15:guide>
+      </p15:sldGuideLst>
+    </p:ext>
+  </p:extLst>
+</p:sldLayout>
+</file>
+
+<file path=ppt/slideLayouts/slideLayout9.xml><?xml version="1.0" encoding="utf-8"?>
+<p:sldLayout xmlns:a="http://schemas.openxmlformats.org/drawingml/2006/main" xmlns:r="http://schemas.openxmlformats.org/officeDocument/2006/relationships" xmlns:p="http://schemas.openxmlformats.org/presentationml/2006/main" showMasterSp="0" type="picTx" preserve="1">
+  <p:cSld name="Рисунок с подписью">
+    <p:spTree>
+      <p:nvGrpSpPr>
+        <p:cNvPr id="1" name=""/>
+        <p:cNvGrpSpPr/>
+        <p:nvPr/>
+      </p:nvGrpSpPr>
+      <p:grpSpPr>
+        <a:xfrm>
+          <a:off x="0" y="0"/>
+          <a:ext cx="0" cy="0"/>
+          <a:chOff x="0" y="0"/>
+          <a:chExt cx="0" cy="0"/>
+        </a:xfrm>
+      </p:grpSpPr>
+      <p:sp>
+        <p:nvSpPr>
+          <p:cNvPr id="3" name="Picture Placeholder 2"/>
+          <p:cNvSpPr>
+            <a:spLocks noGrp="1" noChangeAspect="1"/>
+          </p:cNvSpPr>
+          <p:nvPr>
+            <p:ph type="pic" idx="1"/>
+          </p:nvPr>
+        </p:nvSpPr>
+        <p:spPr>
+          <a:xfrm>
+            <a:off x="283464" y="0"/>
+            <a:ext cx="7355585" cy="6857999"/>
+          </a:xfrm>
+        </p:spPr>
+        <p:txBody>
+          <a:bodyPr anchor="t"/>
+          <a:lstStyle>
+            <a:lvl1pPr marL="0" indent="0">
+              <a:buNone/>
+              <a:defRPr sz="3200"/>
+            </a:lvl1pPr>
+            <a:lvl2pPr marL="457200" indent="0">
+              <a:buNone/>
+              <a:defRPr sz="2800"/>
+            </a:lvl2pPr>
+            <a:lvl3pPr marL="914400" indent="0">
+              <a:buNone/>
+              <a:defRPr sz="2400"/>
+            </a:lvl3pPr>
+            <a:lvl4pPr marL="1371600" indent="0">
+              <a:buNone/>
+              <a:defRPr sz="2000"/>
+            </a:lvl4pPr>
+            <a:lvl5pPr marL="1828800" indent="0">
+              <a:buNone/>
+              <a:defRPr sz="2000"/>
+            </a:lvl5pPr>
+            <a:lvl6pPr marL="2286000" indent="0">
+              <a:buNone/>
+              <a:defRPr sz="2000"/>
+            </a:lvl6pPr>
+            <a:lvl7pPr marL="2743200" indent="0">
+              <a:buNone/>
+              <a:defRPr sz="2000"/>
+            </a:lvl7pPr>
+            <a:lvl8pPr marL="3200400" indent="0">
+              <a:buNone/>
+              <a:defRPr sz="2000"/>
+            </a:lvl8pPr>
+            <a:lvl9pPr marL="3657600" indent="0">
+              <a:buNone/>
+              <a:defRPr sz="2000"/>
+            </a:lvl9pPr>
+          </a:lstStyle>
+          <a:p>
+            <a:r>
+              <a:rPr lang="ru-RU" smtClean="0"/>
+              <a:t>Вставка рисунка</a:t>
+            </a:r>
+            <a:endParaRPr lang="en-US" dirty="0"/>
+          </a:p>
+        </p:txBody>
+      </p:sp>
+      <p:sp>
+        <p:nvSpPr>
+          <p:cNvPr id="11" name="Freeform 11" title="right scallop background shape"/>
+          <p:cNvSpPr/>
+          <p:nvPr/>
+        </p:nvSpPr>
+        <p:spPr bwMode="auto">
+          <a:xfrm>
+            <a:off x="7389812" y="0"/>
+            <a:ext cx="4802188" cy="6858000"/>
+          </a:xfrm>
+          <a:custGeom>
+            <a:avLst/>
+            <a:gdLst/>
+            <a:ahLst/>
+            <a:cxnLst/>
+            <a:rect l="0" t="0" r="r" b="b"/>
+            <a:pathLst>
+              <a:path w="3025" h="4320">
+                <a:moveTo>
+                  <a:pt x="0" y="0"/>
+                </a:moveTo>
+                <a:lnTo>
+                  <a:pt x="3025" y="0"/>
+                </a:lnTo>
+                <a:lnTo>
+                  <a:pt x="3025" y="4320"/>
+                </a:lnTo>
+                <a:lnTo>
+                  <a:pt x="0" y="4320"/>
+                </a:lnTo>
+                <a:lnTo>
+                  <a:pt x="3" y="4278"/>
+                </a:lnTo>
+                <a:lnTo>
+                  <a:pt x="8" y="4243"/>
+                </a:lnTo>
+                <a:lnTo>
+                  <a:pt x="14" y="4210"/>
+                </a:lnTo>
+                <a:lnTo>
+                  <a:pt x="24" y="4183"/>
+                </a:lnTo>
+                <a:lnTo>
+                  <a:pt x="34" y="4156"/>
+                </a:lnTo>
+                <a:lnTo>
+                  <a:pt x="46" y="4133"/>
+                </a:lnTo>
+                <a:lnTo>
+                  <a:pt x="58" y="4109"/>
+                </a:lnTo>
+                <a:lnTo>
+                  <a:pt x="69" y="4087"/>
+                </a:lnTo>
+                <a:lnTo>
+                  <a:pt x="80" y="4062"/>
+                </a:lnTo>
+                <a:lnTo>
+                  <a:pt x="90" y="4036"/>
+                </a:lnTo>
+                <a:lnTo>
+                  <a:pt x="99" y="4007"/>
+                </a:lnTo>
+                <a:lnTo>
+                  <a:pt x="106" y="3976"/>
+                </a:lnTo>
+                <a:lnTo>
+                  <a:pt x="111" y="3938"/>
+                </a:lnTo>
+                <a:lnTo>
+                  <a:pt x="113" y="3895"/>
+                </a:lnTo>
+                <a:lnTo>
+                  <a:pt x="111" y="3851"/>
+                </a:lnTo>
+                <a:lnTo>
+                  <a:pt x="106" y="3815"/>
+                </a:lnTo>
+                <a:lnTo>
+                  <a:pt x="99" y="3782"/>
+                </a:lnTo>
+                <a:lnTo>
+                  <a:pt x="90" y="3752"/>
+                </a:lnTo>
+                <a:lnTo>
+                  <a:pt x="80" y="3726"/>
+                </a:lnTo>
+                <a:lnTo>
+                  <a:pt x="68" y="3702"/>
+                </a:lnTo>
+                <a:lnTo>
+                  <a:pt x="56" y="3679"/>
+                </a:lnTo>
+                <a:lnTo>
+                  <a:pt x="44" y="3655"/>
+                </a:lnTo>
+                <a:lnTo>
+                  <a:pt x="33" y="3630"/>
+                </a:lnTo>
+                <a:lnTo>
+                  <a:pt x="22" y="3604"/>
+                </a:lnTo>
+                <a:lnTo>
+                  <a:pt x="13" y="3575"/>
+                </a:lnTo>
+                <a:lnTo>
+                  <a:pt x="7" y="3542"/>
+                </a:lnTo>
+                <a:lnTo>
+                  <a:pt x="1" y="3504"/>
+                </a:lnTo>
+                <a:lnTo>
+                  <a:pt x="0" y="3461"/>
+                </a:lnTo>
+                <a:lnTo>
+                  <a:pt x="1" y="3418"/>
+                </a:lnTo>
+                <a:lnTo>
+                  <a:pt x="7" y="3380"/>
+                </a:lnTo>
+                <a:lnTo>
+                  <a:pt x="13" y="3347"/>
+                </a:lnTo>
+                <a:lnTo>
+                  <a:pt x="22" y="3319"/>
+                </a:lnTo>
+                <a:lnTo>
+                  <a:pt x="33" y="3292"/>
+                </a:lnTo>
+                <a:lnTo>
+                  <a:pt x="44" y="3267"/>
+                </a:lnTo>
+                <a:lnTo>
+                  <a:pt x="56" y="3244"/>
+                </a:lnTo>
+                <a:lnTo>
+                  <a:pt x="68" y="3222"/>
+                </a:lnTo>
+                <a:lnTo>
+                  <a:pt x="80" y="3197"/>
+                </a:lnTo>
+                <a:lnTo>
+                  <a:pt x="90" y="3171"/>
+                </a:lnTo>
+                <a:lnTo>
+                  <a:pt x="99" y="3142"/>
+                </a:lnTo>
+                <a:lnTo>
+                  <a:pt x="106" y="3109"/>
+                </a:lnTo>
+                <a:lnTo>
+                  <a:pt x="111" y="3071"/>
+                </a:lnTo>
+                <a:lnTo>
+                  <a:pt x="113" y="3028"/>
+                </a:lnTo>
+                <a:lnTo>
+                  <a:pt x="111" y="2985"/>
+                </a:lnTo>
+                <a:lnTo>
+                  <a:pt x="106" y="2947"/>
+                </a:lnTo>
+                <a:lnTo>
+                  <a:pt x="99" y="2914"/>
+                </a:lnTo>
+                <a:lnTo>
+                  <a:pt x="90" y="2885"/>
+                </a:lnTo>
+                <a:lnTo>
+                  <a:pt x="80" y="2858"/>
+                </a:lnTo>
+                <a:lnTo>
+                  <a:pt x="68" y="2834"/>
+                </a:lnTo>
+                <a:lnTo>
+                  <a:pt x="44" y="2787"/>
+                </a:lnTo>
+                <a:lnTo>
+                  <a:pt x="33" y="2763"/>
+                </a:lnTo>
+                <a:lnTo>
+                  <a:pt x="22" y="2736"/>
+                </a:lnTo>
+                <a:lnTo>
+                  <a:pt x="13" y="2707"/>
+                </a:lnTo>
+                <a:lnTo>
+                  <a:pt x="7" y="2674"/>
+                </a:lnTo>
+                <a:lnTo>
+                  <a:pt x="1" y="2637"/>
+                </a:lnTo>
+                <a:lnTo>
+                  <a:pt x="0" y="2593"/>
+                </a:lnTo>
+                <a:lnTo>
+                  <a:pt x="1" y="2550"/>
+                </a:lnTo>
+                <a:lnTo>
+                  <a:pt x="7" y="2512"/>
+                </a:lnTo>
+                <a:lnTo>
+                  <a:pt x="13" y="2479"/>
+                </a:lnTo>
+                <a:lnTo>
+                  <a:pt x="22" y="2451"/>
+                </a:lnTo>
+                <a:lnTo>
+                  <a:pt x="33" y="2424"/>
+                </a:lnTo>
+                <a:lnTo>
+                  <a:pt x="44" y="2401"/>
+                </a:lnTo>
+                <a:lnTo>
+                  <a:pt x="68" y="2354"/>
+                </a:lnTo>
+                <a:lnTo>
+                  <a:pt x="80" y="2329"/>
+                </a:lnTo>
+                <a:lnTo>
+                  <a:pt x="90" y="2303"/>
+                </a:lnTo>
+                <a:lnTo>
+                  <a:pt x="99" y="2274"/>
+                </a:lnTo>
+                <a:lnTo>
+                  <a:pt x="106" y="2241"/>
+                </a:lnTo>
+                <a:lnTo>
+                  <a:pt x="111" y="2203"/>
+                </a:lnTo>
+                <a:lnTo>
+                  <a:pt x="113" y="2159"/>
+                </a:lnTo>
+                <a:lnTo>
+                  <a:pt x="111" y="2117"/>
+                </a:lnTo>
+                <a:lnTo>
+                  <a:pt x="106" y="2079"/>
+                </a:lnTo>
+                <a:lnTo>
+                  <a:pt x="99" y="2046"/>
+                </a:lnTo>
+                <a:lnTo>
+                  <a:pt x="90" y="2017"/>
+                </a:lnTo>
+                <a:lnTo>
+                  <a:pt x="80" y="1991"/>
+                </a:lnTo>
+                <a:lnTo>
+                  <a:pt x="68" y="1966"/>
+                </a:lnTo>
+                <a:lnTo>
+                  <a:pt x="56" y="1943"/>
+                </a:lnTo>
+                <a:lnTo>
+                  <a:pt x="44" y="1919"/>
+                </a:lnTo>
+                <a:lnTo>
+                  <a:pt x="33" y="1896"/>
+                </a:lnTo>
+                <a:lnTo>
+                  <a:pt x="22" y="1869"/>
+                </a:lnTo>
+                <a:lnTo>
+                  <a:pt x="13" y="1841"/>
+                </a:lnTo>
+                <a:lnTo>
+                  <a:pt x="7" y="1807"/>
+                </a:lnTo>
+                <a:lnTo>
+                  <a:pt x="1" y="1770"/>
+                </a:lnTo>
+                <a:lnTo>
+                  <a:pt x="0" y="1727"/>
+                </a:lnTo>
+                <a:lnTo>
+                  <a:pt x="1" y="1683"/>
+                </a:lnTo>
+                <a:lnTo>
+                  <a:pt x="7" y="1646"/>
+                </a:lnTo>
+                <a:lnTo>
+                  <a:pt x="13" y="1613"/>
+                </a:lnTo>
+                <a:lnTo>
+                  <a:pt x="22" y="1583"/>
+                </a:lnTo>
+                <a:lnTo>
+                  <a:pt x="33" y="1557"/>
+                </a:lnTo>
+                <a:lnTo>
+                  <a:pt x="44" y="1533"/>
+                </a:lnTo>
+                <a:lnTo>
+                  <a:pt x="56" y="1509"/>
+                </a:lnTo>
+                <a:lnTo>
+                  <a:pt x="68" y="1486"/>
+                </a:lnTo>
+                <a:lnTo>
+                  <a:pt x="80" y="1461"/>
+                </a:lnTo>
+                <a:lnTo>
+                  <a:pt x="90" y="1435"/>
+                </a:lnTo>
+                <a:lnTo>
+                  <a:pt x="99" y="1406"/>
+                </a:lnTo>
+                <a:lnTo>
+                  <a:pt x="106" y="1373"/>
+                </a:lnTo>
+                <a:lnTo>
+                  <a:pt x="111" y="1335"/>
+                </a:lnTo>
+                <a:lnTo>
+                  <a:pt x="113" y="1292"/>
+                </a:lnTo>
+                <a:lnTo>
+                  <a:pt x="111" y="1249"/>
+                </a:lnTo>
+                <a:lnTo>
+                  <a:pt x="106" y="1211"/>
+                </a:lnTo>
+                <a:lnTo>
+                  <a:pt x="99" y="1178"/>
+                </a:lnTo>
+                <a:lnTo>
+                  <a:pt x="90" y="1149"/>
+                </a:lnTo>
+                <a:lnTo>
+                  <a:pt x="80" y="1123"/>
+                </a:lnTo>
+                <a:lnTo>
+                  <a:pt x="68" y="1098"/>
+                </a:lnTo>
+                <a:lnTo>
+                  <a:pt x="56" y="1076"/>
+                </a:lnTo>
+                <a:lnTo>
+                  <a:pt x="44" y="1053"/>
+                </a:lnTo>
+                <a:lnTo>
+                  <a:pt x="33" y="1028"/>
+                </a:lnTo>
+                <a:lnTo>
+                  <a:pt x="22" y="1001"/>
+                </a:lnTo>
+                <a:lnTo>
+                  <a:pt x="13" y="973"/>
+                </a:lnTo>
+                <a:lnTo>
+                  <a:pt x="7" y="940"/>
+                </a:lnTo>
+                <a:lnTo>
+                  <a:pt x="1" y="902"/>
+                </a:lnTo>
+                <a:lnTo>
+                  <a:pt x="0" y="859"/>
+                </a:lnTo>
+                <a:lnTo>
+                  <a:pt x="1" y="816"/>
+                </a:lnTo>
+                <a:lnTo>
+                  <a:pt x="7" y="778"/>
+                </a:lnTo>
+                <a:lnTo>
+                  <a:pt x="13" y="745"/>
+                </a:lnTo>
+                <a:lnTo>
+                  <a:pt x="22" y="716"/>
+                </a:lnTo>
+                <a:lnTo>
+                  <a:pt x="33" y="690"/>
+                </a:lnTo>
+                <a:lnTo>
+                  <a:pt x="44" y="665"/>
+                </a:lnTo>
+                <a:lnTo>
+                  <a:pt x="56" y="641"/>
+                </a:lnTo>
+                <a:lnTo>
+                  <a:pt x="68" y="618"/>
+                </a:lnTo>
+                <a:lnTo>
+                  <a:pt x="80" y="594"/>
+                </a:lnTo>
+                <a:lnTo>
+                  <a:pt x="90" y="568"/>
+                </a:lnTo>
+                <a:lnTo>
+                  <a:pt x="99" y="538"/>
+                </a:lnTo>
+                <a:lnTo>
+                  <a:pt x="106" y="505"/>
+                </a:lnTo>
+                <a:lnTo>
+                  <a:pt x="111" y="469"/>
+                </a:lnTo>
+                <a:lnTo>
+                  <a:pt x="113" y="424"/>
+                </a:lnTo>
+                <a:lnTo>
+                  <a:pt x="111" y="382"/>
+                </a:lnTo>
+                <a:lnTo>
+                  <a:pt x="106" y="344"/>
+                </a:lnTo>
+                <a:lnTo>
+                  <a:pt x="99" y="313"/>
+                </a:lnTo>
+                <a:lnTo>
+                  <a:pt x="90" y="284"/>
+                </a:lnTo>
+                <a:lnTo>
+                  <a:pt x="80" y="258"/>
+                </a:lnTo>
+                <a:lnTo>
+                  <a:pt x="69" y="233"/>
+                </a:lnTo>
+                <a:lnTo>
+                  <a:pt x="58" y="211"/>
+                </a:lnTo>
+                <a:lnTo>
+                  <a:pt x="46" y="187"/>
+                </a:lnTo>
+                <a:lnTo>
+                  <a:pt x="34" y="164"/>
+                </a:lnTo>
+                <a:lnTo>
+                  <a:pt x="24" y="137"/>
+                </a:lnTo>
+                <a:lnTo>
+                  <a:pt x="14" y="110"/>
+                </a:lnTo>
+                <a:lnTo>
+                  <a:pt x="8" y="77"/>
+                </a:lnTo>
+                <a:lnTo>
+                  <a:pt x="3" y="42"/>
+                </a:lnTo>
+                <a:lnTo>
+                  <a:pt x="0" y="0"/>
+                </a:lnTo>
+                <a:close/>
+              </a:path>
+            </a:pathLst>
+          </a:custGeom>
+          <a:solidFill>
+            <a:schemeClr val="tx2"/>
+          </a:solidFill>
+          <a:ln w="0">
+            <a:noFill/>
+            <a:prstDash val="solid"/>
+            <a:round/>
+            <a:headEnd/>
+            <a:tailEnd/>
+          </a:ln>
+        </p:spPr>
+      </p:sp>
+      <p:sp>
+        <p:nvSpPr>
+          <p:cNvPr id="12" name="Rectangle 11" title="left edge border"/>
+          <p:cNvSpPr/>
+          <p:nvPr/>
+        </p:nvSpPr>
+        <p:spPr>
+          <a:xfrm>
+            <a:off x="0" y="0"/>
+            <a:ext cx="283464" cy="6858000"/>
           </a:xfrm>
           <a:prstGeom prst="rect">
             <a:avLst/>
@@ -2413,115 +5480,31 @@
         </p:nvSpPr>
         <p:spPr>
           <a:xfrm>
-            <a:off x="723900" y="685800"/>
-            <a:ext cx="3855720" cy="2157884"/>
+            <a:off x="8337883" y="457200"/>
+            <a:ext cx="3092117" cy="1196670"/>
           </a:xfrm>
         </p:spPr>
         <p:txBody>
-          <a:bodyPr anchor="t">
-            <a:noAutofit/>
+          <a:bodyPr anchor="b">
+            <a:normAutofit/>
           </a:bodyPr>
           <a:lstStyle>
             <a:lvl1pPr>
               <a:lnSpc>
-                <a:spcPct val="84000"/>
+                <a:spcPct val="100000"/>
               </a:lnSpc>
-              <a:defRPr sz="4800" baseline="0">
-                <a:solidFill>
-                  <a:schemeClr val="tx2"/>
-                </a:solidFill>
+              <a:defRPr sz="1900" b="1" i="0" spc="300" baseline="0">
+                <a:solidFill>
+                  <a:schemeClr val="accent1"/>
+                </a:solidFill>
+                <a:latin typeface="+mn-lt"/>
               </a:defRPr>
             </a:lvl1pPr>
           </a:lstStyle>
           <a:p>
             <a:r>
-              <a:rPr lang="ru-RU"/>
+              <a:rPr lang="ru-RU" smtClean="0"/>
               <a:t>Образец заголовка</a:t>
-            </a:r>
-            <a:endParaRPr lang="en-US" dirty="0"/>
-          </a:p>
-        </p:txBody>
-      </p:sp>
-      <p:sp>
-        <p:nvSpPr>
-          <p:cNvPr id="3" name="Content Placeholder 2"/>
-          <p:cNvSpPr>
-            <a:spLocks noGrp="1"/>
-          </p:cNvSpPr>
-          <p:nvPr>
-            <p:ph idx="1"/>
-          </p:nvPr>
-        </p:nvSpPr>
-        <p:spPr>
-          <a:xfrm>
-            <a:off x="6256020" y="685801"/>
-            <a:ext cx="5212080" cy="5175250"/>
-          </a:xfrm>
-        </p:spPr>
-        <p:txBody>
-          <a:bodyPr/>
-          <a:lstStyle>
-            <a:lvl1pPr>
-              <a:defRPr sz="2000"/>
-            </a:lvl1pPr>
-            <a:lvl2pPr>
-              <a:defRPr sz="2000"/>
-            </a:lvl2pPr>
-            <a:lvl3pPr>
-              <a:defRPr sz="1800"/>
-            </a:lvl3pPr>
-            <a:lvl4pPr>
-              <a:defRPr sz="1800"/>
-            </a:lvl4pPr>
-            <a:lvl5pPr>
-              <a:defRPr sz="1600"/>
-            </a:lvl5pPr>
-            <a:lvl6pPr>
-              <a:defRPr sz="1600"/>
-            </a:lvl6pPr>
-            <a:lvl7pPr>
-              <a:defRPr sz="1600"/>
-            </a:lvl7pPr>
-            <a:lvl8pPr>
-              <a:defRPr sz="1600"/>
-            </a:lvl8pPr>
-            <a:lvl9pPr>
-              <a:defRPr sz="1600"/>
-            </a:lvl9pPr>
-          </a:lstStyle>
-          <a:p>
-            <a:pPr lvl="0"/>
-            <a:r>
-              <a:rPr lang="ru-RU"/>
-              <a:t>Образец текста</a:t>
-            </a:r>
-          </a:p>
-          <a:p>
-            <a:pPr lvl="1"/>
-            <a:r>
-              <a:rPr lang="ru-RU"/>
-              <a:t>Второй уровень</a:t>
-            </a:r>
-          </a:p>
-          <a:p>
-            <a:pPr lvl="2"/>
-            <a:r>
-              <a:rPr lang="ru-RU"/>
-              <a:t>Третий уровень</a:t>
-            </a:r>
-          </a:p>
-          <a:p>
-            <a:pPr lvl="3"/>
-            <a:r>
-              <a:rPr lang="ru-RU"/>
-              <a:t>Четвертый уровень</a:t>
-            </a:r>
-          </a:p>
-          <a:p>
-            <a:pPr lvl="4"/>
-            <a:r>
-              <a:rPr lang="ru-RU"/>
-              <a:t>Пятый уровень</a:t>
             </a:r>
             <a:endParaRPr lang="en-US" dirty="0"/>
           </a:p>
@@ -2539,8 +5522,8 @@
         </p:nvSpPr>
         <p:spPr>
           <a:xfrm>
-            <a:off x="723900" y="2856344"/>
-            <a:ext cx="3855720" cy="3011056"/>
+            <a:off x="8337883" y="1741336"/>
+            <a:ext cx="3092117" cy="4164164"/>
           </a:xfrm>
         </p:spPr>
         <p:txBody>
@@ -2548,16 +5531,17 @@
           <a:lstStyle>
             <a:lvl1pPr marL="0" indent="0">
               <a:lnSpc>
-                <a:spcPct val="113000"/>
+                <a:spcPct val="120000"/>
               </a:lnSpc>
               <a:spcBef>
-                <a:spcPts val="0"/>
+                <a:spcPts val="1200"/>
               </a:spcBef>
-              <a:spcAft>
-                <a:spcPts val="1500"/>
-              </a:spcAft>
               <a:buNone/>
-              <a:defRPr sz="1600"/>
+              <a:defRPr sz="1600" baseline="0">
+                <a:solidFill>
+                  <a:schemeClr val="bg2"/>
+                </a:solidFill>
+              </a:defRPr>
             </a:lvl1pPr>
             <a:lvl2pPr marL="457200" indent="0">
               <a:buNone/>
@@ -2595,7 +5579,7 @@
           <a:p>
             <a:pPr lvl="0"/>
             <a:r>
-              <a:rPr lang="ru-RU"/>
+              <a:rPr lang="ru-RU" smtClean="0"/>
               <a:t>Образец текста</a:t>
             </a:r>
           </a:p>
@@ -2613,26 +5597,18 @@
         </p:nvSpPr>
         <p:spPr>
           <a:xfrm>
-            <a:off x="723900" y="6453386"/>
-            <a:ext cx="1204572" cy="404614"/>
+            <a:off x="765950" y="6375679"/>
+            <a:ext cx="1232456" cy="348462"/>
           </a:xfrm>
         </p:spPr>
         <p:txBody>
           <a:bodyPr/>
-          <a:lstStyle>
-            <a:lvl1pPr>
-              <a:defRPr>
-                <a:solidFill>
-                  <a:schemeClr val="tx2"/>
-                </a:solidFill>
-              </a:defRPr>
-            </a:lvl1pPr>
-          </a:lstStyle>
+          <a:lstStyle/>
           <a:p>
             <a:fld id="{87DE6118-2437-4B30-8E3C-4D2BE6020583}" type="datetimeFigureOut">
-              <a:rPr lang="en-US" dirty="0"/>
+              <a:rPr lang="en-US" smtClean="0"/>
               <a:pPr/>
-              <a:t>4/18/2023</a:t>
+              <a:t>4/20/2023</a:t>
             </a:fld>
             <a:endParaRPr lang="en-US" dirty="0"/>
           </a:p>
@@ -2650,21 +5626,13 @@
         </p:nvSpPr>
         <p:spPr>
           <a:xfrm>
-            <a:off x="2205945" y="6453386"/>
-            <a:ext cx="2373675" cy="404614"/>
+            <a:off x="2103621" y="6375679"/>
+            <a:ext cx="3482178" cy="345796"/>
           </a:xfrm>
         </p:spPr>
         <p:txBody>
           <a:bodyPr/>
-          <a:lstStyle>
-            <a:lvl1pPr>
-              <a:defRPr>
-                <a:solidFill>
-                  <a:schemeClr val="tx2"/>
-                </a:solidFill>
-              </a:defRPr>
-            </a:lvl1pPr>
-          </a:lstStyle>
+          <a:lstStyle/>
           <a:p>
             <a:endParaRPr lang="en-US" dirty="0"/>
           </a:p>
@@ -2682,24 +5650,16 @@
         </p:nvSpPr>
         <p:spPr>
           <a:xfrm>
-            <a:off x="9883140" y="6453386"/>
-            <a:ext cx="1596292" cy="404614"/>
+            <a:off x="5687568" y="6375679"/>
+            <a:ext cx="1234440" cy="345796"/>
           </a:xfrm>
         </p:spPr>
         <p:txBody>
           <a:bodyPr/>
-          <a:lstStyle>
-            <a:lvl1pPr>
-              <a:defRPr>
-                <a:solidFill>
-                  <a:schemeClr val="tx2"/>
-                </a:solidFill>
-              </a:defRPr>
-            </a:lvl1pPr>
-          </a:lstStyle>
+          <a:lstStyle/>
           <a:p>
             <a:fld id="{69E57DC2-970A-4B3E-BB1C-7A09969E49DF}" type="slidenum">
-              <a:rPr lang="en-US" dirty="0"/>
+              <a:rPr lang="en-US" smtClean="0"/>
               <a:pPr/>
               <a:t>‹#›</a:t>
             </a:fld>
@@ -2707,430 +5667,12 @@
           </a:p>
         </p:txBody>
       </p:sp>
-      <p:sp>
-        <p:nvSpPr>
-          <p:cNvPr id="9" name="Rectangle 8" title="Divider Bar"/>
-          <p:cNvSpPr/>
-          <p:nvPr/>
-        </p:nvSpPr>
-        <p:spPr>
-          <a:xfrm>
-            <a:off x="5303520" y="376"/>
-            <a:ext cx="228600" cy="6858000"/>
-          </a:xfrm>
-          <a:prstGeom prst="rect">
-            <a:avLst/>
-          </a:prstGeom>
-          <a:solidFill>
-            <a:schemeClr val="tx2"/>
-          </a:solidFill>
-          <a:ln>
-            <a:noFill/>
-          </a:ln>
-        </p:spPr>
-        <p:style>
-          <a:lnRef idx="2">
-            <a:schemeClr val="accent1">
-              <a:shade val="50000"/>
-            </a:schemeClr>
-          </a:lnRef>
-          <a:fillRef idx="1">
-            <a:schemeClr val="accent1"/>
-          </a:fillRef>
-          <a:effectRef idx="0">
-            <a:schemeClr val="accent1"/>
-          </a:effectRef>
-          <a:fontRef idx="minor">
-            <a:schemeClr val="lt1"/>
-          </a:fontRef>
-        </p:style>
-      </p:sp>
     </p:spTree>
-  </p:cSld>
-  <p:clrMapOvr>
-    <a:masterClrMapping/>
-  </p:clrMapOvr>
-</p:sldLayout>
-</file>
-
-<file path=ppt/slideLayouts/slideLayout9.xml><?xml version="1.0" encoding="utf-8"?>
-<p:sldLayout xmlns:a="http://schemas.openxmlformats.org/drawingml/2006/main" xmlns:r="http://schemas.openxmlformats.org/officeDocument/2006/relationships" xmlns:p="http://schemas.openxmlformats.org/presentationml/2006/main" showMasterSp="0" type="picTx" preserve="1">
-  <p:cSld name="Рисунок с подписью">
-    <p:spTree>
-      <p:nvGrpSpPr>
-        <p:cNvPr id="1" name=""/>
-        <p:cNvGrpSpPr/>
-        <p:nvPr/>
-      </p:nvGrpSpPr>
-      <p:grpSpPr>
-        <a:xfrm>
-          <a:off x="0" y="0"/>
-          <a:ext cx="0" cy="0"/>
-          <a:chOff x="0" y="0"/>
-          <a:chExt cx="0" cy="0"/>
-        </a:xfrm>
-      </p:grpSpPr>
-      <p:sp>
-        <p:nvSpPr>
-          <p:cNvPr id="8" name="Rectangle 7" title="Background Shape"/>
-          <p:cNvSpPr/>
-          <p:nvPr/>
-        </p:nvSpPr>
-        <p:spPr>
-          <a:xfrm>
-            <a:off x="0" y="376"/>
-            <a:ext cx="5303520" cy="6857624"/>
-          </a:xfrm>
-          <a:prstGeom prst="rect">
-            <a:avLst/>
-          </a:prstGeom>
-          <a:solidFill>
-            <a:schemeClr val="accent1"/>
-          </a:solidFill>
-          <a:ln>
-            <a:noFill/>
-          </a:ln>
-        </p:spPr>
-        <p:style>
-          <a:lnRef idx="2">
-            <a:schemeClr val="accent1">
-              <a:shade val="50000"/>
-            </a:schemeClr>
-          </a:lnRef>
-          <a:fillRef idx="1">
-            <a:schemeClr val="accent1"/>
-          </a:fillRef>
-          <a:effectRef idx="0">
-            <a:schemeClr val="accent1"/>
-          </a:effectRef>
-          <a:fontRef idx="minor">
-            <a:schemeClr val="lt1"/>
-          </a:fontRef>
-        </p:style>
-      </p:sp>
-      <p:sp>
-        <p:nvSpPr>
-          <p:cNvPr id="2" name="Title 1"/>
-          <p:cNvSpPr>
-            <a:spLocks noGrp="1"/>
-          </p:cNvSpPr>
-          <p:nvPr>
-            <p:ph type="title"/>
-          </p:nvPr>
-        </p:nvSpPr>
-        <p:spPr>
-          <a:xfrm>
-            <a:off x="723900" y="685800"/>
-            <a:ext cx="3855720" cy="2157884"/>
-          </a:xfrm>
-        </p:spPr>
-        <p:txBody>
-          <a:bodyPr anchor="t">
-            <a:normAutofit/>
-          </a:bodyPr>
-          <a:lstStyle>
-            <a:lvl1pPr>
-              <a:lnSpc>
-                <a:spcPct val="84000"/>
-              </a:lnSpc>
-              <a:defRPr sz="4800" baseline="0"/>
-            </a:lvl1pPr>
-          </a:lstStyle>
-          <a:p>
-            <a:r>
-              <a:rPr lang="ru-RU"/>
-              <a:t>Образец заголовка</a:t>
-            </a:r>
-            <a:endParaRPr lang="en-US" dirty="0"/>
-          </a:p>
-        </p:txBody>
-      </p:sp>
-      <p:sp>
-        <p:nvSpPr>
-          <p:cNvPr id="3" name="Picture Placeholder 2"/>
-          <p:cNvSpPr>
-            <a:spLocks noGrp="1" noChangeAspect="1"/>
-          </p:cNvSpPr>
-          <p:nvPr>
-            <p:ph type="pic" idx="1"/>
-          </p:nvPr>
-        </p:nvSpPr>
-        <p:spPr>
-          <a:xfrm>
-            <a:off x="5532120" y="0"/>
-            <a:ext cx="6659880" cy="6857999"/>
-          </a:xfrm>
-        </p:spPr>
-        <p:txBody>
-          <a:bodyPr anchor="t">
-            <a:normAutofit/>
-          </a:bodyPr>
-          <a:lstStyle>
-            <a:lvl1pPr marL="0" indent="0">
-              <a:buNone/>
-              <a:defRPr sz="2000"/>
-            </a:lvl1pPr>
-            <a:lvl2pPr marL="457200" indent="0">
-              <a:buNone/>
-              <a:defRPr sz="2000"/>
-            </a:lvl2pPr>
-            <a:lvl3pPr marL="914400" indent="0">
-              <a:buNone/>
-              <a:defRPr sz="2000"/>
-            </a:lvl3pPr>
-            <a:lvl4pPr marL="1371600" indent="0">
-              <a:buNone/>
-              <a:defRPr sz="2000"/>
-            </a:lvl4pPr>
-            <a:lvl5pPr marL="1828800" indent="0">
-              <a:buNone/>
-              <a:defRPr sz="2000"/>
-            </a:lvl5pPr>
-            <a:lvl6pPr marL="2286000" indent="0">
-              <a:buNone/>
-              <a:defRPr sz="2000"/>
-            </a:lvl6pPr>
-            <a:lvl7pPr marL="2743200" indent="0">
-              <a:buNone/>
-              <a:defRPr sz="2000"/>
-            </a:lvl7pPr>
-            <a:lvl8pPr marL="3200400" indent="0">
-              <a:buNone/>
-              <a:defRPr sz="2000"/>
-            </a:lvl8pPr>
-            <a:lvl9pPr marL="3657600" indent="0">
-              <a:buNone/>
-              <a:defRPr sz="2000"/>
-            </a:lvl9pPr>
-          </a:lstStyle>
-          <a:p>
-            <a:r>
-              <a:rPr lang="ru-RU"/>
-              <a:t>Вставка рисунка</a:t>
-            </a:r>
-            <a:endParaRPr lang="en-US" dirty="0"/>
-          </a:p>
-        </p:txBody>
-      </p:sp>
-      <p:sp>
-        <p:nvSpPr>
-          <p:cNvPr id="4" name="Text Placeholder 3"/>
-          <p:cNvSpPr>
-            <a:spLocks noGrp="1"/>
-          </p:cNvSpPr>
-          <p:nvPr>
-            <p:ph type="body" sz="half" idx="2"/>
-          </p:nvPr>
-        </p:nvSpPr>
-        <p:spPr>
-          <a:xfrm>
-            <a:off x="723900" y="2855968"/>
-            <a:ext cx="3855720" cy="3011432"/>
-          </a:xfrm>
-        </p:spPr>
-        <p:txBody>
-          <a:bodyPr/>
-          <a:lstStyle>
-            <a:lvl1pPr marL="0" indent="0">
-              <a:lnSpc>
-                <a:spcPct val="113000"/>
-              </a:lnSpc>
-              <a:spcBef>
-                <a:spcPts val="0"/>
-              </a:spcBef>
-              <a:spcAft>
-                <a:spcPts val="1500"/>
-              </a:spcAft>
-              <a:buNone/>
-              <a:defRPr sz="1600"/>
-            </a:lvl1pPr>
-            <a:lvl2pPr marL="457200" indent="0">
-              <a:buNone/>
-              <a:defRPr sz="1400"/>
-            </a:lvl2pPr>
-            <a:lvl3pPr marL="914400" indent="0">
-              <a:buNone/>
-              <a:defRPr sz="1200"/>
-            </a:lvl3pPr>
-            <a:lvl4pPr marL="1371600" indent="0">
-              <a:buNone/>
-              <a:defRPr sz="1000"/>
-            </a:lvl4pPr>
-            <a:lvl5pPr marL="1828800" indent="0">
-              <a:buNone/>
-              <a:defRPr sz="1000"/>
-            </a:lvl5pPr>
-            <a:lvl6pPr marL="2286000" indent="0">
-              <a:buNone/>
-              <a:defRPr sz="1000"/>
-            </a:lvl6pPr>
-            <a:lvl7pPr marL="2743200" indent="0">
-              <a:buNone/>
-              <a:defRPr sz="1000"/>
-            </a:lvl7pPr>
-            <a:lvl8pPr marL="3200400" indent="0">
-              <a:buNone/>
-              <a:defRPr sz="1000"/>
-            </a:lvl8pPr>
-            <a:lvl9pPr marL="3657600" indent="0">
-              <a:buNone/>
-              <a:defRPr sz="1000"/>
-            </a:lvl9pPr>
-          </a:lstStyle>
-          <a:p>
-            <a:pPr lvl="0"/>
-            <a:r>
-              <a:rPr lang="ru-RU"/>
-              <a:t>Образец текста</a:t>
-            </a:r>
-          </a:p>
-        </p:txBody>
-      </p:sp>
-      <p:sp>
-        <p:nvSpPr>
-          <p:cNvPr id="5" name="Date Placeholder 4"/>
-          <p:cNvSpPr>
-            <a:spLocks noGrp="1"/>
-          </p:cNvSpPr>
-          <p:nvPr>
-            <p:ph type="dt" sz="half" idx="10"/>
-          </p:nvPr>
-        </p:nvSpPr>
-        <p:spPr>
-          <a:xfrm>
-            <a:off x="723900" y="6453386"/>
-            <a:ext cx="1204572" cy="404614"/>
-          </a:xfrm>
-        </p:spPr>
-        <p:txBody>
-          <a:bodyPr/>
-          <a:lstStyle>
-            <a:lvl1pPr>
-              <a:defRPr>
-                <a:solidFill>
-                  <a:schemeClr val="tx2"/>
-                </a:solidFill>
-              </a:defRPr>
-            </a:lvl1pPr>
-          </a:lstStyle>
-          <a:p>
-            <a:fld id="{87DE6118-2437-4B30-8E3C-4D2BE6020583}" type="datetimeFigureOut">
-              <a:rPr lang="en-US" dirty="0"/>
-              <a:pPr/>
-              <a:t>4/18/2023</a:t>
-            </a:fld>
-            <a:endParaRPr lang="en-US" dirty="0"/>
-          </a:p>
-        </p:txBody>
-      </p:sp>
-      <p:sp>
-        <p:nvSpPr>
-          <p:cNvPr id="6" name="Footer Placeholder 5"/>
-          <p:cNvSpPr>
-            <a:spLocks noGrp="1"/>
-          </p:cNvSpPr>
-          <p:nvPr>
-            <p:ph type="ftr" sz="quarter" idx="11"/>
-          </p:nvPr>
-        </p:nvSpPr>
-        <p:spPr>
-          <a:xfrm>
-            <a:off x="2205945" y="6453386"/>
-            <a:ext cx="2373675" cy="404614"/>
-          </a:xfrm>
-        </p:spPr>
-        <p:txBody>
-          <a:bodyPr/>
-          <a:lstStyle>
-            <a:lvl1pPr>
-              <a:defRPr>
-                <a:solidFill>
-                  <a:schemeClr val="tx2"/>
-                </a:solidFill>
-              </a:defRPr>
-            </a:lvl1pPr>
-          </a:lstStyle>
-          <a:p>
-            <a:endParaRPr lang="en-US" dirty="0"/>
-          </a:p>
-        </p:txBody>
-      </p:sp>
-      <p:sp>
-        <p:nvSpPr>
-          <p:cNvPr id="7" name="Slide Number Placeholder 6"/>
-          <p:cNvSpPr>
-            <a:spLocks noGrp="1"/>
-          </p:cNvSpPr>
-          <p:nvPr>
-            <p:ph type="sldNum" sz="quarter" idx="12"/>
-          </p:nvPr>
-        </p:nvSpPr>
-        <p:spPr>
-          <a:xfrm>
-            <a:off x="9883140" y="6453386"/>
-            <a:ext cx="1596292" cy="404614"/>
-          </a:xfrm>
-        </p:spPr>
-        <p:txBody>
-          <a:bodyPr/>
-          <a:lstStyle>
-            <a:lvl1pPr>
-              <a:defRPr>
-                <a:solidFill>
-                  <a:schemeClr val="tx2"/>
-                </a:solidFill>
-              </a:defRPr>
-            </a:lvl1pPr>
-          </a:lstStyle>
-          <a:p>
-            <a:fld id="{69E57DC2-970A-4B3E-BB1C-7A09969E49DF}" type="slidenum">
-              <a:rPr lang="en-US" dirty="0"/>
-              <a:pPr/>
-              <a:t>‹#›</a:t>
-            </a:fld>
-            <a:endParaRPr lang="en-US" dirty="0"/>
-          </a:p>
-        </p:txBody>
-      </p:sp>
-      <p:sp>
-        <p:nvSpPr>
-          <p:cNvPr id="9" name="Rectangle 8" title="Divider Bar"/>
-          <p:cNvSpPr/>
-          <p:nvPr/>
-        </p:nvSpPr>
-        <p:spPr>
-          <a:xfrm>
-            <a:off x="5303520" y="376"/>
-            <a:ext cx="228600" cy="6858000"/>
-          </a:xfrm>
-          <a:prstGeom prst="rect">
-            <a:avLst/>
-          </a:prstGeom>
-          <a:solidFill>
-            <a:schemeClr val="tx2"/>
-          </a:solidFill>
-          <a:ln>
-            <a:noFill/>
-          </a:ln>
-        </p:spPr>
-        <p:style>
-          <a:lnRef idx="2">
-            <a:schemeClr val="accent1">
-              <a:shade val="50000"/>
-            </a:schemeClr>
-          </a:lnRef>
-          <a:fillRef idx="1">
-            <a:schemeClr val="accent1"/>
-          </a:fillRef>
-          <a:effectRef idx="0">
-            <a:schemeClr val="accent1"/>
-          </a:effectRef>
-          <a:fontRef idx="minor">
-            <a:schemeClr val="lt1"/>
-          </a:fontRef>
-        </p:style>
-      </p:sp>
-    </p:spTree>
+    <p:extLst>
+      <p:ext uri="{BB962C8B-B14F-4D97-AF65-F5344CB8AC3E}">
+        <p14:creationId xmlns:p14="http://schemas.microsoft.com/office/powerpoint/2010/main" val="686042565"/>
+      </p:ext>
+    </p:extLst>
   </p:cSld>
   <p:clrMapOvr>
     <a:masterClrMapping/>
@@ -3175,8 +5717,8 @@
         </p:nvSpPr>
         <p:spPr>
           <a:xfrm>
-            <a:off x="1371600" y="685800"/>
-            <a:ext cx="9601200" cy="1485900"/>
+            <a:off x="1251678" y="382385"/>
+            <a:ext cx="10178322" cy="1492132"/>
           </a:xfrm>
           <a:prstGeom prst="rect">
             <a:avLst/>
@@ -3189,7 +5731,7 @@
           <a:lstStyle/>
           <a:p>
             <a:r>
-              <a:rPr lang="ru-RU"/>
+              <a:rPr lang="ru-RU" smtClean="0"/>
               <a:t>Образец заголовка</a:t>
             </a:r>
             <a:endParaRPr lang="en-US" dirty="0"/>
@@ -3208,8 +5750,8 @@
         </p:nvSpPr>
         <p:spPr>
           <a:xfrm>
-            <a:off x="1371600" y="2286000"/>
-            <a:ext cx="9601200" cy="3581400"/>
+            <a:off x="1251678" y="2286001"/>
+            <a:ext cx="10178322" cy="3593591"/>
           </a:xfrm>
           <a:prstGeom prst="rect">
             <a:avLst/>
@@ -3223,35 +5765,35 @@
           <a:p>
             <a:pPr lvl="0"/>
             <a:r>
-              <a:rPr lang="ru-RU"/>
+              <a:rPr lang="ru-RU" smtClean="0"/>
               <a:t>Образец текста</a:t>
             </a:r>
           </a:p>
           <a:p>
             <a:pPr lvl="1"/>
             <a:r>
-              <a:rPr lang="ru-RU"/>
+              <a:rPr lang="ru-RU" smtClean="0"/>
               <a:t>Второй уровень</a:t>
             </a:r>
           </a:p>
           <a:p>
             <a:pPr lvl="2"/>
             <a:r>
-              <a:rPr lang="ru-RU"/>
+              <a:rPr lang="ru-RU" smtClean="0"/>
               <a:t>Третий уровень</a:t>
             </a:r>
           </a:p>
           <a:p>
             <a:pPr lvl="3"/>
             <a:r>
-              <a:rPr lang="ru-RU"/>
+              <a:rPr lang="ru-RU" smtClean="0"/>
               <a:t>Четвертый уровень</a:t>
             </a:r>
           </a:p>
           <a:p>
             <a:pPr lvl="4"/>
             <a:r>
-              <a:rPr lang="ru-RU"/>
+              <a:rPr lang="ru-RU" smtClean="0"/>
               <a:t>Пятый уровень</a:t>
             </a:r>
             <a:endParaRPr lang="en-US" dirty="0"/>
@@ -3270,8 +5812,8 @@
         </p:nvSpPr>
         <p:spPr>
           <a:xfrm>
-            <a:off x="1390650" y="6453386"/>
-            <a:ext cx="1204572" cy="404614"/>
+            <a:off x="1251678" y="6375679"/>
+            <a:ext cx="2329722" cy="348462"/>
           </a:xfrm>
           <a:prstGeom prst="rect">
             <a:avLst/>
@@ -3281,18 +5823,21 @@
           <a:bodyPr vert="horz" lIns="91440" tIns="45720" rIns="91440" bIns="45720" rtlCol="0" anchor="ctr"/>
           <a:lstStyle>
             <a:lvl1pPr algn="l">
-              <a:defRPr sz="1200" baseline="0">
-                <a:solidFill>
-                  <a:schemeClr val="tx2"/>
+              <a:defRPr sz="1200">
+                <a:solidFill>
+                  <a:schemeClr val="tx1">
+                    <a:lumMod val="65000"/>
+                    <a:lumOff val="35000"/>
+                  </a:schemeClr>
                 </a:solidFill>
               </a:defRPr>
             </a:lvl1pPr>
           </a:lstStyle>
           <a:p>
             <a:fld id="{87DE6118-2437-4B30-8E3C-4D2BE6020583}" type="datetimeFigureOut">
-              <a:rPr lang="en-US" dirty="0"/>
+              <a:rPr lang="en-US" smtClean="0"/>
               <a:pPr/>
-              <a:t>4/18/2023</a:t>
+              <a:t>4/20/2023</a:t>
             </a:fld>
             <a:endParaRPr lang="en-US" dirty="0"/>
           </a:p>
@@ -3310,8 +5855,8 @@
         </p:nvSpPr>
         <p:spPr>
           <a:xfrm>
-            <a:off x="2893564" y="6453386"/>
-            <a:ext cx="6280830" cy="404614"/>
+            <a:off x="4038600" y="6375679"/>
+            <a:ext cx="4114800" cy="345796"/>
           </a:xfrm>
           <a:prstGeom prst="rect">
             <a:avLst/>
@@ -3320,10 +5865,13 @@
         <p:txBody>
           <a:bodyPr vert="horz" lIns="91440" tIns="45720" rIns="91440" bIns="45720" rtlCol="0" anchor="ctr"/>
           <a:lstStyle>
-            <a:lvl1pPr algn="l">
-              <a:defRPr sz="1200" baseline="0">
-                <a:solidFill>
-                  <a:schemeClr val="tx2"/>
+            <a:lvl1pPr algn="ctr">
+              <a:defRPr sz="1200">
+                <a:solidFill>
+                  <a:schemeClr val="tx1">
+                    <a:lumMod val="65000"/>
+                    <a:lumOff val="35000"/>
+                  </a:schemeClr>
                 </a:solidFill>
               </a:defRPr>
             </a:lvl1pPr>
@@ -3345,8 +5893,8 @@
         </p:nvSpPr>
         <p:spPr>
           <a:xfrm>
-            <a:off x="9472736" y="6453386"/>
-            <a:ext cx="1596292" cy="404614"/>
+            <a:off x="8610601" y="6375679"/>
+            <a:ext cx="2819399" cy="345796"/>
           </a:xfrm>
           <a:prstGeom prst="rect">
             <a:avLst/>
@@ -3356,16 +5904,19 @@
           <a:bodyPr vert="horz" lIns="91440" tIns="45720" rIns="91440" bIns="45720" rtlCol="0" anchor="ctr"/>
           <a:lstStyle>
             <a:lvl1pPr algn="r">
-              <a:defRPr sz="1200" baseline="0">
-                <a:solidFill>
-                  <a:schemeClr val="tx2"/>
+              <a:defRPr sz="1200">
+                <a:solidFill>
+                  <a:schemeClr val="tx1">
+                    <a:lumMod val="65000"/>
+                    <a:lumOff val="35000"/>
+                  </a:schemeClr>
                 </a:solidFill>
               </a:defRPr>
             </a:lvl1pPr>
           </a:lstStyle>
           <a:p>
             <a:fld id="{69E57DC2-970A-4B3E-BB1C-7A09969E49DF}" type="slidenum">
-              <a:rPr lang="en-US" dirty="0"/>
+              <a:rPr lang="en-US" smtClean="0"/>
               <a:pPr/>
               <a:t>‹#›</a:t>
             </a:fld>
@@ -3375,20 +5926,484 @@
       </p:sp>
       <p:sp>
         <p:nvSpPr>
-          <p:cNvPr id="9" name="Rectangle 8" title="Side bar"/>
+          <p:cNvPr id="11" name="Freeform 6" title="Left scallop edge"/>
+          <p:cNvSpPr/>
+          <p:nvPr/>
+        </p:nvSpPr>
+        <p:spPr bwMode="auto">
+          <a:xfrm>
+            <a:off x="0" y="0"/>
+            <a:ext cx="885825" cy="6858000"/>
+          </a:xfrm>
+          <a:custGeom>
+            <a:avLst/>
+            <a:gdLst/>
+            <a:ahLst/>
+            <a:cxnLst/>
+            <a:rect l="0" t="0" r="r" b="b"/>
+            <a:pathLst>
+              <a:path w="558" h="4320">
+                <a:moveTo>
+                  <a:pt x="0" y="0"/>
+                </a:moveTo>
+                <a:lnTo>
+                  <a:pt x="447" y="0"/>
+                </a:lnTo>
+                <a:lnTo>
+                  <a:pt x="448" y="43"/>
+                </a:lnTo>
+                <a:lnTo>
+                  <a:pt x="453" y="81"/>
+                </a:lnTo>
+                <a:lnTo>
+                  <a:pt x="460" y="114"/>
+                </a:lnTo>
+                <a:lnTo>
+                  <a:pt x="469" y="143"/>
+                </a:lnTo>
+                <a:lnTo>
+                  <a:pt x="479" y="169"/>
+                </a:lnTo>
+                <a:lnTo>
+                  <a:pt x="491" y="192"/>
+                </a:lnTo>
+                <a:lnTo>
+                  <a:pt x="503" y="216"/>
+                </a:lnTo>
+                <a:lnTo>
+                  <a:pt x="515" y="240"/>
+                </a:lnTo>
+                <a:lnTo>
+                  <a:pt x="525" y="263"/>
+                </a:lnTo>
+                <a:lnTo>
+                  <a:pt x="535" y="289"/>
+                </a:lnTo>
+                <a:lnTo>
+                  <a:pt x="545" y="318"/>
+                </a:lnTo>
+                <a:lnTo>
+                  <a:pt x="552" y="351"/>
+                </a:lnTo>
+                <a:lnTo>
+                  <a:pt x="556" y="389"/>
+                </a:lnTo>
+                <a:lnTo>
+                  <a:pt x="558" y="432"/>
+                </a:lnTo>
+                <a:lnTo>
+                  <a:pt x="556" y="475"/>
+                </a:lnTo>
+                <a:lnTo>
+                  <a:pt x="552" y="513"/>
+                </a:lnTo>
+                <a:lnTo>
+                  <a:pt x="545" y="546"/>
+                </a:lnTo>
+                <a:lnTo>
+                  <a:pt x="535" y="575"/>
+                </a:lnTo>
+                <a:lnTo>
+                  <a:pt x="525" y="601"/>
+                </a:lnTo>
+                <a:lnTo>
+                  <a:pt x="515" y="624"/>
+                </a:lnTo>
+                <a:lnTo>
+                  <a:pt x="503" y="648"/>
+                </a:lnTo>
+                <a:lnTo>
+                  <a:pt x="491" y="672"/>
+                </a:lnTo>
+                <a:lnTo>
+                  <a:pt x="479" y="695"/>
+                </a:lnTo>
+                <a:lnTo>
+                  <a:pt x="469" y="721"/>
+                </a:lnTo>
+                <a:lnTo>
+                  <a:pt x="460" y="750"/>
+                </a:lnTo>
+                <a:lnTo>
+                  <a:pt x="453" y="783"/>
+                </a:lnTo>
+                <a:lnTo>
+                  <a:pt x="448" y="821"/>
+                </a:lnTo>
+                <a:lnTo>
+                  <a:pt x="447" y="864"/>
+                </a:lnTo>
+                <a:lnTo>
+                  <a:pt x="448" y="907"/>
+                </a:lnTo>
+                <a:lnTo>
+                  <a:pt x="453" y="945"/>
+                </a:lnTo>
+                <a:lnTo>
+                  <a:pt x="460" y="978"/>
+                </a:lnTo>
+                <a:lnTo>
+                  <a:pt x="469" y="1007"/>
+                </a:lnTo>
+                <a:lnTo>
+                  <a:pt x="479" y="1033"/>
+                </a:lnTo>
+                <a:lnTo>
+                  <a:pt x="491" y="1056"/>
+                </a:lnTo>
+                <a:lnTo>
+                  <a:pt x="503" y="1080"/>
+                </a:lnTo>
+                <a:lnTo>
+                  <a:pt x="515" y="1104"/>
+                </a:lnTo>
+                <a:lnTo>
+                  <a:pt x="525" y="1127"/>
+                </a:lnTo>
+                <a:lnTo>
+                  <a:pt x="535" y="1153"/>
+                </a:lnTo>
+                <a:lnTo>
+                  <a:pt x="545" y="1182"/>
+                </a:lnTo>
+                <a:lnTo>
+                  <a:pt x="552" y="1215"/>
+                </a:lnTo>
+                <a:lnTo>
+                  <a:pt x="556" y="1253"/>
+                </a:lnTo>
+                <a:lnTo>
+                  <a:pt x="558" y="1296"/>
+                </a:lnTo>
+                <a:lnTo>
+                  <a:pt x="556" y="1339"/>
+                </a:lnTo>
+                <a:lnTo>
+                  <a:pt x="552" y="1377"/>
+                </a:lnTo>
+                <a:lnTo>
+                  <a:pt x="545" y="1410"/>
+                </a:lnTo>
+                <a:lnTo>
+                  <a:pt x="535" y="1439"/>
+                </a:lnTo>
+                <a:lnTo>
+                  <a:pt x="525" y="1465"/>
+                </a:lnTo>
+                <a:lnTo>
+                  <a:pt x="515" y="1488"/>
+                </a:lnTo>
+                <a:lnTo>
+                  <a:pt x="503" y="1512"/>
+                </a:lnTo>
+                <a:lnTo>
+                  <a:pt x="491" y="1536"/>
+                </a:lnTo>
+                <a:lnTo>
+                  <a:pt x="479" y="1559"/>
+                </a:lnTo>
+                <a:lnTo>
+                  <a:pt x="469" y="1585"/>
+                </a:lnTo>
+                <a:lnTo>
+                  <a:pt x="460" y="1614"/>
+                </a:lnTo>
+                <a:lnTo>
+                  <a:pt x="453" y="1647"/>
+                </a:lnTo>
+                <a:lnTo>
+                  <a:pt x="448" y="1685"/>
+                </a:lnTo>
+                <a:lnTo>
+                  <a:pt x="447" y="1728"/>
+                </a:lnTo>
+                <a:lnTo>
+                  <a:pt x="448" y="1771"/>
+                </a:lnTo>
+                <a:lnTo>
+                  <a:pt x="453" y="1809"/>
+                </a:lnTo>
+                <a:lnTo>
+                  <a:pt x="460" y="1842"/>
+                </a:lnTo>
+                <a:lnTo>
+                  <a:pt x="469" y="1871"/>
+                </a:lnTo>
+                <a:lnTo>
+                  <a:pt x="479" y="1897"/>
+                </a:lnTo>
+                <a:lnTo>
+                  <a:pt x="491" y="1920"/>
+                </a:lnTo>
+                <a:lnTo>
+                  <a:pt x="503" y="1944"/>
+                </a:lnTo>
+                <a:lnTo>
+                  <a:pt x="515" y="1968"/>
+                </a:lnTo>
+                <a:lnTo>
+                  <a:pt x="525" y="1991"/>
+                </a:lnTo>
+                <a:lnTo>
+                  <a:pt x="535" y="2017"/>
+                </a:lnTo>
+                <a:lnTo>
+                  <a:pt x="545" y="2046"/>
+                </a:lnTo>
+                <a:lnTo>
+                  <a:pt x="552" y="2079"/>
+                </a:lnTo>
+                <a:lnTo>
+                  <a:pt x="556" y="2117"/>
+                </a:lnTo>
+                <a:lnTo>
+                  <a:pt x="558" y="2159"/>
+                </a:lnTo>
+                <a:lnTo>
+                  <a:pt x="556" y="2203"/>
+                </a:lnTo>
+                <a:lnTo>
+                  <a:pt x="552" y="2241"/>
+                </a:lnTo>
+                <a:lnTo>
+                  <a:pt x="545" y="2274"/>
+                </a:lnTo>
+                <a:lnTo>
+                  <a:pt x="535" y="2303"/>
+                </a:lnTo>
+                <a:lnTo>
+                  <a:pt x="525" y="2329"/>
+                </a:lnTo>
+                <a:lnTo>
+                  <a:pt x="515" y="2352"/>
+                </a:lnTo>
+                <a:lnTo>
+                  <a:pt x="503" y="2376"/>
+                </a:lnTo>
+                <a:lnTo>
+                  <a:pt x="491" y="2400"/>
+                </a:lnTo>
+                <a:lnTo>
+                  <a:pt x="479" y="2423"/>
+                </a:lnTo>
+                <a:lnTo>
+                  <a:pt x="469" y="2449"/>
+                </a:lnTo>
+                <a:lnTo>
+                  <a:pt x="460" y="2478"/>
+                </a:lnTo>
+                <a:lnTo>
+                  <a:pt x="453" y="2511"/>
+                </a:lnTo>
+                <a:lnTo>
+                  <a:pt x="448" y="2549"/>
+                </a:lnTo>
+                <a:lnTo>
+                  <a:pt x="447" y="2592"/>
+                </a:lnTo>
+                <a:lnTo>
+                  <a:pt x="448" y="2635"/>
+                </a:lnTo>
+                <a:lnTo>
+                  <a:pt x="453" y="2673"/>
+                </a:lnTo>
+                <a:lnTo>
+                  <a:pt x="460" y="2706"/>
+                </a:lnTo>
+                <a:lnTo>
+                  <a:pt x="469" y="2735"/>
+                </a:lnTo>
+                <a:lnTo>
+                  <a:pt x="479" y="2761"/>
+                </a:lnTo>
+                <a:lnTo>
+                  <a:pt x="491" y="2784"/>
+                </a:lnTo>
+                <a:lnTo>
+                  <a:pt x="515" y="2832"/>
+                </a:lnTo>
+                <a:lnTo>
+                  <a:pt x="525" y="2855"/>
+                </a:lnTo>
+                <a:lnTo>
+                  <a:pt x="535" y="2881"/>
+                </a:lnTo>
+                <a:lnTo>
+                  <a:pt x="545" y="2910"/>
+                </a:lnTo>
+                <a:lnTo>
+                  <a:pt x="552" y="2943"/>
+                </a:lnTo>
+                <a:lnTo>
+                  <a:pt x="556" y="2981"/>
+                </a:lnTo>
+                <a:lnTo>
+                  <a:pt x="558" y="3024"/>
+                </a:lnTo>
+                <a:lnTo>
+                  <a:pt x="556" y="3067"/>
+                </a:lnTo>
+                <a:lnTo>
+                  <a:pt x="552" y="3105"/>
+                </a:lnTo>
+                <a:lnTo>
+                  <a:pt x="545" y="3138"/>
+                </a:lnTo>
+                <a:lnTo>
+                  <a:pt x="535" y="3167"/>
+                </a:lnTo>
+                <a:lnTo>
+                  <a:pt x="525" y="3193"/>
+                </a:lnTo>
+                <a:lnTo>
+                  <a:pt x="515" y="3216"/>
+                </a:lnTo>
+                <a:lnTo>
+                  <a:pt x="503" y="3240"/>
+                </a:lnTo>
+                <a:lnTo>
+                  <a:pt x="491" y="3264"/>
+                </a:lnTo>
+                <a:lnTo>
+                  <a:pt x="479" y="3287"/>
+                </a:lnTo>
+                <a:lnTo>
+                  <a:pt x="469" y="3313"/>
+                </a:lnTo>
+                <a:lnTo>
+                  <a:pt x="460" y="3342"/>
+                </a:lnTo>
+                <a:lnTo>
+                  <a:pt x="453" y="3375"/>
+                </a:lnTo>
+                <a:lnTo>
+                  <a:pt x="448" y="3413"/>
+                </a:lnTo>
+                <a:lnTo>
+                  <a:pt x="447" y="3456"/>
+                </a:lnTo>
+                <a:lnTo>
+                  <a:pt x="448" y="3499"/>
+                </a:lnTo>
+                <a:lnTo>
+                  <a:pt x="453" y="3537"/>
+                </a:lnTo>
+                <a:lnTo>
+                  <a:pt x="460" y="3570"/>
+                </a:lnTo>
+                <a:lnTo>
+                  <a:pt x="469" y="3599"/>
+                </a:lnTo>
+                <a:lnTo>
+                  <a:pt x="479" y="3625"/>
+                </a:lnTo>
+                <a:lnTo>
+                  <a:pt x="491" y="3648"/>
+                </a:lnTo>
+                <a:lnTo>
+                  <a:pt x="503" y="3672"/>
+                </a:lnTo>
+                <a:lnTo>
+                  <a:pt x="515" y="3696"/>
+                </a:lnTo>
+                <a:lnTo>
+                  <a:pt x="525" y="3719"/>
+                </a:lnTo>
+                <a:lnTo>
+                  <a:pt x="535" y="3745"/>
+                </a:lnTo>
+                <a:lnTo>
+                  <a:pt x="545" y="3774"/>
+                </a:lnTo>
+                <a:lnTo>
+                  <a:pt x="552" y="3807"/>
+                </a:lnTo>
+                <a:lnTo>
+                  <a:pt x="556" y="3845"/>
+                </a:lnTo>
+                <a:lnTo>
+                  <a:pt x="558" y="3888"/>
+                </a:lnTo>
+                <a:lnTo>
+                  <a:pt x="556" y="3931"/>
+                </a:lnTo>
+                <a:lnTo>
+                  <a:pt x="552" y="3969"/>
+                </a:lnTo>
+                <a:lnTo>
+                  <a:pt x="545" y="4002"/>
+                </a:lnTo>
+                <a:lnTo>
+                  <a:pt x="535" y="4031"/>
+                </a:lnTo>
+                <a:lnTo>
+                  <a:pt x="525" y="4057"/>
+                </a:lnTo>
+                <a:lnTo>
+                  <a:pt x="515" y="4080"/>
+                </a:lnTo>
+                <a:lnTo>
+                  <a:pt x="503" y="4104"/>
+                </a:lnTo>
+                <a:lnTo>
+                  <a:pt x="491" y="4128"/>
+                </a:lnTo>
+                <a:lnTo>
+                  <a:pt x="479" y="4151"/>
+                </a:lnTo>
+                <a:lnTo>
+                  <a:pt x="469" y="4177"/>
+                </a:lnTo>
+                <a:lnTo>
+                  <a:pt x="460" y="4206"/>
+                </a:lnTo>
+                <a:lnTo>
+                  <a:pt x="453" y="4239"/>
+                </a:lnTo>
+                <a:lnTo>
+                  <a:pt x="448" y="4277"/>
+                </a:lnTo>
+                <a:lnTo>
+                  <a:pt x="447" y="4320"/>
+                </a:lnTo>
+                <a:lnTo>
+                  <a:pt x="0" y="4320"/>
+                </a:lnTo>
+                <a:lnTo>
+                  <a:pt x="0" y="0"/>
+                </a:lnTo>
+                <a:close/>
+              </a:path>
+            </a:pathLst>
+          </a:custGeom>
+          <a:solidFill>
+            <a:schemeClr val="tx2"/>
+          </a:solidFill>
+          <a:ln w="0">
+            <a:noFill/>
+            <a:prstDash val="solid"/>
+            <a:round/>
+            <a:headEnd/>
+            <a:tailEnd/>
+          </a:ln>
+        </p:spPr>
+      </p:sp>
+      <p:sp>
+        <p:nvSpPr>
+          <p:cNvPr id="12" name="Rectangle 11" title="right edge border"/>
           <p:cNvSpPr/>
           <p:nvPr/>
         </p:nvSpPr>
         <p:spPr>
           <a:xfrm>
-            <a:off x="478095" y="376"/>
-            <a:ext cx="228600" cy="6858000"/>
+            <a:off x="11908536" y="0"/>
+            <a:ext cx="283464" cy="6858000"/>
           </a:xfrm>
           <a:prstGeom prst="rect">
             <a:avLst/>
           </a:prstGeom>
           <a:solidFill>
-            <a:schemeClr val="tx2"/>
+            <a:schemeClr val="accent1"/>
           </a:solidFill>
           <a:ln>
             <a:noFill/>
@@ -3412,32 +6427,37 @@
         </p:style>
       </p:sp>
     </p:spTree>
+    <p:extLst>
+      <p:ext uri="{BB962C8B-B14F-4D97-AF65-F5344CB8AC3E}">
+        <p14:creationId xmlns:p14="http://schemas.microsoft.com/office/powerpoint/2010/main" val="2268183741"/>
+      </p:ext>
+    </p:extLst>
   </p:cSld>
   <p:clrMap bg1="lt1" tx1="dk1" bg2="lt2" tx2="dk2" accent1="accent1" accent2="accent2" accent3="accent3" accent4="accent4" accent5="accent5" accent6="accent6" hlink="hlink" folHlink="folHlink"/>
   <p:sldLayoutIdLst>
-    <p:sldLayoutId id="2147483649" r:id="rId1"/>
-    <p:sldLayoutId id="2147483650" r:id="rId2"/>
-    <p:sldLayoutId id="2147483651" r:id="rId3"/>
-    <p:sldLayoutId id="2147483652" r:id="rId4"/>
-    <p:sldLayoutId id="2147483653" r:id="rId5"/>
-    <p:sldLayoutId id="2147483654" r:id="rId6"/>
-    <p:sldLayoutId id="2147483655" r:id="rId7"/>
-    <p:sldLayoutId id="2147483656" r:id="rId8"/>
-    <p:sldLayoutId id="2147483657" r:id="rId9"/>
-    <p:sldLayoutId id="2147483658" r:id="rId10"/>
-    <p:sldLayoutId id="2147483659" r:id="rId11"/>
+    <p:sldLayoutId id="2147483697" r:id="rId1"/>
+    <p:sldLayoutId id="2147483698" r:id="rId2"/>
+    <p:sldLayoutId id="2147483699" r:id="rId3"/>
+    <p:sldLayoutId id="2147483700" r:id="rId4"/>
+    <p:sldLayoutId id="2147483701" r:id="rId5"/>
+    <p:sldLayoutId id="2147483702" r:id="rId6"/>
+    <p:sldLayoutId id="2147483703" r:id="rId7"/>
+    <p:sldLayoutId id="2147483704" r:id="rId8"/>
+    <p:sldLayoutId id="2147483705" r:id="rId9"/>
+    <p:sldLayoutId id="2147483706" r:id="rId10"/>
+    <p:sldLayoutId id="2147483707" r:id="rId11"/>
   </p:sldLayoutIdLst>
   <p:txStyles>
     <p:titleStyle>
       <a:lvl1pPr algn="l" defTabSz="914400" rtl="0" eaLnBrk="1" latinLnBrk="0" hangingPunct="1">
         <a:lnSpc>
-          <a:spcPct val="89000"/>
+          <a:spcPct val="90000"/>
         </a:lnSpc>
         <a:spcBef>
           <a:spcPct val="0"/>
         </a:spcBef>
         <a:buNone/>
-        <a:defRPr sz="4400" kern="1200" baseline="0">
+        <a:defRPr sz="5100" kern="1200" cap="all" spc="200" baseline="0">
           <a:solidFill>
             <a:schemeClr val="tx2"/>
           </a:solidFill>
@@ -3448,189 +6468,216 @@
       </a:lvl1pPr>
     </p:titleStyle>
     <p:bodyStyle>
-      <a:lvl1pPr marL="384048" indent="-384048" algn="l" defTabSz="914400" rtl="0" eaLnBrk="1" latinLnBrk="0" hangingPunct="1">
+      <a:lvl1pPr marL="228600" indent="-228600" algn="l" defTabSz="914400" rtl="0" eaLnBrk="1" latinLnBrk="0" hangingPunct="1">
         <a:lnSpc>
-          <a:spcPct val="94000"/>
+          <a:spcPct val="110000"/>
         </a:lnSpc>
         <a:spcBef>
-          <a:spcPts val="1000"/>
+          <a:spcPts val="700"/>
         </a:spcBef>
-        <a:spcAft>
-          <a:spcPts val="200"/>
-        </a:spcAft>
-        <a:buFont typeface="Franklin Gothic Book" panose="020B0503020102020204" pitchFamily="34" charset="0"/>
-        <a:buChar char="■"/>
-        <a:defRPr sz="2000" kern="1200" baseline="0">
+        <a:buClr>
+          <a:schemeClr val="tx2"/>
+        </a:buClr>
+        <a:buFont typeface="Arial" panose="020B0604020202020204" pitchFamily="34" charset="0"/>
+        <a:buChar char="•"/>
+        <a:defRPr sz="2000" kern="1200">
           <a:solidFill>
-            <a:schemeClr val="tx2"/>
+            <a:schemeClr val="tx1">
+              <a:lumMod val="65000"/>
+              <a:lumOff val="35000"/>
+            </a:schemeClr>
           </a:solidFill>
           <a:latin typeface="+mn-lt"/>
           <a:ea typeface="+mn-ea"/>
           <a:cs typeface="+mn-cs"/>
         </a:defRPr>
       </a:lvl1pPr>
-      <a:lvl2pPr marL="914400" indent="-384048" algn="l" defTabSz="914400" rtl="0" eaLnBrk="1" latinLnBrk="0" hangingPunct="1">
+      <a:lvl2pPr marL="685800" indent="-228600" algn="l" defTabSz="914400" rtl="0" eaLnBrk="1" latinLnBrk="0" hangingPunct="1">
         <a:lnSpc>
-          <a:spcPct val="94000"/>
+          <a:spcPct val="110000"/>
         </a:lnSpc>
         <a:spcBef>
-          <a:spcPts val="500"/>
+          <a:spcPts val="700"/>
         </a:spcBef>
-        <a:spcAft>
-          <a:spcPts val="200"/>
-        </a:spcAft>
-        <a:buFont typeface="Franklin Gothic Book" panose="020B0503020102020204" pitchFamily="34" charset="0"/>
+        <a:buClr>
+          <a:schemeClr val="tx2"/>
+        </a:buClr>
+        <a:buFont typeface="Gill Sans MT" panose="020B0502020104020203" pitchFamily="34" charset="0"/>
         <a:buChar char="–"/>
-        <a:defRPr sz="2000" i="1" kern="1200" baseline="0">
+        <a:defRPr sz="1800" kern="1200">
           <a:solidFill>
-            <a:schemeClr val="tx2"/>
+            <a:schemeClr val="tx1">
+              <a:lumMod val="65000"/>
+              <a:lumOff val="35000"/>
+            </a:schemeClr>
           </a:solidFill>
           <a:latin typeface="+mn-lt"/>
           <a:ea typeface="+mn-ea"/>
           <a:cs typeface="+mn-cs"/>
         </a:defRPr>
       </a:lvl2pPr>
-      <a:lvl3pPr marL="1371600" indent="-384048" algn="l" defTabSz="914400" rtl="0" eaLnBrk="1" latinLnBrk="0" hangingPunct="1">
+      <a:lvl3pPr marL="1143000" indent="-228600" algn="l" defTabSz="914400" rtl="0" eaLnBrk="1" latinLnBrk="0" hangingPunct="1">
         <a:lnSpc>
-          <a:spcPct val="94000"/>
+          <a:spcPct val="110000"/>
         </a:lnSpc>
         <a:spcBef>
-          <a:spcPts val="500"/>
+          <a:spcPts val="700"/>
         </a:spcBef>
-        <a:spcAft>
-          <a:spcPts val="200"/>
-        </a:spcAft>
-        <a:buFont typeface="Franklin Gothic Book" panose="020B0503020102020204" pitchFamily="34" charset="0"/>
-        <a:buChar char="■"/>
-        <a:defRPr sz="1800" kern="1200" baseline="0">
+        <a:buClr>
+          <a:schemeClr val="tx2"/>
+        </a:buClr>
+        <a:buFont typeface="Arial" panose="020B0604020202020204" pitchFamily="34" charset="0"/>
+        <a:buChar char="•"/>
+        <a:defRPr sz="1600" kern="1200">
           <a:solidFill>
-            <a:schemeClr val="tx2"/>
+            <a:schemeClr val="tx1">
+              <a:lumMod val="65000"/>
+              <a:lumOff val="35000"/>
+            </a:schemeClr>
           </a:solidFill>
           <a:latin typeface="+mn-lt"/>
           <a:ea typeface="+mn-ea"/>
           <a:cs typeface="+mn-cs"/>
         </a:defRPr>
       </a:lvl3pPr>
-      <a:lvl4pPr marL="1828800" indent="-384048" algn="l" defTabSz="914400" rtl="0" eaLnBrk="1" latinLnBrk="0" hangingPunct="1">
+      <a:lvl4pPr marL="1600200" indent="-228600" algn="l" defTabSz="914400" rtl="0" eaLnBrk="1" latinLnBrk="0" hangingPunct="1">
         <a:lnSpc>
-          <a:spcPct val="94000"/>
+          <a:spcPct val="110000"/>
         </a:lnSpc>
         <a:spcBef>
-          <a:spcPts val="500"/>
+          <a:spcPts val="700"/>
         </a:spcBef>
-        <a:spcAft>
-          <a:spcPts val="200"/>
-        </a:spcAft>
-        <a:buFont typeface="Franklin Gothic Book" panose="020B0503020102020204" pitchFamily="34" charset="0"/>
+        <a:buClr>
+          <a:schemeClr val="tx2"/>
+        </a:buClr>
+        <a:buFont typeface="Gill Sans MT" panose="020B0502020104020203" pitchFamily="34" charset="0"/>
         <a:buChar char="–"/>
-        <a:defRPr sz="1800" i="1" kern="1200" baseline="0">
+        <a:defRPr sz="1400" kern="1200">
           <a:solidFill>
-            <a:schemeClr val="tx2"/>
+            <a:schemeClr val="tx1">
+              <a:lumMod val="65000"/>
+              <a:lumOff val="35000"/>
+            </a:schemeClr>
           </a:solidFill>
           <a:latin typeface="+mn-lt"/>
           <a:ea typeface="+mn-ea"/>
           <a:cs typeface="+mn-cs"/>
         </a:defRPr>
       </a:lvl4pPr>
-      <a:lvl5pPr marL="2286000" indent="-384048" algn="l" defTabSz="914400" rtl="0" eaLnBrk="1" latinLnBrk="0" hangingPunct="1">
+      <a:lvl5pPr marL="2057400" indent="-228600" algn="l" defTabSz="914400" rtl="0" eaLnBrk="1" latinLnBrk="0" hangingPunct="1">
         <a:lnSpc>
-          <a:spcPct val="94000"/>
+          <a:spcPct val="110000"/>
         </a:lnSpc>
         <a:spcBef>
-          <a:spcPts val="500"/>
+          <a:spcPts val="700"/>
         </a:spcBef>
-        <a:spcAft>
-          <a:spcPts val="200"/>
-        </a:spcAft>
-        <a:buFont typeface="Franklin Gothic Book" panose="020B0503020102020204" pitchFamily="34" charset="0"/>
-        <a:buChar char="■"/>
-        <a:defRPr sz="1600" kern="1200" baseline="0">
+        <a:buClr>
+          <a:schemeClr val="tx2"/>
+        </a:buClr>
+        <a:buFont typeface="Arial" panose="020B0604020202020204" pitchFamily="34" charset="0"/>
+        <a:buChar char="•"/>
+        <a:defRPr sz="1400" kern="1200">
           <a:solidFill>
-            <a:schemeClr val="tx2"/>
+            <a:schemeClr val="tx1">
+              <a:lumMod val="65000"/>
+              <a:lumOff val="35000"/>
+            </a:schemeClr>
           </a:solidFill>
           <a:latin typeface="+mn-lt"/>
           <a:ea typeface="+mn-ea"/>
           <a:cs typeface="+mn-cs"/>
         </a:defRPr>
       </a:lvl5pPr>
-      <a:lvl6pPr marL="2743200" indent="-384048" algn="l" defTabSz="914400" rtl="0" eaLnBrk="1" latinLnBrk="0" hangingPunct="1">
+      <a:lvl6pPr marL="2514600" indent="-228600" algn="l" defTabSz="914400" rtl="0" eaLnBrk="1" latinLnBrk="0" hangingPunct="1">
         <a:lnSpc>
-          <a:spcPct val="94000"/>
+          <a:spcPct val="110000"/>
         </a:lnSpc>
         <a:spcBef>
-          <a:spcPts val="500"/>
+          <a:spcPts val="700"/>
         </a:spcBef>
-        <a:spcAft>
-          <a:spcPts val="200"/>
-        </a:spcAft>
-        <a:buFont typeface="Franklin Gothic Book" panose="020B0503020102020204" pitchFamily="34" charset="0"/>
+        <a:buClr>
+          <a:schemeClr val="tx2"/>
+        </a:buClr>
+        <a:buFont typeface="Gill Sans MT" panose="020B0502020104020203" pitchFamily="34" charset="0"/>
         <a:buChar char="–"/>
-        <a:defRPr sz="1600" i="1" kern="1200" baseline="0">
+        <a:defRPr sz="1400" kern="1200">
           <a:solidFill>
-            <a:schemeClr val="tx2"/>
+            <a:schemeClr val="tx1">
+              <a:lumMod val="65000"/>
+              <a:lumOff val="35000"/>
+            </a:schemeClr>
           </a:solidFill>
           <a:latin typeface="+mn-lt"/>
           <a:ea typeface="+mn-ea"/>
           <a:cs typeface="+mn-cs"/>
         </a:defRPr>
       </a:lvl6pPr>
-      <a:lvl7pPr marL="3200400" indent="-384048" algn="l" defTabSz="914400" rtl="0" eaLnBrk="1" latinLnBrk="0" hangingPunct="1">
+      <a:lvl7pPr marL="2971800" indent="-228600" algn="l" defTabSz="914400" rtl="0" eaLnBrk="1" latinLnBrk="0" hangingPunct="1">
         <a:lnSpc>
-          <a:spcPct val="94000"/>
+          <a:spcPct val="110000"/>
         </a:lnSpc>
         <a:spcBef>
-          <a:spcPts val="500"/>
+          <a:spcPts val="700"/>
         </a:spcBef>
-        <a:spcAft>
-          <a:spcPts val="200"/>
-        </a:spcAft>
-        <a:buFont typeface="Franklin Gothic Book" panose="020B0503020102020204" pitchFamily="34" charset="0"/>
-        <a:buChar char="■"/>
-        <a:defRPr sz="1400" kern="1200" baseline="0">
+        <a:buClr>
+          <a:schemeClr val="tx2"/>
+        </a:buClr>
+        <a:buFont typeface="Arial" panose="020B0604020202020204" pitchFamily="34" charset="0"/>
+        <a:buChar char="•"/>
+        <a:defRPr sz="1400" kern="1200">
           <a:solidFill>
-            <a:schemeClr val="tx2"/>
+            <a:schemeClr val="tx1">
+              <a:lumMod val="65000"/>
+              <a:lumOff val="35000"/>
+            </a:schemeClr>
           </a:solidFill>
           <a:latin typeface="+mn-lt"/>
           <a:ea typeface="+mn-ea"/>
           <a:cs typeface="+mn-cs"/>
         </a:defRPr>
       </a:lvl7pPr>
-      <a:lvl8pPr marL="3657600" indent="-384048" algn="l" defTabSz="914400" rtl="0" eaLnBrk="1" latinLnBrk="0" hangingPunct="1">
+      <a:lvl8pPr marL="3429000" indent="-228600" algn="l" defTabSz="914400" rtl="0" eaLnBrk="1" latinLnBrk="0" hangingPunct="1">
         <a:lnSpc>
-          <a:spcPct val="94000"/>
+          <a:spcPct val="110000"/>
         </a:lnSpc>
         <a:spcBef>
-          <a:spcPts val="500"/>
+          <a:spcPts val="700"/>
         </a:spcBef>
-        <a:spcAft>
-          <a:spcPts val="200"/>
-        </a:spcAft>
-        <a:buFont typeface="Franklin Gothic Book" panose="020B0503020102020204" pitchFamily="34" charset="0"/>
+        <a:buClr>
+          <a:schemeClr val="tx2"/>
+        </a:buClr>
+        <a:buFont typeface="Gill Sans MT" panose="020B0502020104020203" pitchFamily="34" charset="0"/>
         <a:buChar char="–"/>
-        <a:defRPr sz="1400" i="1" kern="1200" baseline="0">
+        <a:defRPr sz="1400" kern="1200" baseline="0">
           <a:solidFill>
-            <a:schemeClr val="tx2"/>
+            <a:schemeClr val="tx1">
+              <a:lumMod val="65000"/>
+              <a:lumOff val="35000"/>
+            </a:schemeClr>
           </a:solidFill>
           <a:latin typeface="+mn-lt"/>
           <a:ea typeface="+mn-ea"/>
           <a:cs typeface="+mn-cs"/>
         </a:defRPr>
       </a:lvl8pPr>
-      <a:lvl9pPr marL="4114800" indent="-384048" algn="l" defTabSz="914400" rtl="0" eaLnBrk="1" latinLnBrk="0" hangingPunct="1">
+      <a:lvl9pPr marL="3886200" indent="-228600" algn="l" defTabSz="914400" rtl="0" eaLnBrk="1" latinLnBrk="0" hangingPunct="1">
         <a:lnSpc>
-          <a:spcPct val="94000"/>
+          <a:spcPct val="110000"/>
         </a:lnSpc>
         <a:spcBef>
-          <a:spcPts val="500"/>
+          <a:spcPts val="700"/>
         </a:spcBef>
-        <a:spcAft>
-          <a:spcPts val="200"/>
-        </a:spcAft>
-        <a:buFont typeface="Franklin Gothic Book" panose="020B0503020102020204" pitchFamily="34" charset="0"/>
-        <a:buChar char="■"/>
+        <a:buClr>
+          <a:schemeClr val="tx2"/>
+        </a:buClr>
+        <a:buFont typeface="Arial" panose="020B0604020202020204" pitchFamily="34" charset="0"/>
+        <a:buChar char="•"/>
         <a:defRPr sz="1400" kern="1200" baseline="0">
           <a:solidFill>
-            <a:schemeClr val="tx2"/>
+            <a:schemeClr val="tx1">
+              <a:lumMod val="65000"/>
+              <a:lumOff val="35000"/>
+            </a:schemeClr>
           </a:solidFill>
           <a:latin typeface="+mn-lt"/>
           <a:ea typeface="+mn-ea"/>
@@ -3737,7 +6784,17 @@
   <p:extLst mod="1">
     <p:ext uri="{27BBF7A9-308A-43DC-89C8-2F10F3537804}">
       <p15:sldGuideLst xmlns:p15="http://schemas.microsoft.com/office/powerpoint/2012/main">
-        <p15:guide id="3" orient="horz" pos="1368">
+        <p15:guide id="1" pos="792">
+          <p15:clr>
+            <a:srgbClr val="F26B43"/>
+          </p15:clr>
+        </p15:guide>
+        <p15:guide id="2" pos="7200">
+          <p15:clr>
+            <a:srgbClr val="F26B43"/>
+          </p15:clr>
+        </p15:guide>
+        <p15:guide id="3" orient="horz" pos="4008">
           <p15:clr>
             <a:srgbClr val="F26B43"/>
           </p15:clr>
@@ -3747,32 +6804,12 @@
             <a:srgbClr val="F26B43"/>
           </p15:clr>
         </p15:guide>
-        <p15:guide id="6" orient="horz" pos="3696">
+        <p15:guide id="5" orient="horz" pos="3720">
           <p15:clr>
             <a:srgbClr val="F26B43"/>
           </p15:clr>
         </p15:guide>
-        <p15:guide id="7" orient="horz" pos="432">
-          <p15:clr>
-            <a:srgbClr val="F26B43"/>
-          </p15:clr>
-        </p15:guide>
-        <p15:guide id="8" orient="horz" pos="1512">
-          <p15:clr>
-            <a:srgbClr val="F26B43"/>
-          </p15:clr>
-        </p15:guide>
-        <p15:guide id="9" pos="6912">
-          <p15:clr>
-            <a:srgbClr val="F26B43"/>
-          </p15:clr>
-        </p15:guide>
-        <p15:guide id="10" pos="936">
-          <p15:clr>
-            <a:srgbClr val="F26B43"/>
-          </p15:clr>
-        </p15:guide>
-        <p15:guide id="11" pos="864">
+        <p15:guide id="6" orient="horz" pos="240">
           <p15:clr>
             <a:srgbClr val="F26B43"/>
           </p15:clr>
@@ -3847,7 +6884,7 @@
         <p:spPr/>
         <p:txBody>
           <a:bodyPr>
-            <a:normAutofit fontScale="92500" lnSpcReduction="10000"/>
+            <a:normAutofit fontScale="55000" lnSpcReduction="20000"/>
           </a:bodyPr>
           <a:lstStyle/>
           <a:p>
@@ -3895,6 +6932,13 @@
   <p:clrMapOvr>
     <a:masterClrMapping/>
   </p:clrMapOvr>
+  <p:timing>
+    <p:tnLst>
+      <p:par>
+        <p:cTn id="1" dur="indefinite" restart="never" nodeType="tmRoot"/>
+      </p:par>
+    </p:tnLst>
+  </p:timing>
 </p:sld>
 </file>
 
@@ -3966,15 +7010,27 @@
           <a:lstStyle/>
           <a:p>
             <a:r>
-              <a:rPr lang="ru-RU" dirty="0"/>
+              <a:rPr lang="ru-RU" dirty="0">
+                <a:solidFill>
+                  <a:schemeClr val="tx1"/>
+                </a:solidFill>
+              </a:rPr>
               <a:t>Наш проект подразумевает собой Telegram бота с викториной про Мурманскую область и Кольский полуостров, написанного на </a:t>
             </a:r>
             <a:r>
-              <a:rPr lang="ru-RU" dirty="0" err="1"/>
+              <a:rPr lang="ru-RU" dirty="0" err="1">
+                <a:solidFill>
+                  <a:schemeClr val="tx1"/>
+                </a:solidFill>
+              </a:rPr>
               <a:t>Python</a:t>
             </a:r>
             <a:r>
-              <a:rPr lang="ru-RU" dirty="0"/>
+              <a:rPr lang="ru-RU" dirty="0">
+                <a:solidFill>
+                  <a:schemeClr val="tx1"/>
+                </a:solidFill>
+              </a:rPr>
               <a:t>. В проекте реализуется общая таблица рейтинга, где пользователь может узнать результат других участников и увидеть своё место в данной таблице.</a:t>
             </a:r>
           </a:p>
@@ -3990,6 +7046,13 @@
   <p:clrMapOvr>
     <a:masterClrMapping/>
   </p:clrMapOvr>
+  <p:timing>
+    <p:tnLst>
+      <p:par>
+        <p:cTn id="1" dur="indefinite" restart="never" nodeType="tmRoot"/>
+      </p:par>
+    </p:tnLst>
+  </p:timing>
 </p:sld>
 </file>
 
@@ -4012,13 +7075,7 @@
       </p:grpSpPr>
       <p:sp>
         <p:nvSpPr>
-          <p:cNvPr id="2" name="Заголовок 1">
-            <a:extLst>
-              <a:ext uri="{FF2B5EF4-FFF2-40B4-BE49-F238E27FC236}">
-                <a16:creationId xmlns:a16="http://schemas.microsoft.com/office/drawing/2014/main" id="{FECFDD99-75A9-446F-91E0-71471C39222B}"/>
-              </a:ext>
-            </a:extLst>
-          </p:cNvPr>
+          <p:cNvPr id="8" name="Заголовок 7"/>
           <p:cNvSpPr>
             <a:spLocks noGrp="1"/>
           </p:cNvSpPr>
@@ -4028,50 +7085,61 @@
         </p:nvSpPr>
         <p:spPr>
           <a:xfrm>
-            <a:off x="444617" y="411062"/>
-            <a:ext cx="4479721" cy="579538"/>
+            <a:off x="8337884" y="439335"/>
+            <a:ext cx="3092115" cy="439925"/>
           </a:xfrm>
         </p:spPr>
         <p:txBody>
-          <a:bodyPr>
-            <a:normAutofit fontScale="90000"/>
-          </a:bodyPr>
+          <a:bodyPr/>
           <a:lstStyle/>
           <a:p>
             <a:r>
-              <a:rPr lang="ru-RU" sz="4000" b="1" dirty="0"/>
-              <a:t>Реализация</a:t>
-            </a:r>
+              <a:rPr lang="en-US" dirty="0">
+                <a:latin typeface="Corbel" panose="020B0503020204020204" pitchFamily="34" charset="0"/>
+              </a:rPr>
+              <a:t>ORM</a:t>
+            </a:r>
+            <a:r>
+              <a:rPr lang="ru-RU" dirty="0" smtClean="0">
+                <a:latin typeface="Corbel" panose="020B0503020204020204" pitchFamily="34" charset="0"/>
+              </a:rPr>
+              <a:t>-модели</a:t>
+            </a:r>
+            <a:endParaRPr lang="ru-RU" dirty="0">
+              <a:latin typeface="Corbel" panose="020B0503020204020204" pitchFamily="34" charset="0"/>
+            </a:endParaRPr>
           </a:p>
         </p:txBody>
       </p:sp>
+      <p:pic>
+        <p:nvPicPr>
+          <p:cNvPr id="12" name="Объект 11"/>
+          <p:cNvPicPr>
+            <a:picLocks noGrp="1" noChangeAspect="1"/>
+          </p:cNvPicPr>
+          <p:nvPr>
+            <p:ph idx="1"/>
+          </p:nvPr>
+        </p:nvPicPr>
+        <p:blipFill>
+          <a:blip r:embed="rId2"/>
+          <a:stretch>
+            <a:fillRect/>
+          </a:stretch>
+        </p:blipFill>
+        <p:spPr>
+          <a:xfrm>
+            <a:off x="765175" y="1444301"/>
+            <a:ext cx="6157913" cy="3937648"/>
+          </a:xfrm>
+          <a:prstGeom prst="rect">
+            <a:avLst/>
+          </a:prstGeom>
+        </p:spPr>
+      </p:pic>
       <p:sp>
         <p:nvSpPr>
-          <p:cNvPr id="3" name="Рисунок 2">
-            <a:extLst>
-              <a:ext uri="{FF2B5EF4-FFF2-40B4-BE49-F238E27FC236}">
-                <a16:creationId xmlns:a16="http://schemas.microsoft.com/office/drawing/2014/main" id="{F129651D-4860-4720-A1E7-936636EB67BC}"/>
-              </a:ext>
-            </a:extLst>
-          </p:cNvPr>
-          <p:cNvSpPr>
-            <a:spLocks noGrp="1"/>
-          </p:cNvSpPr>
-          <p:nvPr>
-            <p:ph type="pic" idx="1"/>
-          </p:nvPr>
-        </p:nvSpPr>
-        <p:spPr/>
-      </p:sp>
-      <p:sp>
-        <p:nvSpPr>
-          <p:cNvPr id="4" name="Текст 3">
-            <a:extLst>
-              <a:ext uri="{FF2B5EF4-FFF2-40B4-BE49-F238E27FC236}">
-                <a16:creationId xmlns:a16="http://schemas.microsoft.com/office/drawing/2014/main" id="{B6B2965A-65C1-48FC-9027-D68AA131F8A3}"/>
-              </a:ext>
-            </a:extLst>
-          </p:cNvPr>
+          <p:cNvPr id="10" name="Текст 9"/>
           <p:cNvSpPr>
             <a:spLocks noGrp="1"/>
           </p:cNvSpPr>
@@ -4081,430 +7149,471 @@
         </p:nvSpPr>
         <p:spPr>
           <a:xfrm>
-            <a:off x="444617" y="990600"/>
-            <a:ext cx="4479721" cy="5456338"/>
+            <a:off x="8337885" y="1097880"/>
+            <a:ext cx="3092115" cy="4807620"/>
           </a:xfrm>
         </p:spPr>
         <p:txBody>
           <a:bodyPr>
-            <a:normAutofit fontScale="85000" lnSpcReduction="20000"/>
+            <a:normAutofit fontScale="62500" lnSpcReduction="20000"/>
           </a:bodyPr>
           <a:lstStyle/>
           <a:p>
-            <a:pPr>
+            <a:pPr lvl="0">
+              <a:spcBef>
+                <a:spcPts val="600"/>
+              </a:spcBef>
               <a:spcAft>
                 <a:spcPts val="600"/>
               </a:spcAft>
             </a:pPr>
             <a:r>
-              <a:rPr lang="en-US" b="1" dirty="0"/>
-              <a:t>ORM</a:t>
-            </a:r>
-            <a:r>
-              <a:rPr lang="ru-RU" b="1" dirty="0"/>
-              <a:t>-модели:</a:t>
-            </a:r>
-          </a:p>
-          <a:p>
-            <a:pPr marL="342900" lvl="0" indent="-342900">
+              <a:rPr lang="en-US" sz="3000" b="1" i="1" dirty="0" smtClean="0">
+                <a:latin typeface="Corbel Light" panose="020B0303020204020204" pitchFamily="34" charset="0"/>
+              </a:rPr>
+              <a:t>Participant</a:t>
+            </a:r>
+            <a:r>
+              <a:rPr lang="en-US" sz="3000" b="1" dirty="0" smtClean="0">
+                <a:latin typeface="Corbel Light" panose="020B0303020204020204" pitchFamily="34" charset="0"/>
+              </a:rPr>
+              <a:t> </a:t>
+            </a:r>
+            <a:r>
+              <a:rPr lang="en-US" sz="3000" b="1" dirty="0">
+                <a:latin typeface="Corbel Light" panose="020B0303020204020204" pitchFamily="34" charset="0"/>
+              </a:rPr>
+              <a:t>(</a:t>
+            </a:r>
+            <a:r>
+              <a:rPr lang="ru-RU" sz="3000" b="1" dirty="0">
+                <a:latin typeface="Corbel Light" panose="020B0303020204020204" pitchFamily="34" charset="0"/>
+              </a:rPr>
+              <a:t>Участник</a:t>
+            </a:r>
+            <a:r>
+              <a:rPr lang="en-US" sz="3000" b="1" dirty="0" smtClean="0">
+                <a:latin typeface="Corbel Light" panose="020B0303020204020204" pitchFamily="34" charset="0"/>
+              </a:rPr>
+              <a:t>):</a:t>
+            </a:r>
+            <a:endParaRPr lang="ru-RU" sz="3000" b="1" dirty="0" smtClean="0">
+              <a:latin typeface="Corbel Light" panose="020B0303020204020204" pitchFamily="34" charset="0"/>
+            </a:endParaRPr>
+          </a:p>
+          <a:p>
+            <a:pPr marL="457200" lvl="0" indent="-457200">
+              <a:spcBef>
+                <a:spcPts val="600"/>
+              </a:spcBef>
               <a:spcAft>
                 <a:spcPts val="600"/>
               </a:spcAft>
-              <a:buFont typeface="+mj-lt"/>
-              <a:buAutoNum type="arabicPeriod"/>
+              <a:buClr>
+                <a:schemeClr val="bg2"/>
+              </a:buClr>
+              <a:buFont typeface="Arial" panose="020B0604020202020204" pitchFamily="34" charset="0"/>
+              <a:buChar char="•"/>
             </a:pPr>
             <a:r>
-              <a:rPr lang="en-US" b="1" dirty="0"/>
-              <a:t>Participant (</a:t>
-            </a:r>
-            <a:r>
-              <a:rPr lang="ru-RU" b="1" dirty="0"/>
-              <a:t>Участник</a:t>
-            </a:r>
-            <a:r>
-              <a:rPr lang="en-US" b="1" dirty="0"/>
-              <a:t>):</a:t>
-            </a:r>
-            <a:endParaRPr lang="ru-RU" b="1" dirty="0"/>
-          </a:p>
-          <a:p>
-            <a:pPr marL="742950" lvl="1" indent="-285750">
+              <a:rPr lang="en-US" sz="3000" i="1" dirty="0" smtClean="0">
+                <a:solidFill>
+                  <a:schemeClr val="bg2"/>
+                </a:solidFill>
+                <a:latin typeface="Corbel Light" panose="020B0303020204020204" pitchFamily="34" charset="0"/>
+              </a:rPr>
+              <a:t>Id</a:t>
+            </a:r>
+            <a:r>
+              <a:rPr lang="en-US" sz="3000" dirty="0" smtClean="0">
+                <a:solidFill>
+                  <a:schemeClr val="bg2"/>
+                </a:solidFill>
+                <a:latin typeface="Corbel Light" panose="020B0303020204020204" pitchFamily="34" charset="0"/>
+              </a:rPr>
+              <a:t> </a:t>
+            </a:r>
+            <a:r>
+              <a:rPr lang="en-US" sz="3000" dirty="0">
+                <a:solidFill>
+                  <a:schemeClr val="bg2"/>
+                </a:solidFill>
+                <a:latin typeface="Corbel Light" panose="020B0303020204020204" pitchFamily="34" charset="0"/>
+              </a:rPr>
+              <a:t>–</a:t>
+            </a:r>
+            <a:r>
+              <a:rPr lang="ru-RU" sz="3000" dirty="0">
+                <a:solidFill>
+                  <a:schemeClr val="bg2"/>
+                </a:solidFill>
+                <a:latin typeface="Corbel Light" panose="020B0303020204020204" pitchFamily="34" charset="0"/>
+              </a:rPr>
+              <a:t> идентификатор </a:t>
+            </a:r>
+            <a:r>
+              <a:rPr lang="ru-RU" sz="3000" dirty="0" smtClean="0">
+                <a:solidFill>
+                  <a:schemeClr val="bg2"/>
+                </a:solidFill>
+                <a:latin typeface="Corbel Light" panose="020B0303020204020204" pitchFamily="34" charset="0"/>
+              </a:rPr>
+              <a:t>участника.</a:t>
+            </a:r>
+          </a:p>
+          <a:p>
+            <a:pPr marL="457200" lvl="0" indent="-457200">
+              <a:spcBef>
+                <a:spcPts val="600"/>
+              </a:spcBef>
               <a:spcAft>
                 <a:spcPts val="600"/>
               </a:spcAft>
+              <a:buClr>
+                <a:schemeClr val="bg2"/>
+              </a:buClr>
               <a:buFont typeface="Arial" panose="020B0604020202020204" pitchFamily="34" charset="0"/>
               <a:buChar char="•"/>
             </a:pPr>
             <a:r>
-              <a:rPr lang="en-US" sz="1600" b="1" i="0" dirty="0"/>
-              <a:t>Id –</a:t>
-            </a:r>
-            <a:r>
-              <a:rPr lang="ru-RU" sz="1600" b="1" i="0" dirty="0"/>
-              <a:t> идентификатор участника.</a:t>
-            </a:r>
-          </a:p>
-          <a:p>
-            <a:pPr marL="742950" lvl="1" indent="-285750">
+              <a:rPr lang="en-US" sz="3000" i="1" dirty="0" smtClean="0">
+                <a:solidFill>
+                  <a:schemeClr val="bg2"/>
+                </a:solidFill>
+                <a:latin typeface="Corbel Light" panose="020B0303020204020204" pitchFamily="34" charset="0"/>
+              </a:rPr>
+              <a:t>name</a:t>
+            </a:r>
+            <a:r>
+              <a:rPr lang="en-US" sz="3000" dirty="0" smtClean="0">
+                <a:solidFill>
+                  <a:schemeClr val="bg2"/>
+                </a:solidFill>
+                <a:latin typeface="Corbel Light" panose="020B0303020204020204" pitchFamily="34" charset="0"/>
+              </a:rPr>
+              <a:t> </a:t>
+            </a:r>
+            <a:r>
+              <a:rPr lang="en-US" sz="3000" dirty="0">
+                <a:solidFill>
+                  <a:schemeClr val="bg2"/>
+                </a:solidFill>
+                <a:latin typeface="Corbel Light" panose="020B0303020204020204" pitchFamily="34" charset="0"/>
+              </a:rPr>
+              <a:t>– </a:t>
+            </a:r>
+            <a:r>
+              <a:rPr lang="ru-RU" sz="3000" dirty="0">
+                <a:solidFill>
+                  <a:schemeClr val="bg2"/>
+                </a:solidFill>
+                <a:latin typeface="Corbel Light" panose="020B0303020204020204" pitchFamily="34" charset="0"/>
+              </a:rPr>
+              <a:t>имя </a:t>
+            </a:r>
+            <a:r>
+              <a:rPr lang="ru-RU" sz="3000" dirty="0" smtClean="0">
+                <a:solidFill>
+                  <a:schemeClr val="bg2"/>
+                </a:solidFill>
+                <a:latin typeface="Corbel Light" panose="020B0303020204020204" pitchFamily="34" charset="0"/>
+              </a:rPr>
+              <a:t>участника.</a:t>
+            </a:r>
+          </a:p>
+          <a:p>
+            <a:pPr marL="457200" lvl="0" indent="-457200">
+              <a:spcBef>
+                <a:spcPts val="600"/>
+              </a:spcBef>
               <a:spcAft>
                 <a:spcPts val="600"/>
               </a:spcAft>
+              <a:buClr>
+                <a:schemeClr val="bg2"/>
+              </a:buClr>
               <a:buFont typeface="Arial" panose="020B0604020202020204" pitchFamily="34" charset="0"/>
               <a:buChar char="•"/>
             </a:pPr>
             <a:r>
-              <a:rPr lang="en-US" sz="1600" b="1" i="0" dirty="0"/>
-              <a:t>name – </a:t>
-            </a:r>
-            <a:r>
-              <a:rPr lang="ru-RU" sz="1600" b="1" i="0" dirty="0"/>
-              <a:t>имя участника.</a:t>
-            </a:r>
-          </a:p>
-          <a:p>
-            <a:pPr marL="742950" lvl="1" indent="-285750">
+              <a:rPr lang="en-US" sz="3000" i="1" dirty="0" smtClean="0">
+                <a:solidFill>
+                  <a:schemeClr val="bg2"/>
+                </a:solidFill>
+                <a:latin typeface="Corbel Light" panose="020B0303020204020204" pitchFamily="34" charset="0"/>
+              </a:rPr>
+              <a:t>username</a:t>
+            </a:r>
+            <a:r>
+              <a:rPr lang="en-US" sz="3000" dirty="0" smtClean="0">
+                <a:solidFill>
+                  <a:schemeClr val="bg2"/>
+                </a:solidFill>
+                <a:latin typeface="Corbel Light" panose="020B0303020204020204" pitchFamily="34" charset="0"/>
+              </a:rPr>
+              <a:t> </a:t>
+            </a:r>
+            <a:r>
+              <a:rPr lang="en-US" sz="3000" dirty="0">
+                <a:solidFill>
+                  <a:schemeClr val="bg2"/>
+                </a:solidFill>
+                <a:latin typeface="Corbel Light" panose="020B0303020204020204" pitchFamily="34" charset="0"/>
+              </a:rPr>
+              <a:t>– </a:t>
+            </a:r>
+            <a:r>
+              <a:rPr lang="ru-RU" sz="3000" dirty="0">
+                <a:solidFill>
+                  <a:schemeClr val="bg2"/>
+                </a:solidFill>
+                <a:latin typeface="Corbel Light" panose="020B0303020204020204" pitchFamily="34" charset="0"/>
+              </a:rPr>
+              <a:t>ник </a:t>
+            </a:r>
+            <a:r>
+              <a:rPr lang="ru-RU" sz="3000" dirty="0" smtClean="0">
+                <a:solidFill>
+                  <a:schemeClr val="bg2"/>
+                </a:solidFill>
+                <a:latin typeface="Corbel Light" panose="020B0303020204020204" pitchFamily="34" charset="0"/>
+              </a:rPr>
+              <a:t>участника.</a:t>
+            </a:r>
+            <a:endParaRPr lang="ru-RU" sz="3000" dirty="0" smtClean="0">
+              <a:latin typeface="Corbel Light" panose="020B0303020204020204" pitchFamily="34" charset="0"/>
+            </a:endParaRPr>
+          </a:p>
+          <a:p>
+            <a:pPr marL="457200" lvl="0" indent="-457200">
+              <a:spcBef>
+                <a:spcPts val="600"/>
+              </a:spcBef>
               <a:spcAft>
                 <a:spcPts val="600"/>
               </a:spcAft>
+              <a:buClr>
+                <a:schemeClr val="bg2"/>
+              </a:buClr>
               <a:buFont typeface="Arial" panose="020B0604020202020204" pitchFamily="34" charset="0"/>
               <a:buChar char="•"/>
             </a:pPr>
             <a:r>
-              <a:rPr lang="en-US" sz="1600" b="1" i="0" dirty="0"/>
-              <a:t>username – </a:t>
-            </a:r>
-            <a:r>
-              <a:rPr lang="ru-RU" sz="1600" b="1" i="0" dirty="0"/>
-              <a:t>ник участника</a:t>
-            </a:r>
-            <a:r>
-              <a:rPr lang="ru-RU" sz="1600" b="1" i="0" dirty="0" smtClean="0"/>
-              <a:t>.</a:t>
-            </a:r>
-            <a:endParaRPr lang="en-US" sz="1600" b="1" i="0" dirty="0" smtClean="0"/>
-          </a:p>
-          <a:p>
-            <a:pPr marL="742950" lvl="1" indent="-285750">
+              <a:rPr lang="en-US" sz="3000" i="1" dirty="0" err="1" smtClean="0">
+                <a:solidFill>
+                  <a:schemeClr val="bg2"/>
+                </a:solidFill>
+                <a:latin typeface="Corbel Light" panose="020B0303020204020204" pitchFamily="34" charset="0"/>
+              </a:rPr>
+              <a:t>user_id</a:t>
+            </a:r>
+            <a:r>
+              <a:rPr lang="en-US" sz="3000" dirty="0" smtClean="0">
+                <a:solidFill>
+                  <a:schemeClr val="bg2"/>
+                </a:solidFill>
+                <a:latin typeface="Corbel Light" panose="020B0303020204020204" pitchFamily="34" charset="0"/>
+              </a:rPr>
+              <a:t> </a:t>
+            </a:r>
+            <a:r>
+              <a:rPr lang="en-US" sz="3000" dirty="0">
+                <a:solidFill>
+                  <a:schemeClr val="bg2"/>
+                </a:solidFill>
+                <a:latin typeface="Corbel Light" panose="020B0303020204020204" pitchFamily="34" charset="0"/>
+              </a:rPr>
+              <a:t>– id </a:t>
+            </a:r>
+            <a:r>
+              <a:rPr lang="ru-RU" sz="3000" dirty="0" smtClean="0">
+                <a:solidFill>
+                  <a:schemeClr val="bg2"/>
+                </a:solidFill>
+                <a:latin typeface="Corbel Light" panose="020B0303020204020204" pitchFamily="34" charset="0"/>
+              </a:rPr>
+              <a:t>участника.</a:t>
+            </a:r>
+          </a:p>
+          <a:p>
+            <a:pPr marL="457200" lvl="0" indent="-457200">
+              <a:spcBef>
+                <a:spcPts val="600"/>
+              </a:spcBef>
               <a:spcAft>
                 <a:spcPts val="600"/>
               </a:spcAft>
+              <a:buClr>
+                <a:schemeClr val="bg2"/>
+              </a:buClr>
               <a:buFont typeface="Arial" panose="020B0604020202020204" pitchFamily="34" charset="0"/>
               <a:buChar char="•"/>
             </a:pPr>
             <a:r>
-              <a:rPr lang="en-US" sz="1600" b="1" i="0" dirty="0" err="1"/>
-              <a:t>user_id</a:t>
-            </a:r>
-            <a:r>
-              <a:rPr lang="en-US" sz="1600" b="1" i="0" dirty="0"/>
-              <a:t> – id </a:t>
-            </a:r>
-            <a:r>
-              <a:rPr lang="ru-RU" sz="1600" b="1" i="0" dirty="0"/>
-              <a:t>участника</a:t>
-            </a:r>
-            <a:r>
-              <a:rPr lang="ru-RU" sz="1600" b="1" i="0" dirty="0" smtClean="0"/>
-              <a:t>.</a:t>
-            </a:r>
-            <a:endParaRPr lang="ru-RU" sz="1600" b="1" i="0" dirty="0"/>
-          </a:p>
-          <a:p>
-            <a:pPr marL="742950" lvl="1" indent="-285750">
+              <a:rPr lang="en-US" sz="3000" i="1" dirty="0" smtClean="0">
+                <a:solidFill>
+                  <a:schemeClr val="bg2"/>
+                </a:solidFill>
+                <a:latin typeface="Corbel Light" panose="020B0303020204020204" pitchFamily="34" charset="0"/>
+              </a:rPr>
+              <a:t>score</a:t>
+            </a:r>
+            <a:r>
+              <a:rPr lang="en-US" sz="3000" dirty="0" smtClean="0">
+                <a:solidFill>
+                  <a:schemeClr val="bg2"/>
+                </a:solidFill>
+                <a:latin typeface="Corbel Light" panose="020B0303020204020204" pitchFamily="34" charset="0"/>
+              </a:rPr>
+              <a:t> </a:t>
+            </a:r>
+            <a:r>
+              <a:rPr lang="en-US" sz="3000" dirty="0">
+                <a:solidFill>
+                  <a:schemeClr val="bg2"/>
+                </a:solidFill>
+                <a:latin typeface="Corbel Light" panose="020B0303020204020204" pitchFamily="34" charset="0"/>
+              </a:rPr>
+              <a:t>– </a:t>
+            </a:r>
+            <a:r>
+              <a:rPr lang="ru-RU" sz="3000" dirty="0">
+                <a:solidFill>
+                  <a:schemeClr val="bg2"/>
+                </a:solidFill>
+                <a:latin typeface="Corbel Light" panose="020B0303020204020204" pitchFamily="34" charset="0"/>
+              </a:rPr>
+              <a:t>счёт </a:t>
+            </a:r>
+            <a:r>
+              <a:rPr lang="ru-RU" sz="3000" dirty="0" smtClean="0">
+                <a:solidFill>
+                  <a:schemeClr val="bg2"/>
+                </a:solidFill>
+                <a:latin typeface="Corbel Light" panose="020B0303020204020204" pitchFamily="34" charset="0"/>
+              </a:rPr>
+              <a:t>участника.</a:t>
+            </a:r>
+          </a:p>
+          <a:p>
+            <a:pPr marL="457200" lvl="0" indent="-457200">
+              <a:spcBef>
+                <a:spcPts val="600"/>
+              </a:spcBef>
               <a:spcAft>
                 <a:spcPts val="600"/>
               </a:spcAft>
+              <a:buClr>
+                <a:schemeClr val="bg2"/>
+              </a:buClr>
               <a:buFont typeface="Arial" panose="020B0604020202020204" pitchFamily="34" charset="0"/>
               <a:buChar char="•"/>
             </a:pPr>
             <a:r>
-              <a:rPr lang="en-US" sz="1600" b="1" i="0" dirty="0"/>
-              <a:t>score – </a:t>
-            </a:r>
-            <a:r>
-              <a:rPr lang="ru-RU" sz="1600" b="1" i="0" dirty="0"/>
-              <a:t>счёт участника.</a:t>
-            </a:r>
-          </a:p>
-          <a:p>
-            <a:pPr marL="742950" lvl="1" indent="-285750">
-              <a:spcAft>
-                <a:spcPts val="600"/>
-              </a:spcAft>
-              <a:buFont typeface="Arial" panose="020B0604020202020204" pitchFamily="34" charset="0"/>
-              <a:buChar char="•"/>
-            </a:pPr>
-            <a:r>
-              <a:rPr lang="en-US" sz="1600" b="1" i="0" dirty="0"/>
-              <a:t>data – </a:t>
-            </a:r>
-            <a:r>
-              <a:rPr lang="ru-RU" sz="1600" b="1" i="0" dirty="0"/>
-              <a:t>дата последнего прохождения.</a:t>
-            </a:r>
-          </a:p>
-          <a:p>
-            <a:pPr marL="342900" lvl="0" indent="-342900">
-              <a:spcAft>
-                <a:spcPts val="600"/>
-              </a:spcAft>
-              <a:buFont typeface="+mj-lt"/>
-              <a:buAutoNum type="arabicPeriod"/>
-            </a:pPr>
-            <a:r>
-              <a:rPr lang="en-US" b="1" dirty="0"/>
-              <a:t>Question (</a:t>
-            </a:r>
-            <a:r>
-              <a:rPr lang="ru-RU" b="1" dirty="0"/>
-              <a:t>Вопрос</a:t>
-            </a:r>
-            <a:r>
-              <a:rPr lang="en-US" b="1" dirty="0"/>
-              <a:t>)</a:t>
-            </a:r>
-            <a:r>
-              <a:rPr lang="ru-RU" b="1" dirty="0"/>
-              <a:t>:</a:t>
-            </a:r>
-          </a:p>
-          <a:p>
-            <a:pPr marL="742950" lvl="1" indent="-285750">
-              <a:spcAft>
-                <a:spcPts val="600"/>
-              </a:spcAft>
-              <a:buFont typeface="Arial" panose="020B0604020202020204" pitchFamily="34" charset="0"/>
-              <a:buChar char="•"/>
-            </a:pPr>
-            <a:r>
-              <a:rPr lang="en-US" sz="1600" b="1" i="0" dirty="0"/>
-              <a:t>Id – </a:t>
-            </a:r>
-            <a:r>
-              <a:rPr lang="ru-RU" sz="1600" b="1" i="0" dirty="0"/>
-              <a:t>идентификатор вопроса.</a:t>
-            </a:r>
-          </a:p>
-          <a:p>
-            <a:pPr marL="742950" lvl="1" indent="-285750">
-              <a:spcAft>
-                <a:spcPts val="600"/>
-              </a:spcAft>
-              <a:buFont typeface="Arial" panose="020B0604020202020204" pitchFamily="34" charset="0"/>
-              <a:buChar char="•"/>
-            </a:pPr>
-            <a:r>
-              <a:rPr lang="en-US" sz="1600" b="1" i="0" dirty="0"/>
-              <a:t>text – </a:t>
-            </a:r>
-            <a:r>
-              <a:rPr lang="ru-RU" sz="1600" b="1" i="0" dirty="0"/>
-              <a:t>текст вопроса.</a:t>
-            </a:r>
-          </a:p>
-          <a:p>
-            <a:pPr marL="742950" lvl="1" indent="-285750">
-              <a:spcAft>
-                <a:spcPts val="600"/>
-              </a:spcAft>
-              <a:buFont typeface="Arial" panose="020B0604020202020204" pitchFamily="34" charset="0"/>
-              <a:buChar char="•"/>
-            </a:pPr>
-            <a:r>
-              <a:rPr lang="en-US" sz="1600" b="1" i="0" dirty="0"/>
-              <a:t>correct</a:t>
-            </a:r>
-            <a:r>
-              <a:rPr lang="ru-RU" sz="1600" b="1" i="0" dirty="0"/>
-              <a:t>_</a:t>
-            </a:r>
-            <a:r>
-              <a:rPr lang="en-US" sz="1600" b="1" i="0" dirty="0"/>
-              <a:t>answer – </a:t>
-            </a:r>
-            <a:r>
-              <a:rPr lang="ru-RU" sz="1600" b="1" i="0" dirty="0"/>
-              <a:t>правильный ответ.</a:t>
-            </a:r>
-          </a:p>
-          <a:p>
-            <a:pPr marL="742950" lvl="1" indent="-285750">
-              <a:spcAft>
-                <a:spcPts val="600"/>
-              </a:spcAft>
-              <a:buFont typeface="Arial" panose="020B0604020202020204" pitchFamily="34" charset="0"/>
-              <a:buChar char="•"/>
-            </a:pPr>
-            <a:r>
-              <a:rPr lang="en-US" sz="1600" b="1" i="0" dirty="0"/>
-              <a:t>other</a:t>
-            </a:r>
-            <a:r>
-              <a:rPr lang="ru-RU" sz="1600" b="1" i="0" dirty="0"/>
-              <a:t>_</a:t>
-            </a:r>
-            <a:r>
-              <a:rPr lang="en-US" sz="1600" b="1" i="0" dirty="0"/>
-              <a:t>answers – </a:t>
-            </a:r>
-            <a:r>
-              <a:rPr lang="ru-RU" sz="1600" b="1" i="0" dirty="0"/>
-              <a:t>неправильные ответы.</a:t>
-            </a:r>
-          </a:p>
-          <a:p>
-            <a:pPr marL="742950" lvl="1" indent="-285750">
-              <a:spcAft>
-                <a:spcPts val="600"/>
-              </a:spcAft>
-              <a:buFont typeface="Arial" panose="020B0604020202020204" pitchFamily="34" charset="0"/>
-              <a:buChar char="•"/>
-            </a:pPr>
-            <a:r>
-              <a:rPr lang="en-US" sz="1600" b="1" i="0" dirty="0"/>
-              <a:t>attachment – </a:t>
-            </a:r>
-            <a:r>
-              <a:rPr lang="ru-RU" sz="1600" b="1" i="0" dirty="0"/>
-              <a:t>приложение (картинка).</a:t>
-            </a:r>
-          </a:p>
-          <a:p>
-            <a:pPr marL="742950" lvl="1" indent="-285750">
-              <a:spcAft>
-                <a:spcPts val="600"/>
-              </a:spcAft>
-              <a:buFont typeface="Arial" panose="020B0604020202020204" pitchFamily="34" charset="0"/>
-              <a:buChar char="•"/>
-            </a:pPr>
-            <a:r>
-              <a:rPr lang="en-US" sz="1600" b="1" i="0" dirty="0"/>
-              <a:t>category</a:t>
-            </a:r>
-            <a:r>
-              <a:rPr lang="ru-RU" sz="1600" b="1" i="0" dirty="0"/>
-              <a:t>_</a:t>
-            </a:r>
-            <a:r>
-              <a:rPr lang="en-US" sz="1600" b="1" i="0" dirty="0"/>
-              <a:t>id – </a:t>
-            </a:r>
-            <a:r>
-              <a:rPr lang="ru-RU" sz="1600" b="1" i="0" dirty="0"/>
-              <a:t>идентификатор категории.</a:t>
-            </a:r>
-          </a:p>
-          <a:p>
-            <a:pPr marL="342900" lvl="0" indent="-342900">
-              <a:spcAft>
-                <a:spcPts val="600"/>
-              </a:spcAft>
-              <a:buFont typeface="+mj-lt"/>
-              <a:buAutoNum type="arabicPeriod"/>
-            </a:pPr>
-            <a:r>
-              <a:rPr lang="en-US" b="1" dirty="0"/>
-              <a:t>Category (</a:t>
-            </a:r>
-            <a:r>
-              <a:rPr lang="ru-RU" b="1" dirty="0"/>
-              <a:t>Категория вопроса</a:t>
-            </a:r>
-            <a:r>
-              <a:rPr lang="en-US" b="1" dirty="0"/>
-              <a:t>)</a:t>
-            </a:r>
-            <a:r>
-              <a:rPr lang="ru-RU" b="1" dirty="0"/>
-              <a:t>:</a:t>
-            </a:r>
-          </a:p>
-          <a:p>
-            <a:pPr marL="742950" lvl="1" indent="-285750">
-              <a:spcAft>
-                <a:spcPts val="600"/>
-              </a:spcAft>
-              <a:buFont typeface="Arial" panose="020B0604020202020204" pitchFamily="34" charset="0"/>
-              <a:buChar char="•"/>
-            </a:pPr>
-            <a:r>
-              <a:rPr lang="en-US" sz="1600" b="1" i="0" dirty="0"/>
-              <a:t>Id – </a:t>
-            </a:r>
-            <a:r>
-              <a:rPr lang="ru-RU" sz="1600" b="1" i="0" dirty="0"/>
-              <a:t>идентификатор категории.</a:t>
-            </a:r>
-          </a:p>
-          <a:p>
-            <a:pPr marL="742950" lvl="1" indent="-285750">
-              <a:spcAft>
-                <a:spcPts val="600"/>
-              </a:spcAft>
-              <a:buFont typeface="Arial" panose="020B0604020202020204" pitchFamily="34" charset="0"/>
-              <a:buChar char="•"/>
-            </a:pPr>
-            <a:r>
-              <a:rPr lang="en-US" sz="1600" b="1" i="0" dirty="0"/>
-              <a:t>title – </a:t>
-            </a:r>
-            <a:r>
-              <a:rPr lang="ru-RU" sz="1600" b="1" i="0" dirty="0"/>
-              <a:t>название категории</a:t>
-            </a:r>
-            <a:r>
-              <a:rPr lang="en-US" sz="1600" b="1" i="0" dirty="0"/>
+              <a:rPr lang="en-US" sz="3000" i="1" dirty="0" smtClean="0">
+                <a:solidFill>
+                  <a:schemeClr val="bg2"/>
+                </a:solidFill>
+                <a:latin typeface="Corbel Light" panose="020B0303020204020204" pitchFamily="34" charset="0"/>
+              </a:rPr>
+              <a:t>data</a:t>
+            </a:r>
+            <a:r>
+              <a:rPr lang="en-US" sz="3000" dirty="0" smtClean="0">
+                <a:solidFill>
+                  <a:schemeClr val="bg2"/>
+                </a:solidFill>
+                <a:latin typeface="Corbel Light" panose="020B0303020204020204" pitchFamily="34" charset="0"/>
+              </a:rPr>
+              <a:t> </a:t>
+            </a:r>
+            <a:r>
+              <a:rPr lang="en-US" sz="3000" dirty="0">
+                <a:solidFill>
+                  <a:schemeClr val="bg2"/>
+                </a:solidFill>
+                <a:latin typeface="Corbel Light" panose="020B0303020204020204" pitchFamily="34" charset="0"/>
+              </a:rPr>
+              <a:t>– </a:t>
+            </a:r>
+            <a:r>
+              <a:rPr lang="ru-RU" sz="3000" dirty="0">
+                <a:solidFill>
+                  <a:schemeClr val="bg2"/>
+                </a:solidFill>
+                <a:latin typeface="Corbel Light" panose="020B0303020204020204" pitchFamily="34" charset="0"/>
+              </a:rPr>
+              <a:t>дата последнего прохождения</a:t>
+            </a:r>
+            <a:r>
+              <a:rPr lang="ru-RU" sz="3000" dirty="0" smtClean="0">
+                <a:solidFill>
+                  <a:schemeClr val="bg2"/>
+                </a:solidFill>
+                <a:latin typeface="Corbel Light" panose="020B0303020204020204" pitchFamily="34" charset="0"/>
+              </a:rPr>
               <a:t>.</a:t>
             </a:r>
-            <a:endParaRPr lang="ru-RU" sz="1600" b="1" i="0" dirty="0"/>
-          </a:p>
-          <a:p>
-            <a:pPr>
-              <a:lnSpc>
-                <a:spcPct val="100000"/>
-              </a:lnSpc>
-              <a:spcAft>
-                <a:spcPts val="0"/>
-              </a:spcAft>
-            </a:pPr>
-            <a:endParaRPr lang="ru-RU" dirty="0"/>
+            <a:endParaRPr lang="ru-RU" sz="3000" dirty="0">
+              <a:solidFill>
+                <a:schemeClr val="bg2"/>
+              </a:solidFill>
+              <a:latin typeface="Corbel Light" panose="020B0303020204020204" pitchFamily="34" charset="0"/>
+            </a:endParaRPr>
           </a:p>
         </p:txBody>
       </p:sp>
-      <p:pic>
-        <p:nvPicPr>
-          <p:cNvPr id="6" name="Рисунок 5"/>
-          <p:cNvPicPr>
-            <a:picLocks noChangeAspect="1"/>
-          </p:cNvPicPr>
+      <p:sp>
+        <p:nvSpPr>
+          <p:cNvPr id="11" name="TextBox 10"/>
+          <p:cNvSpPr txBox="1"/>
           <p:nvPr/>
-        </p:nvPicPr>
-        <p:blipFill>
-          <a:blip r:embed="rId2"/>
-          <a:stretch>
-            <a:fillRect/>
-          </a:stretch>
-        </p:blipFill>
+        </p:nvSpPr>
         <p:spPr>
           <a:xfrm>
-            <a:off x="5634973" y="1365453"/>
-            <a:ext cx="6454173" cy="4127091"/>
+            <a:off x="765051" y="220717"/>
+            <a:ext cx="3634328" cy="877163"/>
           </a:xfrm>
           <a:prstGeom prst="rect">
             <a:avLst/>
           </a:prstGeom>
+          <a:noFill/>
         </p:spPr>
-      </p:pic>
+        <p:txBody>
+          <a:bodyPr wrap="none" rtlCol="0">
+            <a:spAutoFit/>
+          </a:bodyPr>
+          <a:lstStyle/>
+          <a:p>
+            <a:r>
+              <a:rPr lang="ru-RU" sz="5100" dirty="0" smtClean="0">
+                <a:latin typeface="+mj-lt"/>
+              </a:rPr>
+              <a:t>Реализация</a:t>
+            </a:r>
+            <a:endParaRPr lang="ru-RU" sz="5100" dirty="0">
+              <a:latin typeface="+mj-lt"/>
+            </a:endParaRPr>
+          </a:p>
+        </p:txBody>
+      </p:sp>
     </p:spTree>
     <p:extLst>
       <p:ext uri="{BB962C8B-B14F-4D97-AF65-F5344CB8AC3E}">
-        <p14:creationId xmlns:p14="http://schemas.microsoft.com/office/powerpoint/2010/main" val="2136627036"/>
+        <p14:creationId xmlns:p14="http://schemas.microsoft.com/office/powerpoint/2010/main" val="3276543212"/>
       </p:ext>
     </p:extLst>
   </p:cSld>
   <p:clrMapOvr>
     <a:masterClrMapping/>
   </p:clrMapOvr>
+  <p:timing>
+    <p:tnLst>
+      <p:par>
+        <p:cTn id="1" dur="indefinite" restart="never" nodeType="tmRoot"/>
+      </p:par>
+    </p:tnLst>
+  </p:timing>
 </p:sld>
 </file>
 
@@ -4527,13 +7636,7 @@
       </p:grpSpPr>
       <p:sp>
         <p:nvSpPr>
-          <p:cNvPr id="2" name="Заголовок 1">
-            <a:extLst>
-              <a:ext uri="{FF2B5EF4-FFF2-40B4-BE49-F238E27FC236}">
-                <a16:creationId xmlns:a16="http://schemas.microsoft.com/office/drawing/2014/main" id="{FECFDD99-75A9-446F-91E0-71471C39222B}"/>
-              </a:ext>
-            </a:extLst>
-          </p:cNvPr>
+          <p:cNvPr id="8" name="Заголовок 7"/>
           <p:cNvSpPr>
             <a:spLocks noGrp="1"/>
           </p:cNvSpPr>
@@ -4543,50 +7646,61 @@
         </p:nvSpPr>
         <p:spPr>
           <a:xfrm>
-            <a:off x="444617" y="411062"/>
-            <a:ext cx="4479721" cy="579538"/>
+            <a:off x="8337884" y="439335"/>
+            <a:ext cx="3092115" cy="439925"/>
           </a:xfrm>
         </p:spPr>
         <p:txBody>
-          <a:bodyPr>
-            <a:normAutofit fontScale="90000"/>
-          </a:bodyPr>
+          <a:bodyPr/>
           <a:lstStyle/>
           <a:p>
             <a:r>
-              <a:rPr lang="ru-RU" sz="4000" b="1" dirty="0"/>
-              <a:t>Реализация</a:t>
-            </a:r>
+              <a:rPr lang="en-US" dirty="0">
+                <a:latin typeface="Corbel" panose="020B0503020204020204" pitchFamily="34" charset="0"/>
+              </a:rPr>
+              <a:t>ORM</a:t>
+            </a:r>
+            <a:r>
+              <a:rPr lang="ru-RU" dirty="0" smtClean="0">
+                <a:latin typeface="Corbel" panose="020B0503020204020204" pitchFamily="34" charset="0"/>
+              </a:rPr>
+              <a:t>-модели</a:t>
+            </a:r>
+            <a:endParaRPr lang="ru-RU" dirty="0">
+              <a:latin typeface="Corbel" panose="020B0503020204020204" pitchFamily="34" charset="0"/>
+            </a:endParaRPr>
           </a:p>
         </p:txBody>
       </p:sp>
+      <p:pic>
+        <p:nvPicPr>
+          <p:cNvPr id="6" name="Объект 5"/>
+          <p:cNvPicPr>
+            <a:picLocks noGrp="1" noChangeAspect="1"/>
+          </p:cNvPicPr>
+          <p:nvPr>
+            <p:ph idx="1"/>
+          </p:nvPr>
+        </p:nvPicPr>
+        <p:blipFill>
+          <a:blip r:embed="rId2"/>
+          <a:stretch>
+            <a:fillRect/>
+          </a:stretch>
+        </p:blipFill>
+        <p:spPr>
+          <a:xfrm>
+            <a:off x="765051" y="1270822"/>
+            <a:ext cx="5868937" cy="4934222"/>
+          </a:xfrm>
+          <a:prstGeom prst="rect">
+            <a:avLst/>
+          </a:prstGeom>
+        </p:spPr>
+      </p:pic>
       <p:sp>
         <p:nvSpPr>
-          <p:cNvPr id="3" name="Рисунок 2">
-            <a:extLst>
-              <a:ext uri="{FF2B5EF4-FFF2-40B4-BE49-F238E27FC236}">
-                <a16:creationId xmlns:a16="http://schemas.microsoft.com/office/drawing/2014/main" id="{F129651D-4860-4720-A1E7-936636EB67BC}"/>
-              </a:ext>
-            </a:extLst>
-          </p:cNvPr>
-          <p:cNvSpPr>
-            <a:spLocks noGrp="1"/>
-          </p:cNvSpPr>
-          <p:nvPr>
-            <p:ph type="pic" idx="1"/>
-          </p:nvPr>
-        </p:nvSpPr>
-        <p:spPr/>
-      </p:sp>
-      <p:sp>
-        <p:nvSpPr>
-          <p:cNvPr id="4" name="Текст 3">
-            <a:extLst>
-              <a:ext uri="{FF2B5EF4-FFF2-40B4-BE49-F238E27FC236}">
-                <a16:creationId xmlns:a16="http://schemas.microsoft.com/office/drawing/2014/main" id="{B6B2965A-65C1-48FC-9027-D68AA131F8A3}"/>
-              </a:ext>
-            </a:extLst>
-          </p:cNvPr>
+          <p:cNvPr id="10" name="Текст 9"/>
           <p:cNvSpPr>
             <a:spLocks noGrp="1"/>
           </p:cNvSpPr>
@@ -4596,225 +7710,602 @@
         </p:nvSpPr>
         <p:spPr>
           <a:xfrm>
-            <a:off x="444617" y="990600"/>
-            <a:ext cx="4479721" cy="5456338"/>
+            <a:off x="8337885" y="1097880"/>
+            <a:ext cx="3092115" cy="4807620"/>
           </a:xfrm>
         </p:spPr>
         <p:txBody>
           <a:bodyPr>
-            <a:normAutofit fontScale="92500" lnSpcReduction="10000"/>
+            <a:noAutofit/>
           </a:bodyPr>
           <a:lstStyle/>
           <a:p>
-            <a:r>
-              <a:rPr lang="ru-RU" b="1" dirty="0"/>
-              <a:t>Обработчики</a:t>
-            </a:r>
-            <a:r>
-              <a:rPr lang="en-US" b="1" dirty="0"/>
+            <a:pPr lvl="0">
+              <a:spcBef>
+                <a:spcPts val="600"/>
+              </a:spcBef>
+              <a:spcAft>
+                <a:spcPts val="600"/>
+              </a:spcAft>
+            </a:pPr>
+            <a:r>
+              <a:rPr lang="en-US" sz="1300" b="1" dirty="0" smtClean="0">
+                <a:latin typeface="Corbel Light" panose="020B0303020204020204" pitchFamily="34" charset="0"/>
+              </a:rPr>
+              <a:t>Question (</a:t>
+            </a:r>
+            <a:r>
+              <a:rPr lang="ru-RU" sz="1300" b="1" dirty="0" smtClean="0">
+                <a:latin typeface="Corbel Light" panose="020B0303020204020204" pitchFamily="34" charset="0"/>
+              </a:rPr>
+              <a:t>Вопрос</a:t>
+            </a:r>
+            <a:r>
+              <a:rPr lang="en-US" sz="1300" b="1" dirty="0" smtClean="0">
+                <a:latin typeface="Corbel Light" panose="020B0303020204020204" pitchFamily="34" charset="0"/>
+              </a:rPr>
+              <a:t>)</a:t>
+            </a:r>
+            <a:r>
+              <a:rPr lang="ru-RU" sz="1300" b="1" dirty="0" smtClean="0">
+                <a:latin typeface="Corbel Light" panose="020B0303020204020204" pitchFamily="34" charset="0"/>
+              </a:rPr>
               <a:t>:</a:t>
             </a:r>
-            <a:endParaRPr lang="ru-RU" b="1" dirty="0"/>
-          </a:p>
-          <a:p>
-            <a:pPr marL="285750" lvl="0" indent="-285750">
+          </a:p>
+          <a:p>
+            <a:pPr marL="457200" lvl="0" indent="-457200">
+              <a:spcBef>
+                <a:spcPts val="600"/>
+              </a:spcBef>
+              <a:spcAft>
+                <a:spcPts val="600"/>
+              </a:spcAft>
+              <a:buClr>
+                <a:schemeClr val="bg2"/>
+              </a:buClr>
               <a:buFont typeface="Arial" panose="020B0604020202020204" pitchFamily="34" charset="0"/>
               <a:buChar char="•"/>
             </a:pPr>
             <a:r>
-              <a:rPr lang="en-US" b="1" i="1" dirty="0"/>
-              <a:t>start</a:t>
-            </a:r>
-            <a:r>
-              <a:rPr lang="ru-RU" dirty="0"/>
-              <a:t> – приветствие с пользователем и предоставление ему информации о командах бота</a:t>
-            </a:r>
-          </a:p>
-          <a:p>
-            <a:pPr marL="285750" lvl="0" indent="-285750">
+              <a:rPr lang="en-US" sz="1300" i="1" dirty="0" smtClean="0">
+                <a:solidFill>
+                  <a:schemeClr val="bg2"/>
+                </a:solidFill>
+                <a:latin typeface="Corbel Light" panose="020B0303020204020204" pitchFamily="34" charset="0"/>
+              </a:rPr>
+              <a:t>Id</a:t>
+            </a:r>
+            <a:r>
+              <a:rPr lang="en-US" sz="1300" dirty="0" smtClean="0">
+                <a:solidFill>
+                  <a:schemeClr val="bg2"/>
+                </a:solidFill>
+                <a:latin typeface="Corbel Light" panose="020B0303020204020204" pitchFamily="34" charset="0"/>
+              </a:rPr>
+              <a:t> – </a:t>
+            </a:r>
+            <a:r>
+              <a:rPr lang="ru-RU" sz="1300" dirty="0" smtClean="0">
+                <a:solidFill>
+                  <a:schemeClr val="bg2"/>
+                </a:solidFill>
+                <a:latin typeface="Corbel Light" panose="020B0303020204020204" pitchFamily="34" charset="0"/>
+              </a:rPr>
+              <a:t>идентификатор вопроса.</a:t>
+            </a:r>
+          </a:p>
+          <a:p>
+            <a:pPr marL="457200" lvl="0" indent="-457200">
+              <a:spcBef>
+                <a:spcPts val="600"/>
+              </a:spcBef>
+              <a:spcAft>
+                <a:spcPts val="600"/>
+              </a:spcAft>
+              <a:buClr>
+                <a:schemeClr val="bg2"/>
+              </a:buClr>
               <a:buFont typeface="Arial" panose="020B0604020202020204" pitchFamily="34" charset="0"/>
               <a:buChar char="•"/>
             </a:pPr>
             <a:r>
-              <a:rPr lang="en-US" b="1" i="1" dirty="0"/>
-              <a:t>game</a:t>
-            </a:r>
-            <a:r>
-              <a:rPr lang="en-US" dirty="0"/>
-              <a:t> </a:t>
-            </a:r>
-            <a:r>
-              <a:rPr lang="ru-RU" dirty="0"/>
-              <a:t>– викторина со случайными вопросами</a:t>
-            </a:r>
-          </a:p>
-          <a:p>
-            <a:pPr marL="285750" lvl="0" indent="-285750">
+              <a:rPr lang="en-US" sz="1300" i="1" dirty="0" smtClean="0">
+                <a:solidFill>
+                  <a:schemeClr val="bg2"/>
+                </a:solidFill>
+                <a:latin typeface="Corbel Light" panose="020B0303020204020204" pitchFamily="34" charset="0"/>
+              </a:rPr>
+              <a:t>text</a:t>
+            </a:r>
+            <a:r>
+              <a:rPr lang="en-US" sz="1300" dirty="0" smtClean="0">
+                <a:solidFill>
+                  <a:schemeClr val="bg2"/>
+                </a:solidFill>
+                <a:latin typeface="Corbel Light" panose="020B0303020204020204" pitchFamily="34" charset="0"/>
+              </a:rPr>
+              <a:t> – </a:t>
+            </a:r>
+            <a:r>
+              <a:rPr lang="ru-RU" sz="1300" dirty="0" smtClean="0">
+                <a:solidFill>
+                  <a:schemeClr val="bg2"/>
+                </a:solidFill>
+                <a:latin typeface="Corbel Light" panose="020B0303020204020204" pitchFamily="34" charset="0"/>
+              </a:rPr>
+              <a:t>текст вопроса.</a:t>
+            </a:r>
+          </a:p>
+          <a:p>
+            <a:pPr marL="457200" lvl="0" indent="-457200">
+              <a:spcBef>
+                <a:spcPts val="600"/>
+              </a:spcBef>
+              <a:spcAft>
+                <a:spcPts val="600"/>
+              </a:spcAft>
+              <a:buClr>
+                <a:schemeClr val="bg2"/>
+              </a:buClr>
               <a:buFont typeface="Arial" panose="020B0604020202020204" pitchFamily="34" charset="0"/>
               <a:buChar char="•"/>
             </a:pPr>
             <a:r>
-              <a:rPr lang="en-US" b="1" i="1" dirty="0"/>
-              <a:t>results</a:t>
-            </a:r>
-            <a:r>
-              <a:rPr lang="en-US" dirty="0"/>
-              <a:t> – </a:t>
-            </a:r>
-            <a:r>
-              <a:rPr lang="ru-RU" dirty="0"/>
-              <a:t>проверка на правильность ответа</a:t>
-            </a:r>
-          </a:p>
-          <a:p>
-            <a:pPr marL="285750" lvl="0" indent="-285750">
+              <a:rPr lang="en-US" sz="1300" i="1" dirty="0" smtClean="0">
+                <a:solidFill>
+                  <a:schemeClr val="bg2"/>
+                </a:solidFill>
+                <a:latin typeface="Corbel Light" panose="020B0303020204020204" pitchFamily="34" charset="0"/>
+              </a:rPr>
+              <a:t>correct</a:t>
+            </a:r>
+            <a:r>
+              <a:rPr lang="ru-RU" sz="1300" i="1" dirty="0" smtClean="0">
+                <a:solidFill>
+                  <a:schemeClr val="bg2"/>
+                </a:solidFill>
+                <a:latin typeface="Corbel Light" panose="020B0303020204020204" pitchFamily="34" charset="0"/>
+              </a:rPr>
+              <a:t>_</a:t>
+            </a:r>
+            <a:r>
+              <a:rPr lang="en-US" sz="1300" i="1" dirty="0" smtClean="0">
+                <a:solidFill>
+                  <a:schemeClr val="bg2"/>
+                </a:solidFill>
+                <a:latin typeface="Corbel Light" panose="020B0303020204020204" pitchFamily="34" charset="0"/>
+              </a:rPr>
+              <a:t>answer </a:t>
+            </a:r>
+            <a:r>
+              <a:rPr lang="en-US" sz="1300" dirty="0" smtClean="0">
+                <a:solidFill>
+                  <a:schemeClr val="bg2"/>
+                </a:solidFill>
+                <a:latin typeface="Corbel Light" panose="020B0303020204020204" pitchFamily="34" charset="0"/>
+              </a:rPr>
+              <a:t>– </a:t>
+            </a:r>
+            <a:r>
+              <a:rPr lang="ru-RU" sz="1300" dirty="0" smtClean="0">
+                <a:solidFill>
+                  <a:schemeClr val="bg2"/>
+                </a:solidFill>
+                <a:latin typeface="Corbel Light" panose="020B0303020204020204" pitchFamily="34" charset="0"/>
+              </a:rPr>
+              <a:t>правильный ответ.</a:t>
+            </a:r>
+          </a:p>
+          <a:p>
+            <a:pPr marL="457200" lvl="0" indent="-457200">
+              <a:spcBef>
+                <a:spcPts val="600"/>
+              </a:spcBef>
+              <a:spcAft>
+                <a:spcPts val="600"/>
+              </a:spcAft>
+              <a:buClr>
+                <a:schemeClr val="bg2"/>
+              </a:buClr>
               <a:buFont typeface="Arial" panose="020B0604020202020204" pitchFamily="34" charset="0"/>
               <a:buChar char="•"/>
             </a:pPr>
             <a:r>
-              <a:rPr lang="en-US" b="1" i="1" dirty="0"/>
-              <a:t>fork </a:t>
-            </a:r>
-            <a:r>
-              <a:rPr lang="ru-RU" b="1" i="1" dirty="0"/>
-              <a:t>(</a:t>
-            </a:r>
-            <a:r>
-              <a:rPr lang="en-US" b="1" i="1" dirty="0"/>
-              <a:t>cat</a:t>
-            </a:r>
-            <a:r>
-              <a:rPr lang="ru-RU" b="1" i="1" dirty="0"/>
+              <a:rPr lang="en-US" sz="1300" i="1" dirty="0" smtClean="0">
+                <a:solidFill>
+                  <a:schemeClr val="bg2"/>
+                </a:solidFill>
+                <a:latin typeface="Corbel Light" panose="020B0303020204020204" pitchFamily="34" charset="0"/>
+              </a:rPr>
+              <a:t>other</a:t>
+            </a:r>
+            <a:r>
+              <a:rPr lang="ru-RU" sz="1300" i="1" dirty="0" smtClean="0">
+                <a:solidFill>
+                  <a:schemeClr val="bg2"/>
+                </a:solidFill>
+                <a:latin typeface="Corbel Light" panose="020B0303020204020204" pitchFamily="34" charset="0"/>
+              </a:rPr>
               <a:t>_</a:t>
             </a:r>
             <a:r>
-              <a:rPr lang="en-US" b="1" i="1" dirty="0"/>
-              <a:t>fork</a:t>
-            </a:r>
-            <a:r>
-              <a:rPr lang="ru-RU" b="1" i="1" dirty="0"/>
-              <a:t>)</a:t>
-            </a:r>
-            <a:r>
-              <a:rPr lang="ru-RU" i="1" dirty="0"/>
-              <a:t> </a:t>
-            </a:r>
-            <a:r>
-              <a:rPr lang="ru-RU" dirty="0"/>
-              <a:t>– уточняет у пользователя, хочет ли он продолжить викторину</a:t>
-            </a:r>
-          </a:p>
-          <a:p>
-            <a:pPr marL="285750" lvl="0" indent="-285750">
+              <a:rPr lang="en-US" sz="1300" i="1" dirty="0" smtClean="0">
+                <a:solidFill>
+                  <a:schemeClr val="bg2"/>
+                </a:solidFill>
+                <a:latin typeface="Corbel Light" panose="020B0303020204020204" pitchFamily="34" charset="0"/>
+              </a:rPr>
+              <a:t>answers </a:t>
+            </a:r>
+            <a:r>
+              <a:rPr lang="en-US" sz="1300" dirty="0" smtClean="0">
+                <a:solidFill>
+                  <a:schemeClr val="bg2"/>
+                </a:solidFill>
+                <a:latin typeface="Corbel Light" panose="020B0303020204020204" pitchFamily="34" charset="0"/>
+              </a:rPr>
+              <a:t>– </a:t>
+            </a:r>
+            <a:r>
+              <a:rPr lang="ru-RU" sz="1300" dirty="0" smtClean="0">
+                <a:solidFill>
+                  <a:schemeClr val="bg2"/>
+                </a:solidFill>
+                <a:latin typeface="Corbel Light" panose="020B0303020204020204" pitchFamily="34" charset="0"/>
+              </a:rPr>
+              <a:t>неправильные ответы.</a:t>
+            </a:r>
+          </a:p>
+          <a:p>
+            <a:pPr marL="457200" lvl="0" indent="-457200">
+              <a:spcBef>
+                <a:spcPts val="600"/>
+              </a:spcBef>
+              <a:spcAft>
+                <a:spcPts val="600"/>
+              </a:spcAft>
+              <a:buClr>
+                <a:schemeClr val="bg2"/>
+              </a:buClr>
               <a:buFont typeface="Arial" panose="020B0604020202020204" pitchFamily="34" charset="0"/>
               <a:buChar char="•"/>
             </a:pPr>
             <a:r>
-              <a:rPr lang="en-US" b="1" i="1" dirty="0"/>
-              <a:t>categories</a:t>
-            </a:r>
-            <a:r>
-              <a:rPr lang="en-US" dirty="0"/>
+              <a:rPr lang="en-US" sz="1300" i="1" dirty="0" smtClean="0">
+                <a:solidFill>
+                  <a:schemeClr val="bg2"/>
+                </a:solidFill>
+                <a:latin typeface="Corbel Light" panose="020B0303020204020204" pitchFamily="34" charset="0"/>
+              </a:rPr>
+              <a:t>attachment</a:t>
+            </a:r>
+            <a:r>
+              <a:rPr lang="en-US" sz="1300" dirty="0" smtClean="0">
+                <a:solidFill>
+                  <a:schemeClr val="bg2"/>
+                </a:solidFill>
+                <a:latin typeface="Corbel Light" panose="020B0303020204020204" pitchFamily="34" charset="0"/>
+              </a:rPr>
               <a:t> – </a:t>
             </a:r>
             <a:r>
-              <a:rPr lang="ru-RU" dirty="0"/>
-              <a:t>выбор категории</a:t>
-            </a:r>
-          </a:p>
-          <a:p>
-            <a:pPr marL="285750" lvl="0" indent="-285750">
+              <a:rPr lang="ru-RU" sz="1300" dirty="0" smtClean="0">
+                <a:solidFill>
+                  <a:schemeClr val="bg2"/>
+                </a:solidFill>
+                <a:latin typeface="Corbel Light" panose="020B0303020204020204" pitchFamily="34" charset="0"/>
+              </a:rPr>
+              <a:t>приложение (картинка).</a:t>
+            </a:r>
+          </a:p>
+          <a:p>
+            <a:pPr marL="457200" lvl="0" indent="-457200">
+              <a:spcBef>
+                <a:spcPts val="600"/>
+              </a:spcBef>
+              <a:spcAft>
+                <a:spcPts val="600"/>
+              </a:spcAft>
+              <a:buClr>
+                <a:schemeClr val="bg2"/>
+              </a:buClr>
               <a:buFont typeface="Arial" panose="020B0604020202020204" pitchFamily="34" charset="0"/>
               <a:buChar char="•"/>
             </a:pPr>
             <a:r>
-              <a:rPr lang="en-US" b="1" i="1" dirty="0"/>
-              <a:t>categories</a:t>
-            </a:r>
-            <a:r>
-              <a:rPr lang="ru-RU" b="1" i="1" dirty="0"/>
+              <a:rPr lang="en-US" sz="1300" i="1" dirty="0" smtClean="0">
+                <a:solidFill>
+                  <a:schemeClr val="bg2"/>
+                </a:solidFill>
+                <a:latin typeface="Corbel Light" panose="020B0303020204020204" pitchFamily="34" charset="0"/>
+              </a:rPr>
+              <a:t>category</a:t>
+            </a:r>
+            <a:r>
+              <a:rPr lang="ru-RU" sz="1300" i="1" dirty="0" smtClean="0">
+                <a:solidFill>
+                  <a:schemeClr val="bg2"/>
+                </a:solidFill>
+                <a:latin typeface="Corbel Light" panose="020B0303020204020204" pitchFamily="34" charset="0"/>
+              </a:rPr>
               <a:t>_</a:t>
             </a:r>
             <a:r>
-              <a:rPr lang="en-US" b="1" i="1" dirty="0"/>
-              <a:t>game </a:t>
-            </a:r>
-            <a:r>
-              <a:rPr lang="ru-RU" dirty="0"/>
-              <a:t>– викторина по выбранной категории</a:t>
-            </a:r>
-          </a:p>
-          <a:p>
-            <a:pPr marL="285750" lvl="0" indent="-285750">
+              <a:rPr lang="en-US" sz="1300" i="1" dirty="0" smtClean="0">
+                <a:solidFill>
+                  <a:schemeClr val="bg2"/>
+                </a:solidFill>
+                <a:latin typeface="Corbel Light" panose="020B0303020204020204" pitchFamily="34" charset="0"/>
+              </a:rPr>
+              <a:t>id </a:t>
+            </a:r>
+            <a:r>
+              <a:rPr lang="en-US" sz="1300" dirty="0" smtClean="0">
+                <a:solidFill>
+                  <a:schemeClr val="bg2"/>
+                </a:solidFill>
+                <a:latin typeface="Corbel Light" panose="020B0303020204020204" pitchFamily="34" charset="0"/>
+              </a:rPr>
+              <a:t>– </a:t>
+            </a:r>
+            <a:r>
+              <a:rPr lang="ru-RU" sz="1300" dirty="0" smtClean="0">
+                <a:solidFill>
+                  <a:schemeClr val="bg2"/>
+                </a:solidFill>
+                <a:latin typeface="Corbel Light" panose="020B0303020204020204" pitchFamily="34" charset="0"/>
+              </a:rPr>
+              <a:t>идентификатор категории.</a:t>
+            </a:r>
+          </a:p>
+          <a:p>
+            <a:pPr lvl="0">
+              <a:spcBef>
+                <a:spcPts val="600"/>
+              </a:spcBef>
+              <a:spcAft>
+                <a:spcPts val="600"/>
+              </a:spcAft>
+            </a:pPr>
+            <a:r>
+              <a:rPr lang="en-US" sz="1300" b="1" dirty="0" smtClean="0">
+                <a:latin typeface="Corbel Light" panose="020B0303020204020204" pitchFamily="34" charset="0"/>
+              </a:rPr>
+              <a:t>Category (</a:t>
+            </a:r>
+            <a:r>
+              <a:rPr lang="ru-RU" sz="1300" b="1" dirty="0" smtClean="0">
+                <a:latin typeface="Corbel Light" panose="020B0303020204020204" pitchFamily="34" charset="0"/>
+              </a:rPr>
+              <a:t>Категория вопроса</a:t>
+            </a:r>
+            <a:r>
+              <a:rPr lang="en-US" sz="1300" b="1" dirty="0" smtClean="0">
+                <a:latin typeface="Corbel Light" panose="020B0303020204020204" pitchFamily="34" charset="0"/>
+              </a:rPr>
+              <a:t>)</a:t>
+            </a:r>
+            <a:r>
+              <a:rPr lang="ru-RU" sz="1300" b="1" dirty="0" smtClean="0">
+                <a:latin typeface="Corbel Light" panose="020B0303020204020204" pitchFamily="34" charset="0"/>
+              </a:rPr>
+              <a:t>:</a:t>
+            </a:r>
+          </a:p>
+          <a:p>
+            <a:pPr marL="457200" lvl="0" indent="-457200">
+              <a:spcBef>
+                <a:spcPts val="600"/>
+              </a:spcBef>
+              <a:spcAft>
+                <a:spcPts val="600"/>
+              </a:spcAft>
+              <a:buClr>
+                <a:schemeClr val="bg2"/>
+              </a:buClr>
               <a:buFont typeface="Arial" panose="020B0604020202020204" pitchFamily="34" charset="0"/>
               <a:buChar char="•"/>
             </a:pPr>
             <a:r>
-              <a:rPr lang="en-US" b="1" i="1" dirty="0"/>
-              <a:t>stat</a:t>
-            </a:r>
-            <a:r>
-              <a:rPr lang="en-US" dirty="0"/>
+              <a:rPr lang="en-US" sz="1300" i="1" dirty="0" smtClean="0">
+                <a:solidFill>
+                  <a:schemeClr val="bg2"/>
+                </a:solidFill>
+                <a:latin typeface="Corbel Light" panose="020B0303020204020204" pitchFamily="34" charset="0"/>
+              </a:rPr>
+              <a:t>Id</a:t>
+            </a:r>
+            <a:r>
+              <a:rPr lang="en-US" sz="1300" dirty="0" smtClean="0">
+                <a:solidFill>
+                  <a:schemeClr val="bg2"/>
+                </a:solidFill>
+                <a:latin typeface="Corbel Light" panose="020B0303020204020204" pitchFamily="34" charset="0"/>
+              </a:rPr>
               <a:t> – </a:t>
             </a:r>
             <a:r>
-              <a:rPr lang="ru-RU" dirty="0"/>
-              <a:t>рейтинг </a:t>
-            </a:r>
-          </a:p>
-          <a:p>
-            <a:pPr marL="285750" lvl="0" indent="-285750">
+              <a:rPr lang="ru-RU" sz="1300" dirty="0" smtClean="0">
+                <a:solidFill>
+                  <a:schemeClr val="bg2"/>
+                </a:solidFill>
+                <a:latin typeface="Corbel Light" panose="020B0303020204020204" pitchFamily="34" charset="0"/>
+              </a:rPr>
+              <a:t>идентификатор категории.</a:t>
+            </a:r>
+          </a:p>
+          <a:p>
+            <a:pPr marL="457200" lvl="0" indent="-457200">
+              <a:spcBef>
+                <a:spcPts val="600"/>
+              </a:spcBef>
+              <a:spcAft>
+                <a:spcPts val="600"/>
+              </a:spcAft>
+              <a:buClr>
+                <a:schemeClr val="bg2"/>
+              </a:buClr>
               <a:buFont typeface="Arial" panose="020B0604020202020204" pitchFamily="34" charset="0"/>
               <a:buChar char="•"/>
             </a:pPr>
             <a:r>
-              <a:rPr lang="en-US" b="1" i="1" dirty="0"/>
-              <a:t>help</a:t>
-            </a:r>
-            <a:r>
-              <a:rPr lang="ru-RU" b="1" i="1" dirty="0"/>
-              <a:t>_</a:t>
-            </a:r>
-            <a:r>
-              <a:rPr lang="en-US" b="1" i="1" dirty="0"/>
-              <a:t>command</a:t>
-            </a:r>
-            <a:r>
-              <a:rPr lang="ru-RU" b="1" i="1" dirty="0"/>
-              <a:t> </a:t>
-            </a:r>
-            <a:r>
-              <a:rPr lang="ru-RU" dirty="0"/>
-              <a:t>– вывод информации об авторах бота</a:t>
-            </a:r>
-          </a:p>
-          <a:p>
-            <a:pPr marL="285750" lvl="0" indent="-285750">
-              <a:buFont typeface="Arial" panose="020B0604020202020204" pitchFamily="34" charset="0"/>
-              <a:buChar char="•"/>
-            </a:pPr>
-            <a:r>
-              <a:rPr lang="en-US" b="1" i="1" dirty="0"/>
-              <a:t>stop</a:t>
-            </a:r>
-            <a:r>
-              <a:rPr lang="en-US" dirty="0"/>
+              <a:rPr lang="en-US" sz="1300" i="1" dirty="0" smtClean="0">
+                <a:solidFill>
+                  <a:schemeClr val="bg2"/>
+                </a:solidFill>
+                <a:latin typeface="Corbel Light" panose="020B0303020204020204" pitchFamily="34" charset="0"/>
+              </a:rPr>
+              <a:t>title</a:t>
+            </a:r>
+            <a:r>
+              <a:rPr lang="en-US" sz="1300" dirty="0" smtClean="0">
+                <a:solidFill>
+                  <a:schemeClr val="bg2"/>
+                </a:solidFill>
+                <a:latin typeface="Corbel Light" panose="020B0303020204020204" pitchFamily="34" charset="0"/>
+              </a:rPr>
               <a:t> – </a:t>
             </a:r>
             <a:r>
-              <a:rPr lang="ru-RU" dirty="0"/>
-              <a:t>завершение сессии.</a:t>
-            </a:r>
+              <a:rPr lang="ru-RU" sz="1300" dirty="0" smtClean="0">
+                <a:solidFill>
+                  <a:schemeClr val="bg2"/>
+                </a:solidFill>
+                <a:latin typeface="Corbel Light" panose="020B0303020204020204" pitchFamily="34" charset="0"/>
+              </a:rPr>
+              <a:t>название категории</a:t>
+            </a:r>
+            <a:r>
+              <a:rPr lang="en-US" sz="1300" dirty="0" smtClean="0">
+                <a:solidFill>
+                  <a:schemeClr val="bg2"/>
+                </a:solidFill>
+                <a:latin typeface="Corbel Light" panose="020B0303020204020204" pitchFamily="34" charset="0"/>
+              </a:rPr>
+              <a:t>.</a:t>
+            </a:r>
+            <a:endParaRPr lang="ru-RU" sz="1300" dirty="0">
+              <a:solidFill>
+                <a:schemeClr val="bg2"/>
+              </a:solidFill>
+              <a:latin typeface="Corbel Light" panose="020B0303020204020204" pitchFamily="34" charset="0"/>
+            </a:endParaRPr>
+          </a:p>
+        </p:txBody>
+      </p:sp>
+      <p:sp>
+        <p:nvSpPr>
+          <p:cNvPr id="11" name="TextBox 10"/>
+          <p:cNvSpPr txBox="1"/>
+          <p:nvPr/>
+        </p:nvSpPr>
+        <p:spPr>
+          <a:xfrm>
+            <a:off x="765051" y="220717"/>
+            <a:ext cx="3634328" cy="877163"/>
+          </a:xfrm>
+          <a:prstGeom prst="rect">
+            <a:avLst/>
+          </a:prstGeom>
+          <a:noFill/>
+        </p:spPr>
+        <p:txBody>
+          <a:bodyPr wrap="none" rtlCol="0">
+            <a:spAutoFit/>
+          </a:bodyPr>
+          <a:lstStyle/>
+          <a:p>
+            <a:r>
+              <a:rPr lang="ru-RU" sz="5100" dirty="0" smtClean="0">
+                <a:latin typeface="+mj-lt"/>
+              </a:rPr>
+              <a:t>Реализация</a:t>
+            </a:r>
+            <a:endParaRPr lang="ru-RU" sz="5100" dirty="0">
+              <a:latin typeface="+mj-lt"/>
+            </a:endParaRPr>
+          </a:p>
+        </p:txBody>
+      </p:sp>
+    </p:spTree>
+    <p:extLst>
+      <p:ext uri="{BB962C8B-B14F-4D97-AF65-F5344CB8AC3E}">
+        <p14:creationId xmlns:p14="http://schemas.microsoft.com/office/powerpoint/2010/main" val="1304271908"/>
+      </p:ext>
+    </p:extLst>
+  </p:cSld>
+  <p:clrMapOvr>
+    <a:masterClrMapping/>
+  </p:clrMapOvr>
+  <p:timing>
+    <p:tnLst>
+      <p:par>
+        <p:cTn id="1" dur="indefinite" restart="never" nodeType="tmRoot"/>
+      </p:par>
+    </p:tnLst>
+  </p:timing>
+</p:sld>
+</file>
+
+<file path=ppt/slides/slide5.xml><?xml version="1.0" encoding="utf-8"?>
+<p:sld xmlns:a="http://schemas.openxmlformats.org/drawingml/2006/main" xmlns:r="http://schemas.openxmlformats.org/officeDocument/2006/relationships" xmlns:p="http://schemas.openxmlformats.org/presentationml/2006/main">
+  <p:cSld>
+    <p:spTree>
+      <p:nvGrpSpPr>
+        <p:cNvPr id="1" name=""/>
+        <p:cNvGrpSpPr/>
+        <p:nvPr/>
+      </p:nvGrpSpPr>
+      <p:grpSpPr>
+        <a:xfrm>
+          <a:off x="0" y="0"/>
+          <a:ext cx="0" cy="0"/>
+          <a:chOff x="0" y="0"/>
+          <a:chExt cx="0" cy="0"/>
+        </a:xfrm>
+      </p:grpSpPr>
+      <p:sp>
+        <p:nvSpPr>
+          <p:cNvPr id="8" name="Заголовок 7"/>
+          <p:cNvSpPr>
+            <a:spLocks noGrp="1"/>
+          </p:cNvSpPr>
+          <p:nvPr>
+            <p:ph type="title"/>
+          </p:nvPr>
+        </p:nvSpPr>
+        <p:spPr>
+          <a:xfrm>
+            <a:off x="8337884" y="439335"/>
+            <a:ext cx="3092115" cy="439925"/>
+          </a:xfrm>
+        </p:spPr>
+        <p:txBody>
+          <a:bodyPr/>
+          <a:lstStyle/>
+          <a:p>
+            <a:r>
+              <a:rPr lang="ru-RU" dirty="0" smtClean="0">
+                <a:latin typeface="Corbel" panose="020B0503020204020204" pitchFamily="34" charset="0"/>
+              </a:rPr>
+              <a:t>Обработчики</a:t>
+            </a:r>
+            <a:endParaRPr lang="ru-RU" dirty="0">
+              <a:latin typeface="Corbel" panose="020B0503020204020204" pitchFamily="34" charset="0"/>
+            </a:endParaRPr>
           </a:p>
         </p:txBody>
       </p:sp>
       <p:pic>
         <p:nvPicPr>
-          <p:cNvPr id="7" name="Рисунок 6"/>
+          <p:cNvPr id="3" name="Объект 2"/>
           <p:cNvPicPr>
-            <a:picLocks noChangeAspect="1"/>
+            <a:picLocks noGrp="1" noChangeAspect="1"/>
           </p:cNvPicPr>
-          <p:nvPr/>
+          <p:nvPr>
+            <p:ph idx="1"/>
+          </p:nvPr>
         </p:nvPicPr>
         <p:blipFill>
           <a:blip r:embed="rId2"/>
@@ -4824,28 +8315,389 @@
         </p:blipFill>
         <p:spPr>
           <a:xfrm>
-            <a:off x="5752147" y="814386"/>
-            <a:ext cx="6219825" cy="5229225"/>
+            <a:off x="765175" y="2125904"/>
+            <a:ext cx="6157913" cy="2574441"/>
           </a:xfrm>
           <a:prstGeom prst="rect">
             <a:avLst/>
           </a:prstGeom>
         </p:spPr>
       </p:pic>
+      <p:sp>
+        <p:nvSpPr>
+          <p:cNvPr id="10" name="Текст 9"/>
+          <p:cNvSpPr>
+            <a:spLocks noGrp="1"/>
+          </p:cNvSpPr>
+          <p:nvPr>
+            <p:ph type="body" sz="half" idx="2"/>
+          </p:nvPr>
+        </p:nvSpPr>
+        <p:spPr>
+          <a:xfrm>
+            <a:off x="8337885" y="1097880"/>
+            <a:ext cx="3092115" cy="4807620"/>
+          </a:xfrm>
+        </p:spPr>
+        <p:txBody>
+          <a:bodyPr>
+            <a:noAutofit/>
+          </a:bodyPr>
+          <a:lstStyle/>
+          <a:p>
+            <a:pPr marL="285750" indent="-285750">
+              <a:spcBef>
+                <a:spcPts val="600"/>
+              </a:spcBef>
+              <a:buClr>
+                <a:schemeClr val="bg2"/>
+              </a:buClr>
+              <a:buFont typeface="Arial" panose="020B0604020202020204" pitchFamily="34" charset="0"/>
+              <a:buChar char="•"/>
+            </a:pPr>
+            <a:r>
+              <a:rPr lang="en-US" sz="1400" i="1" dirty="0" smtClean="0">
+                <a:latin typeface="Corbel Light" panose="020B0303020204020204" pitchFamily="34" charset="0"/>
+              </a:rPr>
+              <a:t>start</a:t>
+            </a:r>
+            <a:r>
+              <a:rPr lang="ru-RU" sz="1400" dirty="0" smtClean="0">
+                <a:latin typeface="Corbel Light" panose="020B0303020204020204" pitchFamily="34" charset="0"/>
+              </a:rPr>
+              <a:t> </a:t>
+            </a:r>
+            <a:r>
+              <a:rPr lang="ru-RU" sz="1400" dirty="0">
+                <a:latin typeface="Corbel Light" panose="020B0303020204020204" pitchFamily="34" charset="0"/>
+              </a:rPr>
+              <a:t>– приветствие с пользователем и предоставление ему информации о командах </a:t>
+            </a:r>
+            <a:r>
+              <a:rPr lang="ru-RU" sz="1400" dirty="0" smtClean="0">
+                <a:latin typeface="Corbel Light" panose="020B0303020204020204" pitchFamily="34" charset="0"/>
+              </a:rPr>
+              <a:t>бота</a:t>
+            </a:r>
+          </a:p>
+          <a:p>
+            <a:pPr marL="285750" indent="-285750">
+              <a:spcBef>
+                <a:spcPts val="600"/>
+              </a:spcBef>
+              <a:buClr>
+                <a:schemeClr val="bg2"/>
+              </a:buClr>
+              <a:buFont typeface="Arial" panose="020B0604020202020204" pitchFamily="34" charset="0"/>
+              <a:buChar char="•"/>
+            </a:pPr>
+            <a:r>
+              <a:rPr lang="en-US" sz="1400" i="1" dirty="0" smtClean="0">
+                <a:latin typeface="Corbel Light" panose="020B0303020204020204" pitchFamily="34" charset="0"/>
+              </a:rPr>
+              <a:t>game</a:t>
+            </a:r>
+            <a:r>
+              <a:rPr lang="en-US" sz="1400" dirty="0" smtClean="0">
+                <a:latin typeface="Corbel Light" panose="020B0303020204020204" pitchFamily="34" charset="0"/>
+              </a:rPr>
+              <a:t> </a:t>
+            </a:r>
+            <a:r>
+              <a:rPr lang="ru-RU" sz="1400" dirty="0">
+                <a:latin typeface="Corbel Light" panose="020B0303020204020204" pitchFamily="34" charset="0"/>
+              </a:rPr>
+              <a:t>– викторина со случайными </a:t>
+            </a:r>
+            <a:r>
+              <a:rPr lang="ru-RU" sz="1400" dirty="0" smtClean="0">
+                <a:latin typeface="Corbel Light" panose="020B0303020204020204" pitchFamily="34" charset="0"/>
+              </a:rPr>
+              <a:t>вопросами</a:t>
+            </a:r>
+          </a:p>
+          <a:p>
+            <a:pPr marL="285750" indent="-285750">
+              <a:spcBef>
+                <a:spcPts val="600"/>
+              </a:spcBef>
+              <a:buClr>
+                <a:schemeClr val="bg2"/>
+              </a:buClr>
+              <a:buFont typeface="Arial" panose="020B0604020202020204" pitchFamily="34" charset="0"/>
+              <a:buChar char="•"/>
+            </a:pPr>
+            <a:r>
+              <a:rPr lang="en-US" sz="1400" i="1" dirty="0" smtClean="0">
+                <a:latin typeface="Corbel Light" panose="020B0303020204020204" pitchFamily="34" charset="0"/>
+              </a:rPr>
+              <a:t>results</a:t>
+            </a:r>
+            <a:r>
+              <a:rPr lang="en-US" sz="1400" dirty="0" smtClean="0">
+                <a:latin typeface="Corbel Light" panose="020B0303020204020204" pitchFamily="34" charset="0"/>
+              </a:rPr>
+              <a:t> </a:t>
+            </a:r>
+            <a:r>
+              <a:rPr lang="en-US" sz="1400" dirty="0">
+                <a:latin typeface="Corbel Light" panose="020B0303020204020204" pitchFamily="34" charset="0"/>
+              </a:rPr>
+              <a:t>– </a:t>
+            </a:r>
+            <a:r>
+              <a:rPr lang="ru-RU" sz="1400" dirty="0">
+                <a:latin typeface="Corbel Light" panose="020B0303020204020204" pitchFamily="34" charset="0"/>
+              </a:rPr>
+              <a:t>проверка на правильность </a:t>
+            </a:r>
+            <a:r>
+              <a:rPr lang="ru-RU" sz="1400" dirty="0" smtClean="0">
+                <a:latin typeface="Corbel Light" panose="020B0303020204020204" pitchFamily="34" charset="0"/>
+              </a:rPr>
+              <a:t>ответа</a:t>
+            </a:r>
+          </a:p>
+          <a:p>
+            <a:pPr marL="285750" indent="-285750">
+              <a:spcBef>
+                <a:spcPts val="600"/>
+              </a:spcBef>
+              <a:buClr>
+                <a:schemeClr val="bg2"/>
+              </a:buClr>
+              <a:buFont typeface="Arial" panose="020B0604020202020204" pitchFamily="34" charset="0"/>
+              <a:buChar char="•"/>
+            </a:pPr>
+            <a:r>
+              <a:rPr lang="en-US" sz="1400" i="1" dirty="0" smtClean="0">
+                <a:latin typeface="Corbel Light" panose="020B0303020204020204" pitchFamily="34" charset="0"/>
+              </a:rPr>
+              <a:t>categories</a:t>
+            </a:r>
+            <a:r>
+              <a:rPr lang="en-US" sz="1400" dirty="0" smtClean="0">
+                <a:latin typeface="Corbel Light" panose="020B0303020204020204" pitchFamily="34" charset="0"/>
+              </a:rPr>
+              <a:t> </a:t>
+            </a:r>
+            <a:r>
+              <a:rPr lang="en-US" sz="1400" dirty="0">
+                <a:latin typeface="Corbel Light" panose="020B0303020204020204" pitchFamily="34" charset="0"/>
+              </a:rPr>
+              <a:t>– </a:t>
+            </a:r>
+            <a:r>
+              <a:rPr lang="ru-RU" sz="1400" dirty="0">
+                <a:latin typeface="Corbel Light" panose="020B0303020204020204" pitchFamily="34" charset="0"/>
+              </a:rPr>
+              <a:t>выбор </a:t>
+            </a:r>
+            <a:r>
+              <a:rPr lang="ru-RU" sz="1400" dirty="0" smtClean="0">
+                <a:latin typeface="Corbel Light" panose="020B0303020204020204" pitchFamily="34" charset="0"/>
+              </a:rPr>
+              <a:t>категории</a:t>
+            </a:r>
+          </a:p>
+          <a:p>
+            <a:pPr marL="285750" indent="-285750">
+              <a:spcBef>
+                <a:spcPts val="600"/>
+              </a:spcBef>
+              <a:buClr>
+                <a:schemeClr val="bg2"/>
+              </a:buClr>
+              <a:buFont typeface="Arial" panose="020B0604020202020204" pitchFamily="34" charset="0"/>
+              <a:buChar char="•"/>
+            </a:pPr>
+            <a:r>
+              <a:rPr lang="en-US" sz="1400" i="1" dirty="0" smtClean="0">
+                <a:latin typeface="Corbel Light" panose="020B0303020204020204" pitchFamily="34" charset="0"/>
+              </a:rPr>
+              <a:t>categories</a:t>
+            </a:r>
+            <a:r>
+              <a:rPr lang="ru-RU" sz="1400" i="1" dirty="0">
+                <a:latin typeface="Corbel Light" panose="020B0303020204020204" pitchFamily="34" charset="0"/>
+              </a:rPr>
+              <a:t>_</a:t>
+            </a:r>
+            <a:r>
+              <a:rPr lang="en-US" sz="1400" i="1" dirty="0">
+                <a:latin typeface="Corbel Light" panose="020B0303020204020204" pitchFamily="34" charset="0"/>
+              </a:rPr>
+              <a:t>game </a:t>
+            </a:r>
+            <a:r>
+              <a:rPr lang="ru-RU" sz="1400" dirty="0">
+                <a:latin typeface="Corbel Light" panose="020B0303020204020204" pitchFamily="34" charset="0"/>
+              </a:rPr>
+              <a:t>– викторина по выбранной категории</a:t>
+            </a:r>
+          </a:p>
+          <a:p>
+            <a:pPr marL="285750" lvl="0" indent="-285750">
+              <a:spcBef>
+                <a:spcPts val="600"/>
+              </a:spcBef>
+              <a:buClr>
+                <a:schemeClr val="bg2"/>
+              </a:buClr>
+              <a:buFont typeface="Arial" panose="020B0604020202020204" pitchFamily="34" charset="0"/>
+              <a:buChar char="•"/>
+            </a:pPr>
+            <a:r>
+              <a:rPr lang="en-US" sz="1400" i="1" dirty="0">
+                <a:latin typeface="Corbel Light" panose="020B0303020204020204" pitchFamily="34" charset="0"/>
+              </a:rPr>
+              <a:t>stat</a:t>
+            </a:r>
+            <a:r>
+              <a:rPr lang="en-US" sz="1400" dirty="0">
+                <a:latin typeface="Corbel Light" panose="020B0303020204020204" pitchFamily="34" charset="0"/>
+              </a:rPr>
+              <a:t> – </a:t>
+            </a:r>
+            <a:r>
+              <a:rPr lang="ru-RU" sz="1400" dirty="0">
+                <a:latin typeface="Corbel Light" panose="020B0303020204020204" pitchFamily="34" charset="0"/>
+              </a:rPr>
+              <a:t>рейтинг </a:t>
+            </a:r>
+          </a:p>
+          <a:p>
+            <a:pPr marL="285750" lvl="0" indent="-285750">
+              <a:spcBef>
+                <a:spcPts val="600"/>
+              </a:spcBef>
+              <a:buClr>
+                <a:schemeClr val="bg2"/>
+              </a:buClr>
+              <a:buFont typeface="Arial" panose="020B0604020202020204" pitchFamily="34" charset="0"/>
+              <a:buChar char="•"/>
+            </a:pPr>
+            <a:r>
+              <a:rPr lang="en-US" sz="1400" i="1" dirty="0">
+                <a:latin typeface="Corbel Light" panose="020B0303020204020204" pitchFamily="34" charset="0"/>
+              </a:rPr>
+              <a:t>help</a:t>
+            </a:r>
+            <a:r>
+              <a:rPr lang="ru-RU" sz="1400" i="1" dirty="0">
+                <a:latin typeface="Corbel Light" panose="020B0303020204020204" pitchFamily="34" charset="0"/>
+              </a:rPr>
+              <a:t>_</a:t>
+            </a:r>
+            <a:r>
+              <a:rPr lang="en-US" sz="1400" i="1" dirty="0">
+                <a:latin typeface="Corbel Light" panose="020B0303020204020204" pitchFamily="34" charset="0"/>
+              </a:rPr>
+              <a:t>command</a:t>
+            </a:r>
+            <a:r>
+              <a:rPr lang="ru-RU" sz="1400" i="1" dirty="0">
+                <a:latin typeface="Corbel Light" panose="020B0303020204020204" pitchFamily="34" charset="0"/>
+              </a:rPr>
+              <a:t> </a:t>
+            </a:r>
+            <a:r>
+              <a:rPr lang="ru-RU" sz="1400" dirty="0">
+                <a:latin typeface="Corbel Light" panose="020B0303020204020204" pitchFamily="34" charset="0"/>
+              </a:rPr>
+              <a:t>– вывод информации об авторах бота</a:t>
+            </a:r>
+          </a:p>
+          <a:p>
+            <a:pPr marL="285750" lvl="0" indent="-285750">
+              <a:spcBef>
+                <a:spcPts val="600"/>
+              </a:spcBef>
+              <a:buClr>
+                <a:schemeClr val="bg2"/>
+              </a:buClr>
+              <a:buFont typeface="Arial" panose="020B0604020202020204" pitchFamily="34" charset="0"/>
+              <a:buChar char="•"/>
+            </a:pPr>
+            <a:r>
+              <a:rPr lang="en-US" sz="1400" i="1" dirty="0">
+                <a:latin typeface="Corbel Light" panose="020B0303020204020204" pitchFamily="34" charset="0"/>
+              </a:rPr>
+              <a:t>stop</a:t>
+            </a:r>
+            <a:r>
+              <a:rPr lang="en-US" sz="1400" dirty="0">
+                <a:latin typeface="Corbel Light" panose="020B0303020204020204" pitchFamily="34" charset="0"/>
+              </a:rPr>
+              <a:t> – </a:t>
+            </a:r>
+            <a:r>
+              <a:rPr lang="ru-RU" sz="1400" dirty="0">
+                <a:latin typeface="Corbel Light" panose="020B0303020204020204" pitchFamily="34" charset="0"/>
+              </a:rPr>
+              <a:t>завершение сессии.</a:t>
+            </a:r>
+            <a:endParaRPr lang="ru-RU" sz="1400" dirty="0">
+              <a:latin typeface="Corbel Light" panose="020B0303020204020204" pitchFamily="34" charset="0"/>
+            </a:endParaRPr>
+          </a:p>
+        </p:txBody>
+      </p:sp>
+      <p:sp>
+        <p:nvSpPr>
+          <p:cNvPr id="11" name="TextBox 10"/>
+          <p:cNvSpPr txBox="1"/>
+          <p:nvPr/>
+        </p:nvSpPr>
+        <p:spPr>
+          <a:xfrm>
+            <a:off x="765051" y="220717"/>
+            <a:ext cx="3634328" cy="877163"/>
+          </a:xfrm>
+          <a:prstGeom prst="rect">
+            <a:avLst/>
+          </a:prstGeom>
+          <a:noFill/>
+        </p:spPr>
+        <p:txBody>
+          <a:bodyPr wrap="none" rtlCol="0">
+            <a:spAutoFit/>
+          </a:bodyPr>
+          <a:lstStyle/>
+          <a:p>
+            <a:r>
+              <a:rPr lang="ru-RU" sz="5100" dirty="0" smtClean="0">
+                <a:latin typeface="+mj-lt"/>
+              </a:rPr>
+              <a:t>Реализация</a:t>
+            </a:r>
+            <a:endParaRPr lang="ru-RU" sz="5100" dirty="0">
+              <a:latin typeface="+mj-lt"/>
+            </a:endParaRPr>
+          </a:p>
+        </p:txBody>
+      </p:sp>
     </p:spTree>
     <p:extLst>
       <p:ext uri="{BB962C8B-B14F-4D97-AF65-F5344CB8AC3E}">
-        <p14:creationId xmlns:p14="http://schemas.microsoft.com/office/powerpoint/2010/main" val="109549074"/>
+        <p14:creationId xmlns:p14="http://schemas.microsoft.com/office/powerpoint/2010/main" val="1076537373"/>
       </p:ext>
     </p:extLst>
   </p:cSld>
   <p:clrMapOvr>
     <a:masterClrMapping/>
   </p:clrMapOvr>
+  <p:timing>
+    <p:tnLst>
+      <p:par>
+        <p:cTn id="1" dur="indefinite" restart="never" nodeType="tmRoot"/>
+      </p:par>
+    </p:tnLst>
+  </p:timing>
 </p:sld>
 </file>
 
-<file path=ppt/slides/slide5.xml><?xml version="1.0" encoding="utf-8"?>
+<file path=ppt/slides/slide6.xml><?xml version="1.0" encoding="utf-8"?>
 <p:sld xmlns:a="http://schemas.openxmlformats.org/drawingml/2006/main" xmlns:r="http://schemas.openxmlformats.org/officeDocument/2006/relationships" xmlns:p="http://schemas.openxmlformats.org/presentationml/2006/main">
   <p:cSld>
     <p:spTree>
@@ -4906,7 +8758,12 @@
             <p:ph sz="half" idx="1"/>
           </p:nvPr>
         </p:nvSpPr>
-        <p:spPr/>
+        <p:spPr>
+          <a:xfrm>
+            <a:off x="1257300" y="1797269"/>
+            <a:ext cx="4800600" cy="4108231"/>
+          </a:xfrm>
+        </p:spPr>
         <p:txBody>
           <a:bodyPr/>
           <a:lstStyle/>
@@ -4915,33 +8772,91 @@
               <a:buNone/>
             </a:pPr>
             <a:r>
-              <a:rPr lang="ru-RU" b="1" dirty="0"/>
+              <a:rPr lang="ru-RU" b="1" dirty="0">
+                <a:solidFill>
+                  <a:schemeClr val="tx1"/>
+                </a:solidFill>
+                <a:latin typeface="Corbel" panose="020B0503020204020204" pitchFamily="34" charset="0"/>
+              </a:rPr>
               <a:t>Технологии</a:t>
             </a:r>
             <a:r>
-              <a:rPr lang="en-US" b="1" dirty="0"/>
+              <a:rPr lang="en-US" b="1" dirty="0">
+                <a:solidFill>
+                  <a:schemeClr val="tx1"/>
+                </a:solidFill>
+                <a:latin typeface="Corbel" panose="020B0503020204020204" pitchFamily="34" charset="0"/>
+              </a:rPr>
               <a:t>:</a:t>
             </a:r>
-            <a:endParaRPr lang="ru-RU" dirty="0"/>
+            <a:endParaRPr lang="ru-RU" dirty="0">
+              <a:solidFill>
+                <a:schemeClr val="tx1"/>
+              </a:solidFill>
+              <a:latin typeface="Corbel" panose="020B0503020204020204" pitchFamily="34" charset="0"/>
+            </a:endParaRPr>
           </a:p>
           <a:p>
             <a:pPr lvl="0"/>
             <a:r>
-              <a:rPr lang="en-US" dirty="0"/>
+              <a:rPr lang="en-US" dirty="0">
+                <a:solidFill>
+                  <a:schemeClr val="tx1"/>
+                </a:solidFill>
+                <a:latin typeface="Corbel" panose="020B0503020204020204" pitchFamily="34" charset="0"/>
+              </a:rPr>
               <a:t>telegram</a:t>
             </a:r>
-            <a:endParaRPr lang="ru-RU" dirty="0"/>
+            <a:endParaRPr lang="ru-RU" dirty="0">
+              <a:solidFill>
+                <a:schemeClr val="tx1"/>
+              </a:solidFill>
+              <a:latin typeface="Corbel" panose="020B0503020204020204" pitchFamily="34" charset="0"/>
+            </a:endParaRPr>
           </a:p>
           <a:p>
             <a:pPr lvl="0"/>
             <a:r>
-              <a:rPr lang="en-US" dirty="0"/>
+              <a:rPr lang="en-US" dirty="0">
+                <a:solidFill>
+                  <a:schemeClr val="tx1"/>
+                </a:solidFill>
+                <a:latin typeface="Corbel" panose="020B0503020204020204" pitchFamily="34" charset="0"/>
+              </a:rPr>
               <a:t>sqlalchemy</a:t>
             </a:r>
-            <a:endParaRPr lang="ru-RU" dirty="0"/>
-          </a:p>
-          <a:p>
-            <a:endParaRPr lang="ru-RU" dirty="0"/>
+            <a:endParaRPr lang="ru-RU" dirty="0">
+              <a:solidFill>
+                <a:schemeClr val="tx1"/>
+              </a:solidFill>
+              <a:latin typeface="Corbel" panose="020B0503020204020204" pitchFamily="34" charset="0"/>
+            </a:endParaRPr>
+          </a:p>
+          <a:p>
+            <a:pPr lvl="0"/>
+            <a:r>
+              <a:rPr lang="ru-RU" dirty="0" err="1">
+                <a:solidFill>
+                  <a:schemeClr val="tx1"/>
+                </a:solidFill>
+              </a:rPr>
+              <a:t>Yandex.Maps</a:t>
+            </a:r>
+            <a:r>
+              <a:rPr lang="ru-RU" dirty="0">
+                <a:solidFill>
+                  <a:schemeClr val="tx1"/>
+                </a:solidFill>
+              </a:rPr>
+              <a:t> API</a:t>
+            </a:r>
+          </a:p>
+          <a:p>
+            <a:endParaRPr lang="ru-RU" dirty="0">
+              <a:solidFill>
+                <a:schemeClr val="tx1"/>
+              </a:solidFill>
+            </a:endParaRPr>
           </a:p>
         </p:txBody>
       </p:sp>
@@ -4961,7 +8876,12 @@
             <p:ph sz="half" idx="2"/>
           </p:nvPr>
         </p:nvSpPr>
-        <p:spPr/>
+        <p:spPr>
+          <a:xfrm>
+            <a:off x="6647796" y="1797269"/>
+            <a:ext cx="4800600" cy="4108231"/>
+          </a:xfrm>
+        </p:spPr>
         <p:txBody>
           <a:bodyPr/>
           <a:lstStyle/>
@@ -4970,53 +8890,118 @@
               <a:buNone/>
             </a:pPr>
             <a:r>
-              <a:rPr lang="ru-RU" b="1" dirty="0"/>
+              <a:rPr lang="ru-RU" b="1" dirty="0">
+                <a:solidFill>
+                  <a:schemeClr val="tx1"/>
+                </a:solidFill>
+                <a:latin typeface="Corbel" panose="020B0503020204020204" pitchFamily="34" charset="0"/>
+              </a:rPr>
               <a:t>Библиотеки:</a:t>
             </a:r>
-            <a:endParaRPr lang="ru-RU" dirty="0"/>
+            <a:endParaRPr lang="ru-RU" dirty="0">
+              <a:solidFill>
+                <a:schemeClr val="tx1"/>
+              </a:solidFill>
+              <a:latin typeface="Corbel" panose="020B0503020204020204" pitchFamily="34" charset="0"/>
+            </a:endParaRPr>
           </a:p>
           <a:p>
             <a:pPr lvl="0"/>
             <a:r>
-              <a:rPr lang="en-US" dirty="0"/>
+              <a:rPr lang="en-US" dirty="0">
+                <a:solidFill>
+                  <a:schemeClr val="tx1"/>
+                </a:solidFill>
+                <a:latin typeface="Corbel" panose="020B0503020204020204" pitchFamily="34" charset="0"/>
+              </a:rPr>
               <a:t>telegram</a:t>
             </a:r>
-            <a:endParaRPr lang="ru-RU" dirty="0"/>
+            <a:endParaRPr lang="ru-RU" dirty="0">
+              <a:solidFill>
+                <a:schemeClr val="tx1"/>
+              </a:solidFill>
+              <a:latin typeface="Corbel" panose="020B0503020204020204" pitchFamily="34" charset="0"/>
+            </a:endParaRPr>
           </a:p>
           <a:p>
             <a:pPr lvl="0"/>
             <a:r>
-              <a:rPr lang="en-US" dirty="0"/>
+              <a:rPr lang="en-US" dirty="0">
+                <a:solidFill>
+                  <a:schemeClr val="tx1"/>
+                </a:solidFill>
+                <a:latin typeface="Corbel" panose="020B0503020204020204" pitchFamily="34" charset="0"/>
+              </a:rPr>
               <a:t>sqlalchemy</a:t>
             </a:r>
-            <a:endParaRPr lang="ru-RU" dirty="0"/>
+            <a:endParaRPr lang="ru-RU" dirty="0">
+              <a:solidFill>
+                <a:schemeClr val="tx1"/>
+              </a:solidFill>
+              <a:latin typeface="Corbel" panose="020B0503020204020204" pitchFamily="34" charset="0"/>
+            </a:endParaRPr>
           </a:p>
           <a:p>
             <a:pPr lvl="0"/>
             <a:r>
-              <a:rPr lang="en-US" dirty="0"/>
+              <a:rPr lang="en-US" dirty="0">
+                <a:solidFill>
+                  <a:schemeClr val="tx1"/>
+                </a:solidFill>
+                <a:latin typeface="Corbel" panose="020B0503020204020204" pitchFamily="34" charset="0"/>
+              </a:rPr>
               <a:t>logging</a:t>
             </a:r>
-            <a:endParaRPr lang="ru-RU" dirty="0"/>
+            <a:endParaRPr lang="ru-RU" dirty="0">
+              <a:solidFill>
+                <a:schemeClr val="tx1"/>
+              </a:solidFill>
+              <a:latin typeface="Corbel" panose="020B0503020204020204" pitchFamily="34" charset="0"/>
+            </a:endParaRPr>
           </a:p>
           <a:p>
             <a:pPr lvl="0"/>
             <a:r>
-              <a:rPr lang="en-US" dirty="0"/>
+              <a:rPr lang="en-US" dirty="0">
+                <a:solidFill>
+                  <a:schemeClr val="tx1"/>
+                </a:solidFill>
+                <a:latin typeface="Corbel" panose="020B0503020204020204" pitchFamily="34" charset="0"/>
+              </a:rPr>
               <a:t>datetime</a:t>
             </a:r>
-            <a:endParaRPr lang="ru-RU" dirty="0"/>
+            <a:endParaRPr lang="ru-RU" dirty="0">
+              <a:solidFill>
+                <a:schemeClr val="tx1"/>
+              </a:solidFill>
+              <a:latin typeface="Corbel" panose="020B0503020204020204" pitchFamily="34" charset="0"/>
+            </a:endParaRPr>
           </a:p>
           <a:p>
             <a:pPr lvl="0"/>
             <a:r>
-              <a:rPr lang="en-US" dirty="0"/>
+              <a:rPr lang="en-US" dirty="0">
+                <a:solidFill>
+                  <a:schemeClr val="tx1"/>
+                </a:solidFill>
+                <a:latin typeface="Corbel" panose="020B0503020204020204" pitchFamily="34" charset="0"/>
+              </a:rPr>
               <a:t>random</a:t>
             </a:r>
-            <a:endParaRPr lang="ru-RU" dirty="0"/>
-          </a:p>
-          <a:p>
-            <a:endParaRPr lang="ru-RU" dirty="0"/>
+            <a:endParaRPr lang="ru-RU" dirty="0">
+              <a:solidFill>
+                <a:schemeClr val="tx1"/>
+              </a:solidFill>
+              <a:latin typeface="Corbel" panose="020B0503020204020204" pitchFamily="34" charset="0"/>
+            </a:endParaRPr>
+          </a:p>
+          <a:p>
+            <a:endParaRPr lang="ru-RU" dirty="0">
+              <a:solidFill>
+                <a:schemeClr val="tx1"/>
+              </a:solidFill>
+              <a:latin typeface="Corbel" panose="020B0503020204020204" pitchFamily="34" charset="0"/>
+            </a:endParaRPr>
           </a:p>
         </p:txBody>
       </p:sp>
@@ -5030,13 +9015,20 @@
   <p:clrMapOvr>
     <a:masterClrMapping/>
   </p:clrMapOvr>
+  <p:timing>
+    <p:tnLst>
+      <p:par>
+        <p:cTn id="1" dur="indefinite" restart="never" nodeType="tmRoot"/>
+      </p:par>
+    </p:tnLst>
+  </p:timing>
 </p:sld>
 </file>
 
 <file path=ppt/theme/theme1.xml><?xml version="1.0" encoding="utf-8"?>
-<a:theme xmlns:a="http://schemas.openxmlformats.org/drawingml/2006/main" name="Обрезка">
+<a:theme xmlns:a="http://schemas.openxmlformats.org/drawingml/2006/main" name="Badge">
   <a:themeElements>
-    <a:clrScheme name="Crop">
+    <a:clrScheme name="Badge">
       <a:dk1>
         <a:sysClr val="windowText" lastClr="000000"/>
       </a:dk1>
@@ -5044,48 +9036,48 @@
         <a:sysClr val="window" lastClr="FFFFFF"/>
       </a:lt1>
       <a:dk2>
-        <a:srgbClr val="191B0E"/>
+        <a:srgbClr val="171312"/>
       </a:dk2>
       <a:lt2>
-        <a:srgbClr val="EFEDE3"/>
+        <a:srgbClr val="F7F0DF"/>
       </a:lt2>
       <a:accent1>
-        <a:srgbClr val="8C8D86"/>
+        <a:srgbClr val="53AE6E"/>
       </a:accent1>
       <a:accent2>
-        <a:srgbClr val="E6C069"/>
+        <a:srgbClr val="326267"/>
       </a:accent2>
       <a:accent3>
-        <a:srgbClr val="897B61"/>
+        <a:srgbClr val="C5C34A"/>
       </a:accent3>
       <a:accent4>
-        <a:srgbClr val="8DAB8E"/>
+        <a:srgbClr val="BF6546"/>
       </a:accent4>
       <a:accent5>
-        <a:srgbClr val="77A2BB"/>
+        <a:srgbClr val="81B5A8"/>
       </a:accent5>
       <a:accent6>
-        <a:srgbClr val="E28394"/>
+        <a:srgbClr val="636455"/>
       </a:accent6>
       <a:hlink>
-        <a:srgbClr val="77A2BB"/>
+        <a:srgbClr val="81B5A8"/>
       </a:hlink>
       <a:folHlink>
-        <a:srgbClr val="957A99"/>
+        <a:srgbClr val="936888"/>
       </a:folHlink>
     </a:clrScheme>
-    <a:fontScheme name="Crop">
+    <a:fontScheme name="Badge">
       <a:majorFont>
-        <a:latin typeface="Franklin Gothic Book" panose="020B0503020102020204"/>
+        <a:latin typeface="Impact" panose="020B0806030902050204"/>
         <a:ea typeface=""/>
         <a:cs typeface=""/>
         <a:font script="Jpan" typeface="メイリオ"/>
-        <a:font script="Hang" typeface="돋움"/>
-        <a:font script="Hans" typeface="华文楷体"/>
-        <a:font script="Hant" typeface="微軟正黑體"/>
-        <a:font script="Arab" typeface="Tahoma"/>
-        <a:font script="Hebr" typeface="Aharoni"/>
-        <a:font script="Thai" typeface="LilyUPC"/>
+        <a:font script="Hang" typeface="맑은 고딕"/>
+        <a:font script="Hans" typeface="宋体"/>
+        <a:font script="Hant" typeface="新細明體"/>
+        <a:font script="Arab" typeface="Arial"/>
+        <a:font script="Hebr" typeface="Arial"/>
+        <a:font script="Thai" typeface="Cordia New"/>
         <a:font script="Ethi" typeface="Nyala"/>
         <a:font script="Beng" typeface="Vrinda"/>
         <a:font script="Gujr" typeface="Shruti"/>
@@ -5106,21 +9098,23 @@
         <a:font script="Laoo" typeface="DokChampa"/>
         <a:font script="Sinh" typeface="Iskoola Pota"/>
         <a:font script="Mong" typeface="Mongolian Baiti"/>
-        <a:font script="Viet" typeface="Tahoma"/>
+        <a:font script="Viet" typeface="Arial"/>
         <a:font script="Uigh" typeface="Microsoft Uighur"/>
         <a:font script="Geor" typeface="Sylfaen"/>
       </a:majorFont>
       <a:minorFont>
-        <a:latin typeface="Franklin Gothic Book" panose="020B0503020102020204"/>
+        <a:latin typeface="Gill Sans MT" panose="020B0502020104020203"/>
         <a:ea typeface=""/>
         <a:cs typeface=""/>
+        <a:font script="Grek" typeface="Corbel"/>
+        <a:font script="Cyrl" typeface="Corbel"/>
         <a:font script="Jpan" typeface="メイリオ"/>
-        <a:font script="Hang" typeface="돋움"/>
-        <a:font script="Hans" typeface="华文楷体"/>
+        <a:font script="Hang" typeface="휴먼매직체"/>
+        <a:font script="Hans" typeface="华文中宋"/>
         <a:font script="Hant" typeface="微軟正黑體"/>
-        <a:font script="Arab" typeface="Tahoma"/>
-        <a:font script="Hebr" typeface="Aharoni"/>
-        <a:font script="Thai" typeface="LilyUPC"/>
+        <a:font script="Arab" typeface="Majalla UI"/>
+        <a:font script="Hebr" typeface="Arial"/>
+        <a:font script="Thai" typeface="Cordia New"/>
         <a:font script="Ethi" typeface="Nyala"/>
         <a:font script="Beng" typeface="Vrinda"/>
         <a:font script="Gujr" typeface="Shruti"/>
@@ -5146,7 +9140,7 @@
         <a:font script="Geor" typeface="Sylfaen"/>
       </a:minorFont>
     </a:fontScheme>
-    <a:fmtScheme name="Crop">
+    <a:fmtScheme name="Badge">
       <a:fillStyleLst>
         <a:solidFill>
           <a:schemeClr val="phClr"/>
@@ -5211,13 +9205,13 @@
           </a:solidFill>
           <a:prstDash val="solid"/>
         </a:ln>
-        <a:ln w="34925" cap="flat" cmpd="sng" algn="in">
+        <a:ln w="12700" cap="flat" cmpd="sng" algn="in">
           <a:solidFill>
             <a:schemeClr val="phClr"/>
           </a:solidFill>
           <a:prstDash val="solid"/>
         </a:ln>
-        <a:ln w="19050" cap="flat" cmpd="sng" algn="in">
+        <a:ln w="50800" cap="flat" cmpd="sng" algn="in">
           <a:solidFill>
             <a:schemeClr val="phClr"/>
           </a:solidFill>
@@ -5233,9 +9227,9 @@
         </a:effectStyle>
         <a:effectStyle>
           <a:effectLst>
-            <a:outerShdw blurRad="57150" dist="19050" dir="5400000" algn="ctr" rotWithShape="0">
+            <a:outerShdw blurRad="38100" dist="25400" dir="5400000" algn="ctr" rotWithShape="0">
               <a:srgbClr val="000000">
-                <a:alpha val="35000"/>
+                <a:alpha val="25000"/>
               </a:srgbClr>
             </a:outerShdw>
           </a:effectLst>
@@ -5285,7 +9279,7 @@
   <a:extraClrSchemeLst/>
   <a:extLst>
     <a:ext uri="{05A4C25C-085E-4340-85A3-A5531E510DB2}">
-      <thm15:themeFamily xmlns:thm15="http://schemas.microsoft.com/office/thememl/2012/main" name="Crop" id="{EC9488ED-E761-4D60-9AC4-764D1FE2C171}" vid="{CE19780C-D67D-4C13-9DE9-A52BC3BA51B4}"/>
+      <thm15:themeFamily xmlns:thm15="http://schemas.microsoft.com/office/thememl/2012/main" name="Badge" id="{71A07785-5930-41D4-9A83-E23602B48E98}" vid="{A1A3E1F0-B5EF-49C5-810A-B1B32AEDDC80}"/>
     </a:ext>
   </a:extLst>
 </a:theme>

--- a/Бот Семён.pptx
+++ b/Бот Семён.pptx
@@ -10,7 +10,8 @@
     <p:sldId id="262" r:id="rId4"/>
     <p:sldId id="264" r:id="rId5"/>
     <p:sldId id="265" r:id="rId6"/>
-    <p:sldId id="261" r:id="rId7"/>
+    <p:sldId id="267" r:id="rId7"/>
+    <p:sldId id="261" r:id="rId8"/>
   </p:sldIdLst>
   <p:sldSz cx="12192000" cy="6858000"/>
   <p:notesSz cx="6858000" cy="9144000"/>
@@ -1329,7 +1330,7 @@
             <a:fld id="{87DE6118-2437-4B30-8E3C-4D2BE6020583}" type="datetimeFigureOut">
               <a:rPr lang="en-US" smtClean="0"/>
               <a:pPr/>
-              <a:t>4/20/2023</a:t>
+              <a:t>4/24/2023</a:t>
             </a:fld>
             <a:endParaRPr lang="en-US" dirty="0"/>
           </a:p>
@@ -1568,7 +1569,7 @@
           <a:p>
             <a:fld id="{87DE6118-2437-4B30-8E3C-4D2BE6020583}" type="datetimeFigureOut">
               <a:rPr lang="en-US" smtClean="0"/>
-              <a:t>4/20/2023</a:t>
+              <a:t>4/24/2023</a:t>
             </a:fld>
             <a:endParaRPr lang="en-US" dirty="0"/>
           </a:p>
@@ -1748,7 +1749,7 @@
           <a:p>
             <a:fld id="{87DE6118-2437-4B30-8E3C-4D2BE6020583}" type="datetimeFigureOut">
               <a:rPr lang="en-US" smtClean="0"/>
-              <a:t>4/20/2023</a:t>
+              <a:t>4/24/2023</a:t>
             </a:fld>
             <a:endParaRPr lang="en-US" dirty="0"/>
           </a:p>
@@ -1918,7 +1919,7 @@
           <a:p>
             <a:fld id="{87DE6118-2437-4B30-8E3C-4D2BE6020583}" type="datetimeFigureOut">
               <a:rPr lang="en-US" smtClean="0"/>
-              <a:t>4/20/2023</a:t>
+              <a:t>4/24/2023</a:t>
             </a:fld>
             <a:endParaRPr lang="en-US" dirty="0"/>
           </a:p>
@@ -2192,7 +2193,7 @@
             <a:fld id="{87DE6118-2437-4B30-8E3C-4D2BE6020583}" type="datetimeFigureOut">
               <a:rPr lang="en-US" smtClean="0"/>
               <a:pPr/>
-              <a:t>4/20/2023</a:t>
+              <a:t>4/24/2023</a:t>
             </a:fld>
             <a:endParaRPr lang="en-US" dirty="0"/>
           </a:p>
@@ -3394,7 +3395,7 @@
           <a:p>
             <a:fld id="{87DE6118-2437-4B30-8E3C-4D2BE6020583}" type="datetimeFigureOut">
               <a:rPr lang="en-US" smtClean="0"/>
-              <a:t>4/20/2023</a:t>
+              <a:t>4/24/2023</a:t>
             </a:fld>
             <a:endParaRPr lang="en-US" dirty="0"/>
           </a:p>
@@ -3784,7 +3785,7 @@
           <a:p>
             <a:fld id="{87DE6118-2437-4B30-8E3C-4D2BE6020583}" type="datetimeFigureOut">
               <a:rPr lang="en-US" smtClean="0"/>
-              <a:t>4/20/2023</a:t>
+              <a:t>4/24/2023</a:t>
             </a:fld>
             <a:endParaRPr lang="en-US" dirty="0"/>
           </a:p>
@@ -3907,7 +3908,7 @@
           <a:p>
             <a:fld id="{87DE6118-2437-4B30-8E3C-4D2BE6020583}" type="datetimeFigureOut">
               <a:rPr lang="en-US" smtClean="0"/>
-              <a:t>4/20/2023</a:t>
+              <a:t>4/24/2023</a:t>
             </a:fld>
             <a:endParaRPr lang="en-US" dirty="0"/>
           </a:p>
@@ -4002,7 +4003,7 @@
           <a:p>
             <a:fld id="{87DE6118-2437-4B30-8E3C-4D2BE6020583}" type="datetimeFigureOut">
               <a:rPr lang="en-US" smtClean="0"/>
-              <a:t>4/20/2023</a:t>
+              <a:t>4/24/2023</a:t>
             </a:fld>
             <a:endParaRPr lang="en-US" dirty="0"/>
           </a:p>
@@ -4766,7 +4767,7 @@
             <a:fld id="{87DE6118-2437-4B30-8E3C-4D2BE6020583}" type="datetimeFigureOut">
               <a:rPr lang="en-US" smtClean="0"/>
               <a:pPr/>
-              <a:t>4/20/2023</a:t>
+              <a:t>4/24/2023</a:t>
             </a:fld>
             <a:endParaRPr lang="en-US" dirty="0"/>
           </a:p>
@@ -5608,7 +5609,7 @@
             <a:fld id="{87DE6118-2437-4B30-8E3C-4D2BE6020583}" type="datetimeFigureOut">
               <a:rPr lang="en-US" smtClean="0"/>
               <a:pPr/>
-              <a:t>4/20/2023</a:t>
+              <a:t>4/24/2023</a:t>
             </a:fld>
             <a:endParaRPr lang="en-US" dirty="0"/>
           </a:p>
@@ -5837,7 +5838,7 @@
             <a:fld id="{87DE6118-2437-4B30-8E3C-4D2BE6020583}" type="datetimeFigureOut">
               <a:rPr lang="en-US" smtClean="0"/>
               <a:pPr/>
-              <a:t>4/20/2023</a:t>
+              <a:t>4/24/2023</a:t>
             </a:fld>
             <a:endParaRPr lang="en-US" dirty="0"/>
           </a:p>
@@ -8637,9 +8638,6 @@
               </a:rPr>
               <a:t>завершение сессии.</a:t>
             </a:r>
-            <a:endParaRPr lang="ru-RU" sz="1400" dirty="0">
-              <a:latin typeface="Corbel Light" panose="020B0303020204020204" pitchFamily="34" charset="0"/>
-            </a:endParaRPr>
           </a:p>
         </p:txBody>
       </p:sp>
@@ -8716,6 +8714,203 @@
       </p:grpSpPr>
       <p:sp>
         <p:nvSpPr>
+          <p:cNvPr id="8" name="Заголовок 7"/>
+          <p:cNvSpPr>
+            <a:spLocks noGrp="1"/>
+          </p:cNvSpPr>
+          <p:nvPr>
+            <p:ph type="title"/>
+          </p:nvPr>
+        </p:nvSpPr>
+        <p:spPr>
+          <a:xfrm>
+            <a:off x="8337884" y="439335"/>
+            <a:ext cx="3092115" cy="439925"/>
+          </a:xfrm>
+        </p:spPr>
+        <p:txBody>
+          <a:bodyPr/>
+          <a:lstStyle/>
+          <a:p>
+            <a:r>
+              <a:rPr lang="ru-RU" dirty="0" smtClean="0">
+                <a:latin typeface="Corbel" panose="020B0503020204020204" pitchFamily="34" charset="0"/>
+              </a:rPr>
+              <a:t>Обработчики</a:t>
+            </a:r>
+            <a:endParaRPr lang="ru-RU" dirty="0">
+              <a:latin typeface="Corbel" panose="020B0503020204020204" pitchFamily="34" charset="0"/>
+            </a:endParaRPr>
+          </a:p>
+        </p:txBody>
+      </p:sp>
+      <p:sp>
+        <p:nvSpPr>
+          <p:cNvPr id="10" name="Текст 9"/>
+          <p:cNvSpPr>
+            <a:spLocks noGrp="1"/>
+          </p:cNvSpPr>
+          <p:nvPr>
+            <p:ph type="body" sz="half" idx="2"/>
+          </p:nvPr>
+        </p:nvSpPr>
+        <p:spPr>
+          <a:xfrm>
+            <a:off x="8337885" y="1097880"/>
+            <a:ext cx="3092115" cy="4807620"/>
+          </a:xfrm>
+        </p:spPr>
+        <p:txBody>
+          <a:bodyPr>
+            <a:noAutofit/>
+          </a:bodyPr>
+          <a:lstStyle/>
+          <a:p>
+            <a:pPr marL="285750" indent="-285750">
+              <a:spcBef>
+                <a:spcPts val="600"/>
+              </a:spcBef>
+              <a:buClr>
+                <a:schemeClr val="bg2"/>
+              </a:buClr>
+              <a:buFont typeface="Arial" panose="020B0604020202020204" pitchFamily="34" charset="0"/>
+              <a:buChar char="•"/>
+            </a:pPr>
+            <a:r>
+              <a:rPr lang="en-US" sz="1400" i="1" dirty="0" err="1" smtClean="0">
+                <a:latin typeface="Corbel Light" panose="020B0303020204020204" pitchFamily="34" charset="0"/>
+              </a:rPr>
+              <a:t>db_mod</a:t>
+            </a:r>
+            <a:r>
+              <a:rPr lang="en-US" sz="1400" dirty="0" smtClean="0">
+                <a:latin typeface="Corbel Light" panose="020B0303020204020204" pitchFamily="34" charset="0"/>
+              </a:rPr>
+              <a:t> – </a:t>
+            </a:r>
+            <a:r>
+              <a:rPr lang="ru-RU" sz="1400" dirty="0" smtClean="0">
+                <a:latin typeface="Corbel Light" panose="020B0303020204020204" pitchFamily="34" charset="0"/>
+              </a:rPr>
+              <a:t>форма для отправки нового вопроса на </a:t>
+            </a:r>
+            <a:r>
+              <a:rPr lang="ru-RU" sz="1400" dirty="0" err="1" smtClean="0">
+                <a:latin typeface="Corbel Light" panose="020B0303020204020204" pitchFamily="34" charset="0"/>
+              </a:rPr>
+              <a:t>модерацию</a:t>
+            </a:r>
+            <a:r>
+              <a:rPr lang="ru-RU" sz="1400" dirty="0" smtClean="0">
+                <a:latin typeface="Corbel Light" panose="020B0303020204020204" pitchFamily="34" charset="0"/>
+              </a:rPr>
+              <a:t> для последующего добавления в базу данных</a:t>
+            </a:r>
+            <a:endParaRPr lang="ru-RU" sz="1400" dirty="0">
+              <a:latin typeface="Corbel Light" panose="020B0303020204020204" pitchFamily="34" charset="0"/>
+            </a:endParaRPr>
+          </a:p>
+        </p:txBody>
+      </p:sp>
+      <p:sp>
+        <p:nvSpPr>
+          <p:cNvPr id="11" name="TextBox 10"/>
+          <p:cNvSpPr txBox="1"/>
+          <p:nvPr/>
+        </p:nvSpPr>
+        <p:spPr>
+          <a:xfrm>
+            <a:off x="765051" y="220717"/>
+            <a:ext cx="3634328" cy="877163"/>
+          </a:xfrm>
+          <a:prstGeom prst="rect">
+            <a:avLst/>
+          </a:prstGeom>
+          <a:noFill/>
+        </p:spPr>
+        <p:txBody>
+          <a:bodyPr wrap="none" rtlCol="0">
+            <a:spAutoFit/>
+          </a:bodyPr>
+          <a:lstStyle/>
+          <a:p>
+            <a:r>
+              <a:rPr lang="ru-RU" sz="5100" dirty="0" smtClean="0">
+                <a:latin typeface="+mj-lt"/>
+              </a:rPr>
+              <a:t>Реализация</a:t>
+            </a:r>
+            <a:endParaRPr lang="ru-RU" sz="5100" dirty="0">
+              <a:latin typeface="+mj-lt"/>
+            </a:endParaRPr>
+          </a:p>
+        </p:txBody>
+      </p:sp>
+      <p:pic>
+        <p:nvPicPr>
+          <p:cNvPr id="4" name="Объект 3"/>
+          <p:cNvPicPr>
+            <a:picLocks noGrp="1" noChangeAspect="1"/>
+          </p:cNvPicPr>
+          <p:nvPr>
+            <p:ph idx="1"/>
+          </p:nvPr>
+        </p:nvPicPr>
+        <p:blipFill>
+          <a:blip r:embed="rId2"/>
+          <a:stretch>
+            <a:fillRect/>
+          </a:stretch>
+        </p:blipFill>
+        <p:spPr>
+          <a:xfrm>
+            <a:off x="765051" y="1188764"/>
+            <a:ext cx="5461233" cy="4984750"/>
+          </a:xfrm>
+          <a:prstGeom prst="rect">
+            <a:avLst/>
+          </a:prstGeom>
+        </p:spPr>
+      </p:pic>
+    </p:spTree>
+    <p:extLst>
+      <p:ext uri="{BB962C8B-B14F-4D97-AF65-F5344CB8AC3E}">
+        <p14:creationId xmlns:p14="http://schemas.microsoft.com/office/powerpoint/2010/main" val="4103410767"/>
+      </p:ext>
+    </p:extLst>
+  </p:cSld>
+  <p:clrMapOvr>
+    <a:masterClrMapping/>
+  </p:clrMapOvr>
+  <p:timing>
+    <p:tnLst>
+      <p:par>
+        <p:cTn id="1" dur="indefinite" restart="never" nodeType="tmRoot"/>
+      </p:par>
+    </p:tnLst>
+  </p:timing>
+</p:sld>
+</file>
+
+<file path=ppt/slides/slide7.xml><?xml version="1.0" encoding="utf-8"?>
+<p:sld xmlns:a="http://schemas.openxmlformats.org/drawingml/2006/main" xmlns:r="http://schemas.openxmlformats.org/officeDocument/2006/relationships" xmlns:p="http://schemas.openxmlformats.org/presentationml/2006/main">
+  <p:cSld>
+    <p:spTree>
+      <p:nvGrpSpPr>
+        <p:cNvPr id="1" name=""/>
+        <p:cNvGrpSpPr/>
+        <p:nvPr/>
+      </p:nvGrpSpPr>
+      <p:grpSpPr>
+        <a:xfrm>
+          <a:off x="0" y="0"/>
+          <a:ext cx="0" cy="0"/>
+          <a:chOff x="0" y="0"/>
+          <a:chExt cx="0" cy="0"/>
+        </a:xfrm>
+      </p:grpSpPr>
+      <p:sp>
+        <p:nvSpPr>
           <p:cNvPr id="2" name="Заголовок 1">
             <a:extLst>
               <a:ext uri="{FF2B5EF4-FFF2-40B4-BE49-F238E27FC236}">
@@ -8980,13 +9175,25 @@
           <a:p>
             <a:pPr lvl="0"/>
             <a:r>
-              <a:rPr lang="en-US" dirty="0">
+              <a:rPr lang="en-US" dirty="0" smtClean="0">
                 <a:solidFill>
                   <a:schemeClr val="tx1"/>
                 </a:solidFill>
                 <a:latin typeface="Corbel" panose="020B0503020204020204" pitchFamily="34" charset="0"/>
               </a:rPr>
               <a:t>random</a:t>
+            </a:r>
+          </a:p>
+          <a:p>
+            <a:pPr lvl="0"/>
+            <a:r>
+              <a:rPr lang="en-US" dirty="0" smtClean="0">
+                <a:solidFill>
+                  <a:schemeClr val="tx1"/>
+                </a:solidFill>
+                <a:latin typeface="Corbel" panose="020B0503020204020204" pitchFamily="34" charset="0"/>
+              </a:rPr>
+              <a:t>flask</a:t>
             </a:r>
             <a:endParaRPr lang="ru-RU" dirty="0">
               <a:solidFill>

--- a/Бот Семён.pptx
+++ b/Бот Семён.pptx
@@ -7112,32 +7112,6 @@
           </a:p>
         </p:txBody>
       </p:sp>
-      <p:pic>
-        <p:nvPicPr>
-          <p:cNvPr id="12" name="Объект 11"/>
-          <p:cNvPicPr>
-            <a:picLocks noGrp="1" noChangeAspect="1"/>
-          </p:cNvPicPr>
-          <p:nvPr>
-            <p:ph idx="1"/>
-          </p:nvPr>
-        </p:nvPicPr>
-        <p:blipFill>
-          <a:blip r:embed="rId2"/>
-          <a:stretch>
-            <a:fillRect/>
-          </a:stretch>
-        </p:blipFill>
-        <p:spPr>
-          <a:xfrm>
-            <a:off x="765175" y="1444301"/>
-            <a:ext cx="6157913" cy="3937648"/>
-          </a:xfrm>
-          <a:prstGeom prst="rect">
-            <a:avLst/>
-          </a:prstGeom>
-        </p:spPr>
-      </p:pic>
       <p:sp>
         <p:nvSpPr>
           <p:cNvPr id="10" name="Текст 9"/>
@@ -7598,6 +7572,56 @@
           </a:p>
         </p:txBody>
       </p:sp>
+      <p:pic>
+        <p:nvPicPr>
+          <p:cNvPr id="2" name="Рисунок 1"/>
+          <p:cNvPicPr>
+            <a:picLocks noChangeAspect="1"/>
+          </p:cNvPicPr>
+          <p:nvPr/>
+        </p:nvPicPr>
+        <p:blipFill>
+          <a:blip r:embed="rId2"/>
+          <a:stretch>
+            <a:fillRect/>
+          </a:stretch>
+        </p:blipFill>
+        <p:spPr>
+          <a:xfrm>
+            <a:off x="2191830" y="4544321"/>
+            <a:ext cx="4547928" cy="2050753"/>
+          </a:xfrm>
+          <a:prstGeom prst="rect">
+            <a:avLst/>
+          </a:prstGeom>
+        </p:spPr>
+      </p:pic>
+      <p:pic>
+        <p:nvPicPr>
+          <p:cNvPr id="4" name="Объект 3"/>
+          <p:cNvPicPr>
+            <a:picLocks noGrp="1" noChangeAspect="1"/>
+          </p:cNvPicPr>
+          <p:nvPr>
+            <p:ph idx="1"/>
+          </p:nvPr>
+        </p:nvPicPr>
+        <p:blipFill>
+          <a:blip r:embed="rId3"/>
+          <a:stretch>
+            <a:fillRect/>
+          </a:stretch>
+        </p:blipFill>
+        <p:spPr>
+          <a:xfrm>
+            <a:off x="765175" y="1148908"/>
+            <a:ext cx="4547804" cy="3344385"/>
+          </a:xfrm>
+          <a:prstGeom prst="rect">
+            <a:avLst/>
+          </a:prstGeom>
+        </p:spPr>
+      </p:pic>
     </p:spTree>
     <p:extLst>
       <p:ext uri="{BB962C8B-B14F-4D97-AF65-F5344CB8AC3E}">
@@ -8606,8 +8630,47 @@
               <a:rPr lang="ru-RU" sz="1400" dirty="0">
                 <a:latin typeface="Corbel Light" panose="020B0303020204020204" pitchFamily="34" charset="0"/>
               </a:rPr>
-              <a:t>– вывод информации об авторах бота</a:t>
-            </a:r>
+              <a:t>– вывод информации об авторах </a:t>
+            </a:r>
+            <a:r>
+              <a:rPr lang="ru-RU" sz="1400" dirty="0" smtClean="0">
+                <a:latin typeface="Corbel Light" panose="020B0303020204020204" pitchFamily="34" charset="0"/>
+              </a:rPr>
+              <a:t>бота</a:t>
+            </a:r>
+          </a:p>
+          <a:p>
+            <a:pPr marL="285750" lvl="0" indent="-285750">
+              <a:spcBef>
+                <a:spcPts val="600"/>
+              </a:spcBef>
+              <a:buClr>
+                <a:schemeClr val="bg2"/>
+              </a:buClr>
+              <a:buFont typeface="Arial" panose="020B0604020202020204" pitchFamily="34" charset="0"/>
+              <a:buChar char="•"/>
+            </a:pPr>
+            <a:r>
+              <a:rPr lang="ru-RU" sz="1400" i="1" dirty="0" err="1" smtClean="0">
+                <a:latin typeface="Corbel Light" panose="020B0303020204020204" pitchFamily="34" charset="0"/>
+              </a:rPr>
+              <a:t>add</a:t>
+            </a:r>
+            <a:r>
+              <a:rPr lang="ru-RU" sz="1400" dirty="0" smtClean="0">
+                <a:latin typeface="Corbel Light" panose="020B0303020204020204" pitchFamily="34" charset="0"/>
+              </a:rPr>
+              <a:t> </a:t>
+            </a:r>
+            <a:r>
+              <a:rPr lang="ru-RU" sz="1400" dirty="0">
+                <a:latin typeface="Corbel Light" panose="020B0303020204020204" pitchFamily="34" charset="0"/>
+              </a:rPr>
+              <a:t>– добавление нового вопроса в викторину</a:t>
+            </a:r>
+            <a:endParaRPr lang="ru-RU" sz="1400" dirty="0">
+              <a:latin typeface="Corbel Light" panose="020B0303020204020204" pitchFamily="34" charset="0"/>
+            </a:endParaRPr>
           </a:p>
           <a:p>
             <a:pPr marL="285750" lvl="0" indent="-285750">
